--- a/Präsentationen/Digital Twin of Injection Molding.pptx
+++ b/Präsentationen/Digital Twin of Injection Molding.pptx
@@ -1695,7 +1695,7 @@
         </p:nvSpPr>
         <p:spPr>
           <a:xfrm>
-            <a:off x="381300" y="685800"/>
+            <a:off x="381000" y="685800"/>
             <a:ext cx="6096000" cy="3429000"/>
           </a:xfrm>
           <a:custGeom>
@@ -12220,8 +12220,8 @@
             </a:ln>
           </p:spPr>
         </p:cxnSp>
-        <mc:AlternateContent xmlns:mc="http://schemas.openxmlformats.org/markup-compatibility/2006">
-          <mc:Choice xmlns:a14="http://schemas.microsoft.com/office/drawing/2010/main" Requires="a14">
+        <mc:AlternateContent xmlns:mc="http://schemas.openxmlformats.org/markup-compatibility/2006" xmlns:a14="http://schemas.microsoft.com/office/drawing/2010/main">
+          <mc:Choice Requires="a14">
             <p:sp>
               <p:nvSpPr>
                 <p:cNvPr id="142" name="Google Shape;101;p14">
@@ -12327,7 +12327,7 @@
               </p:txBody>
             </p:sp>
           </mc:Choice>
-          <mc:Fallback>
+          <mc:Fallback xmlns="">
             <p:sp>
               <p:nvSpPr>
                 <p:cNvPr id="142" name="Google Shape;101;p14">
@@ -12886,8 +12886,8 @@
             </a:fontRef>
           </p:style>
         </p:cxnSp>
-        <mc:AlternateContent xmlns:mc="http://schemas.openxmlformats.org/markup-compatibility/2006">
-          <mc:Choice xmlns:a14="http://schemas.microsoft.com/office/drawing/2010/main" Requires="a14">
+        <mc:AlternateContent xmlns:mc="http://schemas.openxmlformats.org/markup-compatibility/2006" xmlns:a14="http://schemas.microsoft.com/office/drawing/2010/main">
+          <mc:Choice Requires="a14">
             <p:sp>
               <p:nvSpPr>
                 <p:cNvPr id="41" name="Google Shape;100;p14">
@@ -12986,7 +12986,7 @@
               </p:txBody>
             </p:sp>
           </mc:Choice>
-          <mc:Fallback>
+          <mc:Fallback xmlns="">
             <p:sp>
               <p:nvSpPr>
                 <p:cNvPr id="41" name="Google Shape;100;p14">
@@ -13070,8 +13070,8 @@
             </a:ln>
           </p:spPr>
         </p:cxnSp>
-        <mc:AlternateContent xmlns:mc="http://schemas.openxmlformats.org/markup-compatibility/2006">
-          <mc:Choice xmlns:a14="http://schemas.microsoft.com/office/drawing/2010/main" Requires="a14">
+        <mc:AlternateContent xmlns:mc="http://schemas.openxmlformats.org/markup-compatibility/2006" xmlns:a14="http://schemas.microsoft.com/office/drawing/2010/main">
+          <mc:Choice Requires="a14">
             <p:sp>
               <p:nvSpPr>
                 <p:cNvPr id="62" name="Google Shape;100;p14">
@@ -13191,7 +13191,7 @@
               </p:txBody>
             </p:sp>
           </mc:Choice>
-          <mc:Fallback>
+          <mc:Fallback xmlns="">
             <p:sp>
               <p:nvSpPr>
                 <p:cNvPr id="62" name="Google Shape;100;p14">
@@ -13385,8 +13385,8 @@
             </a:fontRef>
           </p:style>
         </p:cxnSp>
-        <mc:AlternateContent xmlns:mc="http://schemas.openxmlformats.org/markup-compatibility/2006">
-          <mc:Choice xmlns:a14="http://schemas.microsoft.com/office/drawing/2010/main" Requires="a14">
+        <mc:AlternateContent xmlns:mc="http://schemas.openxmlformats.org/markup-compatibility/2006" xmlns:a14="http://schemas.microsoft.com/office/drawing/2010/main">
+          <mc:Choice Requires="a14">
             <p:sp>
               <p:nvSpPr>
                 <p:cNvPr id="76" name="Google Shape;102;p14">
@@ -13464,7 +13464,7 @@
               </p:txBody>
             </p:sp>
           </mc:Choice>
-          <mc:Fallback>
+          <mc:Fallback xmlns="">
             <p:sp>
               <p:nvSpPr>
                 <p:cNvPr id="76" name="Google Shape;102;p14">
@@ -13617,8 +13617,8 @@
               </a:ln>
             </p:spPr>
           </p:cxnSp>
-          <mc:AlternateContent xmlns:mc="http://schemas.openxmlformats.org/markup-compatibility/2006">
-            <mc:Choice xmlns:a14="http://schemas.microsoft.com/office/drawing/2010/main" Requires="a14">
+          <mc:AlternateContent xmlns:mc="http://schemas.openxmlformats.org/markup-compatibility/2006" xmlns:a14="http://schemas.microsoft.com/office/drawing/2010/main">
+            <mc:Choice Requires="a14">
               <p:sp>
                 <p:nvSpPr>
                   <p:cNvPr id="98" name="Google Shape;102;p14">
@@ -13704,7 +13704,7 @@
                 </p:txBody>
               </p:sp>
             </mc:Choice>
-            <mc:Fallback>
+            <mc:Fallback xmlns="">
               <p:sp>
                 <p:nvSpPr>
                   <p:cNvPr id="98" name="Google Shape;102;p14">
@@ -13753,8 +13753,8 @@
             </mc:Fallback>
           </mc:AlternateContent>
         </p:grpSp>
-        <mc:AlternateContent xmlns:mc="http://schemas.openxmlformats.org/markup-compatibility/2006">
-          <mc:Choice xmlns:a14="http://schemas.microsoft.com/office/drawing/2010/main" Requires="a14">
+        <mc:AlternateContent xmlns:mc="http://schemas.openxmlformats.org/markup-compatibility/2006" xmlns:a14="http://schemas.microsoft.com/office/drawing/2010/main">
+          <mc:Choice Requires="a14">
             <p:sp>
               <p:nvSpPr>
                 <p:cNvPr id="109" name="Google Shape;334;p16">
@@ -13835,7 +13835,7 @@
               </p:txBody>
             </p:sp>
           </mc:Choice>
-          <mc:Fallback>
+          <mc:Fallback xmlns="">
             <p:sp>
               <p:nvSpPr>
                 <p:cNvPr id="109" name="Google Shape;334;p16">
@@ -14358,3654 +14358,6 @@
       </p:grpSpPr>
       <p:sp>
         <p:nvSpPr>
-          <p:cNvPr id="514" name="Google Shape;278;p16">
-            <a:extLst>
-              <a:ext uri="{FF2B5EF4-FFF2-40B4-BE49-F238E27FC236}">
-                <a16:creationId xmlns:a16="http://schemas.microsoft.com/office/drawing/2014/main" id="{49537301-1E0B-444A-9727-53468DF2F5A6}"/>
-              </a:ext>
-            </a:extLst>
-          </p:cNvPr>
-          <p:cNvSpPr/>
-          <p:nvPr/>
-        </p:nvSpPr>
-        <p:spPr>
-          <a:xfrm>
-            <a:off x="1502207" y="1704638"/>
-            <a:ext cx="3647141" cy="818322"/>
-          </a:xfrm>
-          <a:prstGeom prst="roundRect">
-            <a:avLst>
-              <a:gd name="adj" fmla="val 16667"/>
-            </a:avLst>
-          </a:prstGeom>
-          <a:solidFill>
-            <a:srgbClr val="9FC5E8"/>
-          </a:solidFill>
-          <a:ln w="9525" cap="flat" cmpd="sng">
-            <a:solidFill>
-              <a:schemeClr val="dk2"/>
-            </a:solidFill>
-            <a:prstDash val="solid"/>
-            <a:round/>
-            <a:headEnd type="none" w="sm" len="sm"/>
-            <a:tailEnd type="none" w="sm" len="sm"/>
-          </a:ln>
-        </p:spPr>
-        <p:txBody>
-          <a:bodyPr spcFirstLastPara="1" wrap="square" lIns="91425" tIns="91425" rIns="91425" bIns="91425" anchor="ctr" anchorCtr="0">
-            <a:noAutofit/>
-          </a:bodyPr>
-          <a:lstStyle/>
-          <a:p>
-            <a:pPr marL="0" lvl="0" indent="0" algn="l" rtl="0">
-              <a:spcBef>
-                <a:spcPts val="0"/>
-              </a:spcBef>
-              <a:spcAft>
-                <a:spcPts val="0"/>
-              </a:spcAft>
-              <a:buNone/>
-            </a:pPr>
-            <a:endParaRPr/>
-          </a:p>
-        </p:txBody>
-      </p:sp>
-      <mc:AlternateContent xmlns:mc="http://schemas.openxmlformats.org/markup-compatibility/2006">
-        <mc:Choice xmlns:a14="http://schemas.microsoft.com/office/drawing/2010/main" Requires="a14">
-          <p:sp>
-            <p:nvSpPr>
-              <p:cNvPr id="333" name="Google Shape;333;p16"/>
-              <p:cNvSpPr txBox="1"/>
-              <p:nvPr/>
-            </p:nvSpPr>
-            <p:spPr>
-              <a:xfrm>
-                <a:off x="2675094" y="1890611"/>
-                <a:ext cx="1221000" cy="420103"/>
-              </a:xfrm>
-              <a:prstGeom prst="rect">
-                <a:avLst/>
-              </a:prstGeom>
-              <a:noFill/>
-              <a:ln>
-                <a:noFill/>
-              </a:ln>
-            </p:spPr>
-            <p:txBody>
-              <a:bodyPr spcFirstLastPara="1" wrap="square" lIns="91425" tIns="91425" rIns="91425" bIns="91425" anchor="t" anchorCtr="0">
-                <a:noAutofit/>
-              </a:bodyPr>
-              <a:lstStyle/>
-              <a:p>
-                <a:pPr marL="0" lvl="0" indent="0" algn="ctr" rtl="0">
-                  <a:spcBef>
-                    <a:spcPts val="0"/>
-                  </a:spcBef>
-                  <a:spcAft>
-                    <a:spcPts val="0"/>
-                  </a:spcAft>
-                  <a:buNone/>
-                </a:pPr>
-                <a:r>
-                  <a:rPr lang="en" sz="1000" b="1" dirty="0">
-                    <a:latin typeface="Calibri" panose="020F0502020204030204" pitchFamily="34" charset="0"/>
-                    <a:cs typeface="Calibri" panose="020F0502020204030204" pitchFamily="34" charset="0"/>
-                  </a:rPr>
-                  <a:t>Prozess-</a:t>
-                </a:r>
-              </a:p>
-              <a:p>
-                <a:pPr marL="0" lvl="0" indent="0" algn="ctr" rtl="0">
-                  <a:spcBef>
-                    <a:spcPts val="0"/>
-                  </a:spcBef>
-                  <a:spcAft>
-                    <a:spcPts val="0"/>
-                  </a:spcAft>
-                  <a:buNone/>
-                </a:pPr>
-                <a:r>
-                  <a:rPr lang="en" sz="1000" b="1" dirty="0">
-                    <a:latin typeface="Calibri" panose="020F0502020204030204" pitchFamily="34" charset="0"/>
-                    <a:cs typeface="Calibri" panose="020F0502020204030204" pitchFamily="34" charset="0"/>
-                  </a:rPr>
-                  <a:t>größen </a:t>
-                </a:r>
-                <a14:m>
-                  <m:oMath xmlns:m="http://schemas.openxmlformats.org/officeDocument/2006/math">
-                    <m:r>
-                      <a:rPr lang="de-DE" sz="1000" b="1" i="1" smtClean="0">
-                        <a:latin typeface="Cambria Math" panose="02040503050406030204" pitchFamily="18" charset="0"/>
-                        <a:cs typeface="Calibri" panose="020F0502020204030204" pitchFamily="34" charset="0"/>
-                      </a:rPr>
-                      <m:t>𝒑</m:t>
-                    </m:r>
-                  </m:oMath>
-                </a14:m>
-                <a:endParaRPr sz="1000" dirty="0">
-                  <a:latin typeface="Calibri" panose="020F0502020204030204" pitchFamily="34" charset="0"/>
-                  <a:cs typeface="Calibri" panose="020F0502020204030204" pitchFamily="34" charset="0"/>
-                </a:endParaRPr>
-              </a:p>
-            </p:txBody>
-          </p:sp>
-        </mc:Choice>
-        <mc:Fallback>
-          <p:sp>
-            <p:nvSpPr>
-              <p:cNvPr id="333" name="Google Shape;333;p16"/>
-              <p:cNvSpPr txBox="1">
-                <a:spLocks noRot="1" noChangeAspect="1" noMove="1" noResize="1" noEditPoints="1" noAdjustHandles="1" noChangeArrowheads="1" noChangeShapeType="1" noTextEdit="1"/>
-              </p:cNvSpPr>
-              <p:nvPr/>
-            </p:nvSpPr>
-            <p:spPr>
-              <a:xfrm>
-                <a:off x="2675094" y="1890611"/>
-                <a:ext cx="1221000" cy="420103"/>
-              </a:xfrm>
-              <a:prstGeom prst="rect">
-                <a:avLst/>
-              </a:prstGeom>
-              <a:blipFill>
-                <a:blip r:embed="rId3"/>
-                <a:stretch>
-                  <a:fillRect b="-14493"/>
-                </a:stretch>
-              </a:blipFill>
-              <a:ln>
-                <a:noFill/>
-              </a:ln>
-            </p:spPr>
-            <p:txBody>
-              <a:bodyPr/>
-              <a:lstStyle/>
-              <a:p>
-                <a:r>
-                  <a:rPr lang="en-GB">
-                    <a:noFill/>
-                  </a:rPr>
-                  <a:t> </a:t>
-                </a:r>
-              </a:p>
-            </p:txBody>
-          </p:sp>
-        </mc:Fallback>
-      </mc:AlternateContent>
-      <p:sp>
-        <p:nvSpPr>
-          <p:cNvPr id="283" name="Google Shape;283;p16"/>
-          <p:cNvSpPr/>
-          <p:nvPr/>
-        </p:nvSpPr>
-        <p:spPr>
-          <a:xfrm>
-            <a:off x="1829184" y="1858859"/>
-            <a:ext cx="925200" cy="513600"/>
-          </a:xfrm>
-          <a:prstGeom prst="roundRect">
-            <a:avLst>
-              <a:gd name="adj" fmla="val 16667"/>
-            </a:avLst>
-          </a:prstGeom>
-          <a:solidFill>
-            <a:schemeClr val="lt2"/>
-          </a:solidFill>
-          <a:ln w="9525" cap="flat" cmpd="sng">
-            <a:solidFill>
-              <a:schemeClr val="dk2"/>
-            </a:solidFill>
-            <a:prstDash val="solid"/>
-            <a:round/>
-            <a:headEnd type="none" w="sm" len="sm"/>
-            <a:tailEnd type="none" w="sm" len="sm"/>
-          </a:ln>
-        </p:spPr>
-        <p:txBody>
-          <a:bodyPr spcFirstLastPara="1" wrap="square" lIns="91425" tIns="91425" rIns="91425" bIns="91425" anchor="ctr" anchorCtr="0">
-            <a:noAutofit/>
-          </a:bodyPr>
-          <a:lstStyle/>
-          <a:p>
-            <a:pPr marL="0" lvl="0" indent="0" algn="ctr" rtl="0">
-              <a:spcBef>
-                <a:spcPts val="0"/>
-              </a:spcBef>
-              <a:spcAft>
-                <a:spcPts val="0"/>
-              </a:spcAft>
-              <a:buNone/>
-            </a:pPr>
-            <a:r>
-              <a:rPr lang="en" sz="1000" b="1" dirty="0">
-                <a:latin typeface="Calibri" panose="020F0502020204030204" pitchFamily="34" charset="0"/>
-                <a:cs typeface="Calibri" panose="020F0502020204030204" pitchFamily="34" charset="0"/>
-              </a:rPr>
-              <a:t>Spritzgieß-</a:t>
-            </a:r>
-            <a:br>
-              <a:rPr lang="en" sz="1000" b="1" dirty="0">
-                <a:latin typeface="Calibri" panose="020F0502020204030204" pitchFamily="34" charset="0"/>
-                <a:cs typeface="Calibri" panose="020F0502020204030204" pitchFamily="34" charset="0"/>
-              </a:rPr>
-            </a:br>
-            <a:r>
-              <a:rPr lang="en" sz="1000" b="1" dirty="0">
-                <a:latin typeface="Calibri" panose="020F0502020204030204" pitchFamily="34" charset="0"/>
-                <a:cs typeface="Calibri" panose="020F0502020204030204" pitchFamily="34" charset="0"/>
-              </a:rPr>
-              <a:t>maschine</a:t>
-            </a:r>
-            <a:endParaRPr sz="1000" b="1" dirty="0">
-              <a:latin typeface="Calibri" panose="020F0502020204030204" pitchFamily="34" charset="0"/>
-              <a:cs typeface="Calibri" panose="020F0502020204030204" pitchFamily="34" charset="0"/>
-            </a:endParaRPr>
-          </a:p>
-        </p:txBody>
-      </p:sp>
-      <p:sp>
-        <p:nvSpPr>
-          <p:cNvPr id="284" name="Google Shape;284;p16"/>
-          <p:cNvSpPr/>
-          <p:nvPr/>
-        </p:nvSpPr>
-        <p:spPr>
-          <a:xfrm>
-            <a:off x="4049543" y="1840050"/>
-            <a:ext cx="925200" cy="513600"/>
-          </a:xfrm>
-          <a:prstGeom prst="roundRect">
-            <a:avLst>
-              <a:gd name="adj" fmla="val 16667"/>
-            </a:avLst>
-          </a:prstGeom>
-          <a:solidFill>
-            <a:schemeClr val="lt2"/>
-          </a:solidFill>
-          <a:ln w="9525" cap="flat" cmpd="sng">
-            <a:solidFill>
-              <a:schemeClr val="dk2"/>
-            </a:solidFill>
-            <a:prstDash val="solid"/>
-            <a:round/>
-            <a:headEnd type="none" w="sm" len="sm"/>
-            <a:tailEnd type="none" w="sm" len="sm"/>
-          </a:ln>
-        </p:spPr>
-        <p:txBody>
-          <a:bodyPr spcFirstLastPara="1" wrap="square" lIns="91425" tIns="91425" rIns="91425" bIns="91425" anchor="ctr" anchorCtr="0">
-            <a:noAutofit/>
-          </a:bodyPr>
-          <a:lstStyle/>
-          <a:p>
-            <a:pPr marL="0" lvl="0" indent="0" algn="ctr" rtl="0">
-              <a:spcBef>
-                <a:spcPts val="0"/>
-              </a:spcBef>
-              <a:spcAft>
-                <a:spcPts val="0"/>
-              </a:spcAft>
-              <a:buNone/>
-            </a:pPr>
-            <a:r>
-              <a:rPr lang="en" sz="1200" b="1" dirty="0">
-                <a:latin typeface="Calibri" panose="020F0502020204030204" pitchFamily="34" charset="0"/>
-                <a:cs typeface="Calibri" panose="020F0502020204030204" pitchFamily="34" charset="0"/>
-              </a:rPr>
-              <a:t>Bauteil</a:t>
-            </a:r>
-            <a:endParaRPr sz="1200" b="1" dirty="0">
-              <a:latin typeface="Calibri" panose="020F0502020204030204" pitchFamily="34" charset="0"/>
-              <a:cs typeface="Calibri" panose="020F0502020204030204" pitchFamily="34" charset="0"/>
-            </a:endParaRPr>
-          </a:p>
-        </p:txBody>
-      </p:sp>
-      <p:cxnSp>
-        <p:nvCxnSpPr>
-          <p:cNvPr id="332" name="Google Shape;332;p16"/>
-          <p:cNvCxnSpPr>
-            <a:cxnSpLocks/>
-          </p:cNvCxnSpPr>
-          <p:nvPr/>
-        </p:nvCxnSpPr>
-        <p:spPr>
-          <a:xfrm>
-            <a:off x="3635509" y="2100663"/>
-            <a:ext cx="330200" cy="0"/>
-          </a:xfrm>
-          <a:prstGeom prst="straightConnector1">
-            <a:avLst/>
-          </a:prstGeom>
-          <a:noFill/>
-          <a:ln w="9525" cap="flat" cmpd="sng">
-            <a:solidFill>
-              <a:schemeClr val="dk2"/>
-            </a:solidFill>
-            <a:prstDash val="solid"/>
-            <a:round/>
-            <a:headEnd type="none" w="med" len="med"/>
-            <a:tailEnd type="triangle" w="med" len="med"/>
-          </a:ln>
-        </p:spPr>
-      </p:cxnSp>
-      <mc:AlternateContent xmlns:mc="http://schemas.openxmlformats.org/markup-compatibility/2006">
-        <mc:Choice xmlns:a14="http://schemas.microsoft.com/office/drawing/2010/main" Requires="a14">
-          <p:sp>
-            <p:nvSpPr>
-              <p:cNvPr id="334" name="Google Shape;334;p16"/>
-              <p:cNvSpPr txBox="1"/>
-              <p:nvPr/>
-            </p:nvSpPr>
-            <p:spPr>
-              <a:xfrm>
-                <a:off x="8254601" y="1866026"/>
-                <a:ext cx="1107300" cy="447600"/>
-              </a:xfrm>
-              <a:prstGeom prst="rect">
-                <a:avLst/>
-              </a:prstGeom>
-              <a:noFill/>
-              <a:ln>
-                <a:noFill/>
-              </a:ln>
-            </p:spPr>
-            <p:txBody>
-              <a:bodyPr spcFirstLastPara="1" wrap="square" lIns="91425" tIns="91425" rIns="91425" bIns="91425" anchor="t" anchorCtr="0">
-                <a:noAutofit/>
-              </a:bodyPr>
-              <a:lstStyle/>
-              <a:p>
-                <a:pPr marL="0" lvl="0" indent="0" algn="ctr" rtl="0">
-                  <a:spcBef>
-                    <a:spcPts val="0"/>
-                  </a:spcBef>
-                  <a:spcAft>
-                    <a:spcPts val="0"/>
-                  </a:spcAft>
-                  <a:buNone/>
-                </a:pPr>
-                <a:r>
-                  <a:rPr lang="en" sz="1000" b="1" dirty="0"/>
-                  <a:t>Bauteil-</a:t>
-                </a:r>
-                <a:endParaRPr sz="1000" b="1" dirty="0"/>
-              </a:p>
-              <a:p>
-                <a:pPr marL="0" lvl="0" indent="0" algn="ctr" rtl="0">
-                  <a:spcBef>
-                    <a:spcPts val="0"/>
-                  </a:spcBef>
-                  <a:spcAft>
-                    <a:spcPts val="0"/>
-                  </a:spcAft>
-                  <a:buNone/>
-                </a:pPr>
-                <a:r>
-                  <a:rPr lang="en-GB" sz="1000" b="1" dirty="0"/>
-                  <a:t>Q</a:t>
-                </a:r>
-                <a:r>
-                  <a:rPr lang="en" sz="1000" b="1" dirty="0"/>
-                  <a:t>ualität </a:t>
-                </a:r>
-                <a14:m>
-                  <m:oMath xmlns:m="http://schemas.openxmlformats.org/officeDocument/2006/math">
-                    <m:r>
-                      <a:rPr lang="de-DE" sz="1000" b="1" i="1" smtClean="0">
-                        <a:latin typeface="Cambria Math" panose="02040503050406030204" pitchFamily="18" charset="0"/>
-                        <a:cs typeface="Calibri" panose="020F0502020204030204" pitchFamily="34" charset="0"/>
-                      </a:rPr>
-                      <m:t>𝑸</m:t>
-                    </m:r>
-                  </m:oMath>
-                </a14:m>
-                <a:endParaRPr sz="1000" dirty="0"/>
-              </a:p>
-            </p:txBody>
-          </p:sp>
-        </mc:Choice>
-        <mc:Fallback>
-          <p:sp>
-            <p:nvSpPr>
-              <p:cNvPr id="334" name="Google Shape;334;p16"/>
-              <p:cNvSpPr txBox="1">
-                <a:spLocks noRot="1" noChangeAspect="1" noMove="1" noResize="1" noEditPoints="1" noAdjustHandles="1" noChangeArrowheads="1" noChangeShapeType="1" noTextEdit="1"/>
-              </p:cNvSpPr>
-              <p:nvPr/>
-            </p:nvSpPr>
-            <p:spPr>
-              <a:xfrm>
-                <a:off x="8254601" y="1866026"/>
-                <a:ext cx="1107300" cy="447600"/>
-              </a:xfrm>
-              <a:prstGeom prst="rect">
-                <a:avLst/>
-              </a:prstGeom>
-              <a:blipFill>
-                <a:blip r:embed="rId4"/>
-                <a:stretch>
-                  <a:fillRect b="-4054"/>
-                </a:stretch>
-              </a:blipFill>
-              <a:ln>
-                <a:noFill/>
-              </a:ln>
-            </p:spPr>
-            <p:txBody>
-              <a:bodyPr/>
-              <a:lstStyle/>
-              <a:p>
-                <a:r>
-                  <a:rPr lang="en-GB">
-                    <a:noFill/>
-                  </a:rPr>
-                  <a:t> </a:t>
-                </a:r>
-              </a:p>
-            </p:txBody>
-          </p:sp>
-        </mc:Fallback>
-      </mc:AlternateContent>
-      <p:cxnSp>
-        <p:nvCxnSpPr>
-          <p:cNvPr id="335" name="Google Shape;335;p16"/>
-          <p:cNvCxnSpPr>
-            <a:cxnSpLocks/>
-            <a:endCxn id="225" idx="1"/>
-          </p:cNvCxnSpPr>
-          <p:nvPr/>
-        </p:nvCxnSpPr>
-        <p:spPr>
-          <a:xfrm>
-            <a:off x="6125814" y="2096850"/>
-            <a:ext cx="303599" cy="921"/>
-          </a:xfrm>
-          <a:prstGeom prst="straightConnector1">
-            <a:avLst/>
-          </a:prstGeom>
-          <a:noFill/>
-          <a:ln w="9525" cap="flat" cmpd="sng">
-            <a:solidFill>
-              <a:schemeClr val="dk2"/>
-            </a:solidFill>
-            <a:prstDash val="solid"/>
-            <a:round/>
-            <a:headEnd type="none" w="med" len="med"/>
-            <a:tailEnd type="triangle" w="med" len="med"/>
-          </a:ln>
-        </p:spPr>
-      </p:cxnSp>
-      <p:cxnSp>
-        <p:nvCxnSpPr>
-          <p:cNvPr id="337" name="Google Shape;337;p16"/>
-          <p:cNvCxnSpPr/>
-          <p:nvPr/>
-        </p:nvCxnSpPr>
-        <p:spPr>
-          <a:xfrm>
-            <a:off x="2773787" y="2107914"/>
-            <a:ext cx="202800" cy="0"/>
-          </a:xfrm>
-          <a:prstGeom prst="straightConnector1">
-            <a:avLst/>
-          </a:prstGeom>
-          <a:noFill/>
-          <a:ln w="9525" cap="flat" cmpd="sng">
-            <a:solidFill>
-              <a:schemeClr val="dk2"/>
-            </a:solidFill>
-            <a:prstDash val="solid"/>
-            <a:round/>
-            <a:headEnd type="none" w="med" len="med"/>
-            <a:tailEnd type="none" w="med" len="med"/>
-          </a:ln>
-        </p:spPr>
-      </p:cxnSp>
-      <p:cxnSp>
-        <p:nvCxnSpPr>
-          <p:cNvPr id="428" name="Google Shape;428;p16"/>
-          <p:cNvCxnSpPr/>
-          <p:nvPr/>
-        </p:nvCxnSpPr>
-        <p:spPr>
-          <a:xfrm rot="10800000">
-            <a:off x="2296720" y="3284863"/>
-            <a:ext cx="0" cy="280200"/>
-          </a:xfrm>
-          <a:prstGeom prst="straightConnector1">
-            <a:avLst/>
-          </a:prstGeom>
-          <a:noFill/>
-          <a:ln w="9525" cap="flat" cmpd="sng">
-            <a:solidFill>
-              <a:schemeClr val="dk2"/>
-            </a:solidFill>
-            <a:prstDash val="solid"/>
-            <a:round/>
-            <a:headEnd type="none" w="med" len="med"/>
-            <a:tailEnd type="triangle" w="med" len="med"/>
-          </a:ln>
-        </p:spPr>
-      </p:cxnSp>
-      <p:cxnSp>
-        <p:nvCxnSpPr>
-          <p:cNvPr id="442" name="Google Shape;442;p16"/>
-          <p:cNvCxnSpPr/>
-          <p:nvPr/>
-        </p:nvCxnSpPr>
-        <p:spPr>
-          <a:xfrm rot="10800000">
-            <a:off x="6104621" y="3268824"/>
-            <a:ext cx="0" cy="280200"/>
-          </a:xfrm>
-          <a:prstGeom prst="straightConnector1">
-            <a:avLst/>
-          </a:prstGeom>
-          <a:noFill/>
-          <a:ln w="9525" cap="flat" cmpd="sng">
-            <a:solidFill>
-              <a:schemeClr val="dk2"/>
-            </a:solidFill>
-            <a:prstDash val="solid"/>
-            <a:round/>
-            <a:headEnd type="none" w="med" len="med"/>
-            <a:tailEnd type="triangle" w="med" len="med"/>
-          </a:ln>
-        </p:spPr>
-      </p:cxnSp>
-      <p:cxnSp>
-        <p:nvCxnSpPr>
-          <p:cNvPr id="443" name="Google Shape;443;p16"/>
-          <p:cNvCxnSpPr>
-            <a:cxnSpLocks/>
-          </p:cNvCxnSpPr>
-          <p:nvPr/>
-        </p:nvCxnSpPr>
-        <p:spPr>
-          <a:xfrm>
-            <a:off x="2853865" y="2963994"/>
-            <a:ext cx="180768" cy="0"/>
-          </a:xfrm>
-          <a:prstGeom prst="straightConnector1">
-            <a:avLst/>
-          </a:prstGeom>
-          <a:noFill/>
-          <a:ln w="9525" cap="flat" cmpd="sng">
-            <a:solidFill>
-              <a:schemeClr val="dk2"/>
-            </a:solidFill>
-            <a:prstDash val="solid"/>
-            <a:round/>
-            <a:headEnd type="none" w="med" len="med"/>
-            <a:tailEnd type="none" w="med" len="med"/>
-          </a:ln>
-        </p:spPr>
-      </p:cxnSp>
-      <p:cxnSp>
-        <p:nvCxnSpPr>
-          <p:cNvPr id="445" name="Google Shape;445;p16"/>
-          <p:cNvCxnSpPr>
-            <a:cxnSpLocks/>
-            <a:stCxn id="230" idx="4"/>
-            <a:endCxn id="446" idx="0"/>
-          </p:cNvCxnSpPr>
-          <p:nvPr/>
-        </p:nvCxnSpPr>
-        <p:spPr>
-          <a:xfrm>
-            <a:off x="3704308" y="2127028"/>
-            <a:ext cx="15186" cy="1900059"/>
-          </a:xfrm>
-          <a:prstGeom prst="straightConnector1">
-            <a:avLst/>
-          </a:prstGeom>
-          <a:noFill/>
-          <a:ln w="9525" cap="flat" cmpd="sng">
-            <a:solidFill>
-              <a:schemeClr val="dk2"/>
-            </a:solidFill>
-            <a:prstDash val="solid"/>
-            <a:round/>
-            <a:headEnd type="none" w="med" len="med"/>
-            <a:tailEnd type="triangle" w="med" len="med"/>
-          </a:ln>
-        </p:spPr>
-      </p:cxnSp>
-      <p:grpSp>
-        <p:nvGrpSpPr>
-          <p:cNvPr id="447" name="Google Shape;447;p16"/>
-          <p:cNvGrpSpPr/>
-          <p:nvPr/>
-        </p:nvGrpSpPr>
-        <p:grpSpPr>
-          <a:xfrm>
-            <a:off x="3638378" y="4027087"/>
-            <a:ext cx="162231" cy="162231"/>
-            <a:chOff x="8157975" y="3853800"/>
-            <a:chExt cx="180900" cy="180900"/>
-          </a:xfrm>
-        </p:grpSpPr>
-        <p:sp>
-          <p:nvSpPr>
-            <p:cNvPr id="446" name="Google Shape;446;p16"/>
-            <p:cNvSpPr/>
-            <p:nvPr/>
-          </p:nvSpPr>
-          <p:spPr>
-            <a:xfrm>
-              <a:off x="8157975" y="3853800"/>
-              <a:ext cx="180900" cy="180900"/>
-            </a:xfrm>
-            <a:prstGeom prst="ellipse">
-              <a:avLst/>
-            </a:prstGeom>
-            <a:solidFill>
-              <a:schemeClr val="lt2"/>
-            </a:solidFill>
-            <a:ln w="19050" cap="flat" cmpd="sng">
-              <a:solidFill>
-                <a:srgbClr val="999999"/>
-              </a:solidFill>
-              <a:prstDash val="solid"/>
-              <a:round/>
-              <a:headEnd type="none" w="sm" len="sm"/>
-              <a:tailEnd type="none" w="sm" len="sm"/>
-            </a:ln>
-          </p:spPr>
-          <p:txBody>
-            <a:bodyPr spcFirstLastPara="1" wrap="square" lIns="0" tIns="0" rIns="0" bIns="0" anchor="ctr" anchorCtr="0">
-              <a:noAutofit/>
-            </a:bodyPr>
-            <a:lstStyle/>
-            <a:p>
-              <a:pPr marL="0" lvl="0" indent="0" algn="ctr" rtl="0">
-                <a:spcBef>
-                  <a:spcPts val="0"/>
-                </a:spcBef>
-                <a:spcAft>
-                  <a:spcPts val="0"/>
-                </a:spcAft>
-                <a:buNone/>
-              </a:pPr>
-              <a:endParaRPr sz="1800" b="1">
-                <a:solidFill>
-                  <a:schemeClr val="dk2"/>
-                </a:solidFill>
-              </a:endParaRPr>
-            </a:p>
-          </p:txBody>
-        </p:sp>
-        <p:cxnSp>
-          <p:nvCxnSpPr>
-            <p:cNvPr id="448" name="Google Shape;448;p16"/>
-            <p:cNvCxnSpPr/>
-            <p:nvPr/>
-          </p:nvCxnSpPr>
-          <p:spPr>
-            <a:xfrm>
-              <a:off x="8200275" y="3944250"/>
-              <a:ext cx="96300" cy="0"/>
-            </a:xfrm>
-            <a:prstGeom prst="straightConnector1">
-              <a:avLst/>
-            </a:prstGeom>
-            <a:noFill/>
-            <a:ln w="19050" cap="flat" cmpd="sng">
-              <a:solidFill>
-                <a:schemeClr val="dk2"/>
-              </a:solidFill>
-              <a:prstDash val="solid"/>
-              <a:round/>
-              <a:headEnd type="none" w="med" len="med"/>
-              <a:tailEnd type="none" w="med" len="med"/>
-            </a:ln>
-          </p:spPr>
-        </p:cxnSp>
-      </p:grpSp>
-      <p:cxnSp>
-        <p:nvCxnSpPr>
-          <p:cNvPr id="449" name="Google Shape;449;p16"/>
-          <p:cNvCxnSpPr>
-            <a:cxnSpLocks/>
-            <a:endCxn id="188" idx="1"/>
-          </p:cNvCxnSpPr>
-          <p:nvPr/>
-        </p:nvCxnSpPr>
-        <p:spPr>
-          <a:xfrm flipV="1">
-            <a:off x="2916500" y="2962319"/>
-            <a:ext cx="2638735" cy="1540"/>
-          </a:xfrm>
-          <a:prstGeom prst="straightConnector1">
-            <a:avLst/>
-          </a:prstGeom>
-          <a:noFill/>
-          <a:ln w="9525" cap="flat" cmpd="sng">
-            <a:solidFill>
-              <a:schemeClr val="dk2"/>
-            </a:solidFill>
-            <a:prstDash val="solid"/>
-            <a:round/>
-            <a:headEnd type="none" w="med" len="med"/>
-            <a:tailEnd type="triangle" w="med" len="med"/>
-          </a:ln>
-        </p:spPr>
-      </p:cxnSp>
-      <p:grpSp>
-        <p:nvGrpSpPr>
-          <p:cNvPr id="254" name="Gruppieren 253">
-            <a:extLst>
-              <a:ext uri="{FF2B5EF4-FFF2-40B4-BE49-F238E27FC236}">
-                <a16:creationId xmlns:a16="http://schemas.microsoft.com/office/drawing/2014/main" id="{B8CBA6A3-E5AB-4B0F-8ACF-BBFF2F66EE36}"/>
-              </a:ext>
-            </a:extLst>
-          </p:cNvPr>
-          <p:cNvGrpSpPr/>
-          <p:nvPr/>
-        </p:nvGrpSpPr>
-        <p:grpSpPr>
-          <a:xfrm>
-            <a:off x="1620306" y="3619906"/>
-            <a:ext cx="1352700" cy="970258"/>
-            <a:chOff x="1435553" y="4145290"/>
-            <a:chExt cx="1352700" cy="970258"/>
-          </a:xfrm>
-        </p:grpSpPr>
-        <p:sp>
-          <p:nvSpPr>
-            <p:cNvPr id="277" name="Google Shape;277;p16"/>
-            <p:cNvSpPr/>
-            <p:nvPr/>
-          </p:nvSpPr>
-          <p:spPr>
-            <a:xfrm>
-              <a:off x="1541319" y="4145290"/>
-              <a:ext cx="1127794" cy="970258"/>
-            </a:xfrm>
-            <a:prstGeom prst="roundRect">
-              <a:avLst>
-                <a:gd name="adj" fmla="val 16667"/>
-              </a:avLst>
-            </a:prstGeom>
-            <a:solidFill>
-              <a:srgbClr val="93C47D"/>
-            </a:solidFill>
-            <a:ln w="9525" cap="flat" cmpd="sng">
-              <a:solidFill>
-                <a:schemeClr val="dk2"/>
-              </a:solidFill>
-              <a:prstDash val="solid"/>
-              <a:round/>
-              <a:headEnd type="none" w="sm" len="sm"/>
-              <a:tailEnd type="none" w="sm" len="sm"/>
-            </a:ln>
-          </p:spPr>
-          <p:txBody>
-            <a:bodyPr spcFirstLastPara="1" wrap="square" lIns="91425" tIns="91425" rIns="91425" bIns="91425" anchor="ctr" anchorCtr="0">
-              <a:noAutofit/>
-            </a:bodyPr>
-            <a:lstStyle/>
-            <a:p>
-              <a:pPr marL="0" lvl="0" indent="0" algn="l" rtl="0">
-                <a:spcBef>
-                  <a:spcPts val="0"/>
-                </a:spcBef>
-                <a:spcAft>
-                  <a:spcPts val="0"/>
-                </a:spcAft>
-                <a:buNone/>
-              </a:pPr>
-              <a:endParaRPr/>
-            </a:p>
-          </p:txBody>
-        </p:sp>
-        <p:grpSp>
-          <p:nvGrpSpPr>
-            <p:cNvPr id="415" name="Google Shape;415;p16"/>
-            <p:cNvGrpSpPr/>
-            <p:nvPr/>
-          </p:nvGrpSpPr>
-          <p:grpSpPr>
-            <a:xfrm>
-              <a:off x="1875570" y="4145298"/>
-              <a:ext cx="472941" cy="473003"/>
-              <a:chOff x="6981937" y="2940155"/>
-              <a:chExt cx="909503" cy="909621"/>
-            </a:xfrm>
-          </p:grpSpPr>
-          <p:sp>
-            <p:nvSpPr>
-              <p:cNvPr id="416" name="Google Shape;416;p16"/>
-              <p:cNvSpPr/>
-              <p:nvPr/>
-            </p:nvSpPr>
-            <p:spPr>
-              <a:xfrm>
-                <a:off x="7181850" y="3006975"/>
-                <a:ext cx="509700" cy="776400"/>
-              </a:xfrm>
-              <a:prstGeom prst="plaque">
-                <a:avLst>
-                  <a:gd name="adj" fmla="val 41112"/>
-                </a:avLst>
-              </a:prstGeom>
-              <a:solidFill>
-                <a:srgbClr val="999999"/>
-              </a:solidFill>
-              <a:ln>
-                <a:noFill/>
-              </a:ln>
-            </p:spPr>
-            <p:txBody>
-              <a:bodyPr spcFirstLastPara="1" wrap="square" lIns="91425" tIns="91425" rIns="91425" bIns="91425" anchor="ctr" anchorCtr="0">
-                <a:noAutofit/>
-              </a:bodyPr>
-              <a:lstStyle/>
-              <a:p>
-                <a:pPr marL="0" lvl="0" indent="0" algn="l" rtl="0">
-                  <a:spcBef>
-                    <a:spcPts val="0"/>
-                  </a:spcBef>
-                  <a:spcAft>
-                    <a:spcPts val="0"/>
-                  </a:spcAft>
-                  <a:buNone/>
-                </a:pPr>
-                <a:endParaRPr/>
-              </a:p>
-            </p:txBody>
-          </p:sp>
-          <p:sp>
-            <p:nvSpPr>
-              <p:cNvPr id="417" name="Google Shape;417;p16"/>
-              <p:cNvSpPr/>
-              <p:nvPr/>
-            </p:nvSpPr>
-            <p:spPr>
-              <a:xfrm rot="2700000">
-                <a:off x="7181816" y="3006924"/>
-                <a:ext cx="509541" cy="776403"/>
-              </a:xfrm>
-              <a:prstGeom prst="plaque">
-                <a:avLst>
-                  <a:gd name="adj" fmla="val 41112"/>
-                </a:avLst>
-              </a:prstGeom>
-              <a:solidFill>
-                <a:srgbClr val="999999"/>
-              </a:solidFill>
-              <a:ln>
-                <a:noFill/>
-              </a:ln>
-            </p:spPr>
-            <p:txBody>
-              <a:bodyPr spcFirstLastPara="1" wrap="square" lIns="91425" tIns="91425" rIns="91425" bIns="91425" anchor="ctr" anchorCtr="0">
-                <a:noAutofit/>
-              </a:bodyPr>
-              <a:lstStyle/>
-              <a:p>
-                <a:pPr marL="0" lvl="0" indent="0" algn="l" rtl="0">
-                  <a:spcBef>
-                    <a:spcPts val="0"/>
-                  </a:spcBef>
-                  <a:spcAft>
-                    <a:spcPts val="0"/>
-                  </a:spcAft>
-                  <a:buNone/>
-                </a:pPr>
-                <a:endParaRPr/>
-              </a:p>
-            </p:txBody>
-          </p:sp>
-          <p:sp>
-            <p:nvSpPr>
-              <p:cNvPr id="418" name="Google Shape;418;p16"/>
-              <p:cNvSpPr/>
-              <p:nvPr/>
-            </p:nvSpPr>
-            <p:spPr>
-              <a:xfrm rot="-2701431">
-                <a:off x="7181913" y="3006753"/>
-                <a:ext cx="509753" cy="776403"/>
-              </a:xfrm>
-              <a:prstGeom prst="plaque">
-                <a:avLst>
-                  <a:gd name="adj" fmla="val 41112"/>
-                </a:avLst>
-              </a:prstGeom>
-              <a:solidFill>
-                <a:srgbClr val="999999"/>
-              </a:solidFill>
-              <a:ln>
-                <a:noFill/>
-              </a:ln>
-            </p:spPr>
-            <p:txBody>
-              <a:bodyPr spcFirstLastPara="1" wrap="square" lIns="91425" tIns="91425" rIns="91425" bIns="91425" anchor="ctr" anchorCtr="0">
-                <a:noAutofit/>
-              </a:bodyPr>
-              <a:lstStyle/>
-              <a:p>
-                <a:pPr marL="0" lvl="0" indent="0" algn="l" rtl="0">
-                  <a:spcBef>
-                    <a:spcPts val="0"/>
-                  </a:spcBef>
-                  <a:spcAft>
-                    <a:spcPts val="0"/>
-                  </a:spcAft>
-                  <a:buNone/>
-                </a:pPr>
-                <a:endParaRPr/>
-              </a:p>
-            </p:txBody>
-          </p:sp>
-          <p:sp>
-            <p:nvSpPr>
-              <p:cNvPr id="419" name="Google Shape;419;p16"/>
-              <p:cNvSpPr/>
-              <p:nvPr/>
-            </p:nvSpPr>
-            <p:spPr>
-              <a:xfrm rot="-5402023">
-                <a:off x="7181870" y="3006762"/>
-                <a:ext cx="509700" cy="776400"/>
-              </a:xfrm>
-              <a:prstGeom prst="plaque">
-                <a:avLst>
-                  <a:gd name="adj" fmla="val 41112"/>
-                </a:avLst>
-              </a:prstGeom>
-              <a:solidFill>
-                <a:srgbClr val="999999"/>
-              </a:solidFill>
-              <a:ln>
-                <a:noFill/>
-              </a:ln>
-            </p:spPr>
-            <p:txBody>
-              <a:bodyPr spcFirstLastPara="1" wrap="square" lIns="91425" tIns="91425" rIns="91425" bIns="91425" anchor="ctr" anchorCtr="0">
-                <a:noAutofit/>
-              </a:bodyPr>
-              <a:lstStyle/>
-              <a:p>
-                <a:pPr marL="0" lvl="0" indent="0" algn="l" rtl="0">
-                  <a:spcBef>
-                    <a:spcPts val="0"/>
-                  </a:spcBef>
-                  <a:spcAft>
-                    <a:spcPts val="0"/>
-                  </a:spcAft>
-                  <a:buNone/>
-                </a:pPr>
-                <a:endParaRPr/>
-              </a:p>
-            </p:txBody>
-          </p:sp>
-          <p:sp>
-            <p:nvSpPr>
-              <p:cNvPr id="420" name="Google Shape;420;p16"/>
-              <p:cNvSpPr/>
-              <p:nvPr/>
-            </p:nvSpPr>
-            <p:spPr>
-              <a:xfrm>
-                <a:off x="7150638" y="3109037"/>
-                <a:ext cx="572700" cy="572700"/>
-              </a:xfrm>
-              <a:prstGeom prst="ellipse">
-                <a:avLst/>
-              </a:prstGeom>
-              <a:solidFill>
-                <a:srgbClr val="999999"/>
-              </a:solidFill>
-              <a:ln>
-                <a:noFill/>
-              </a:ln>
-            </p:spPr>
-            <p:txBody>
-              <a:bodyPr spcFirstLastPara="1" wrap="square" lIns="91425" tIns="91425" rIns="91425" bIns="91425" anchor="ctr" anchorCtr="0">
-                <a:noAutofit/>
-              </a:bodyPr>
-              <a:lstStyle/>
-              <a:p>
-                <a:pPr marL="0" lvl="0" indent="0" algn="l" rtl="0">
-                  <a:spcBef>
-                    <a:spcPts val="0"/>
-                  </a:spcBef>
-                  <a:spcAft>
-                    <a:spcPts val="0"/>
-                  </a:spcAft>
-                  <a:buNone/>
-                </a:pPr>
-                <a:endParaRPr/>
-              </a:p>
-            </p:txBody>
-          </p:sp>
-          <p:sp>
-            <p:nvSpPr>
-              <p:cNvPr id="421" name="Google Shape;421;p16"/>
-              <p:cNvSpPr/>
-              <p:nvPr/>
-            </p:nvSpPr>
-            <p:spPr>
-              <a:xfrm>
-                <a:off x="7209888" y="3168277"/>
-                <a:ext cx="454200" cy="454200"/>
-              </a:xfrm>
-              <a:prstGeom prst="ellipse">
-                <a:avLst/>
-              </a:prstGeom>
-              <a:solidFill>
-                <a:srgbClr val="EFEFEF"/>
-              </a:solidFill>
-              <a:ln w="9525" cap="flat" cmpd="sng">
-                <a:solidFill>
-                  <a:srgbClr val="000000"/>
-                </a:solidFill>
-                <a:prstDash val="solid"/>
-                <a:round/>
-                <a:headEnd type="none" w="sm" len="sm"/>
-                <a:tailEnd type="none" w="sm" len="sm"/>
-              </a:ln>
-            </p:spPr>
-            <p:txBody>
-              <a:bodyPr spcFirstLastPara="1" wrap="square" lIns="91425" tIns="91425" rIns="91425" bIns="91425" anchor="ctr" anchorCtr="0">
-                <a:noAutofit/>
-              </a:bodyPr>
-              <a:lstStyle/>
-              <a:p>
-                <a:pPr marL="0" lvl="0" indent="0" algn="l" rtl="0">
-                  <a:spcBef>
-                    <a:spcPts val="0"/>
-                  </a:spcBef>
-                  <a:spcAft>
-                    <a:spcPts val="0"/>
-                  </a:spcAft>
-                  <a:buNone/>
-                </a:pPr>
-                <a:endParaRPr/>
-              </a:p>
-            </p:txBody>
-          </p:sp>
-          <p:sp>
-            <p:nvSpPr>
-              <p:cNvPr id="422" name="Google Shape;422;p16"/>
-              <p:cNvSpPr/>
-              <p:nvPr/>
-            </p:nvSpPr>
-            <p:spPr>
-              <a:xfrm>
-                <a:off x="7276525" y="3264408"/>
-                <a:ext cx="320100" cy="36600"/>
-              </a:xfrm>
-              <a:prstGeom prst="roundRect">
-                <a:avLst>
-                  <a:gd name="adj" fmla="val 16667"/>
-                </a:avLst>
-              </a:prstGeom>
-              <a:solidFill>
-                <a:schemeClr val="lt2"/>
-              </a:solidFill>
-              <a:ln w="9525" cap="flat" cmpd="sng">
-                <a:solidFill>
-                  <a:srgbClr val="000000"/>
-                </a:solidFill>
-                <a:prstDash val="solid"/>
-                <a:round/>
-                <a:headEnd type="none" w="sm" len="sm"/>
-                <a:tailEnd type="none" w="sm" len="sm"/>
-              </a:ln>
-            </p:spPr>
-            <p:txBody>
-              <a:bodyPr spcFirstLastPara="1" wrap="square" lIns="91425" tIns="91425" rIns="91425" bIns="91425" anchor="ctr" anchorCtr="0">
-                <a:noAutofit/>
-              </a:bodyPr>
-              <a:lstStyle/>
-              <a:p>
-                <a:pPr marL="0" lvl="0" indent="0" algn="l" rtl="0">
-                  <a:spcBef>
-                    <a:spcPts val="0"/>
-                  </a:spcBef>
-                  <a:spcAft>
-                    <a:spcPts val="0"/>
-                  </a:spcAft>
-                  <a:buNone/>
-                </a:pPr>
-                <a:endParaRPr/>
-              </a:p>
-            </p:txBody>
-          </p:sp>
-          <p:sp>
-            <p:nvSpPr>
-              <p:cNvPr id="423" name="Google Shape;423;p16"/>
-              <p:cNvSpPr/>
-              <p:nvPr/>
-            </p:nvSpPr>
-            <p:spPr>
-              <a:xfrm>
-                <a:off x="7443550" y="3246100"/>
-                <a:ext cx="36600" cy="73200"/>
-              </a:xfrm>
-              <a:prstGeom prst="roundRect">
-                <a:avLst>
-                  <a:gd name="adj" fmla="val 27189"/>
-                </a:avLst>
-              </a:prstGeom>
-              <a:solidFill>
-                <a:srgbClr val="000000"/>
-              </a:solidFill>
-              <a:ln w="19050" cap="flat" cmpd="sng">
-                <a:solidFill>
-                  <a:srgbClr val="000000"/>
-                </a:solidFill>
-                <a:prstDash val="solid"/>
-                <a:round/>
-                <a:headEnd type="none" w="sm" len="sm"/>
-                <a:tailEnd type="none" w="sm" len="sm"/>
-              </a:ln>
-            </p:spPr>
-            <p:txBody>
-              <a:bodyPr spcFirstLastPara="1" wrap="square" lIns="91425" tIns="91425" rIns="91425" bIns="91425" anchor="ctr" anchorCtr="0">
-                <a:noAutofit/>
-              </a:bodyPr>
-              <a:lstStyle/>
-              <a:p>
-                <a:pPr marL="0" lvl="0" indent="0" algn="l" rtl="0">
-                  <a:spcBef>
-                    <a:spcPts val="0"/>
-                  </a:spcBef>
-                  <a:spcAft>
-                    <a:spcPts val="0"/>
-                  </a:spcAft>
-                  <a:buNone/>
-                </a:pPr>
-                <a:endParaRPr/>
-              </a:p>
-            </p:txBody>
-          </p:sp>
-          <p:sp>
-            <p:nvSpPr>
-              <p:cNvPr id="424" name="Google Shape;424;p16"/>
-              <p:cNvSpPr/>
-              <p:nvPr/>
-            </p:nvSpPr>
-            <p:spPr>
-              <a:xfrm>
-                <a:off x="7276525" y="3372575"/>
-                <a:ext cx="320100" cy="36600"/>
-              </a:xfrm>
-              <a:prstGeom prst="roundRect">
-                <a:avLst>
-                  <a:gd name="adj" fmla="val 16667"/>
-                </a:avLst>
-              </a:prstGeom>
-              <a:solidFill>
-                <a:schemeClr val="lt2"/>
-              </a:solidFill>
-              <a:ln w="9525" cap="flat" cmpd="sng">
-                <a:solidFill>
-                  <a:srgbClr val="000000"/>
-                </a:solidFill>
-                <a:prstDash val="solid"/>
-                <a:round/>
-                <a:headEnd type="none" w="sm" len="sm"/>
-                <a:tailEnd type="none" w="sm" len="sm"/>
-              </a:ln>
-            </p:spPr>
-            <p:txBody>
-              <a:bodyPr spcFirstLastPara="1" wrap="square" lIns="91425" tIns="91425" rIns="91425" bIns="91425" anchor="ctr" anchorCtr="0">
-                <a:noAutofit/>
-              </a:bodyPr>
-              <a:lstStyle/>
-              <a:p>
-                <a:pPr marL="0" lvl="0" indent="0" algn="l" rtl="0">
-                  <a:spcBef>
-                    <a:spcPts val="0"/>
-                  </a:spcBef>
-                  <a:spcAft>
-                    <a:spcPts val="0"/>
-                  </a:spcAft>
-                  <a:buNone/>
-                </a:pPr>
-                <a:endParaRPr/>
-              </a:p>
-            </p:txBody>
-          </p:sp>
-          <p:sp>
-            <p:nvSpPr>
-              <p:cNvPr id="425" name="Google Shape;425;p16"/>
-              <p:cNvSpPr/>
-              <p:nvPr/>
-            </p:nvSpPr>
-            <p:spPr>
-              <a:xfrm>
-                <a:off x="7276950" y="3480750"/>
-                <a:ext cx="320100" cy="36600"/>
-              </a:xfrm>
-              <a:prstGeom prst="roundRect">
-                <a:avLst>
-                  <a:gd name="adj" fmla="val 16667"/>
-                </a:avLst>
-              </a:prstGeom>
-              <a:solidFill>
-                <a:schemeClr val="lt2"/>
-              </a:solidFill>
-              <a:ln w="9525" cap="flat" cmpd="sng">
-                <a:solidFill>
-                  <a:srgbClr val="000000"/>
-                </a:solidFill>
-                <a:prstDash val="solid"/>
-                <a:round/>
-                <a:headEnd type="none" w="sm" len="sm"/>
-                <a:tailEnd type="none" w="sm" len="sm"/>
-              </a:ln>
-            </p:spPr>
-            <p:txBody>
-              <a:bodyPr spcFirstLastPara="1" wrap="square" lIns="91425" tIns="91425" rIns="91425" bIns="91425" anchor="ctr" anchorCtr="0">
-                <a:noAutofit/>
-              </a:bodyPr>
-              <a:lstStyle/>
-              <a:p>
-                <a:pPr marL="0" lvl="0" indent="0" algn="l" rtl="0">
-                  <a:spcBef>
-                    <a:spcPts val="0"/>
-                  </a:spcBef>
-                  <a:spcAft>
-                    <a:spcPts val="0"/>
-                  </a:spcAft>
-                  <a:buNone/>
-                </a:pPr>
-                <a:endParaRPr/>
-              </a:p>
-            </p:txBody>
-          </p:sp>
-          <p:sp>
-            <p:nvSpPr>
-              <p:cNvPr id="426" name="Google Shape;426;p16"/>
-              <p:cNvSpPr/>
-              <p:nvPr/>
-            </p:nvSpPr>
-            <p:spPr>
-              <a:xfrm>
-                <a:off x="7357825" y="3355848"/>
-                <a:ext cx="36600" cy="73200"/>
-              </a:xfrm>
-              <a:prstGeom prst="roundRect">
-                <a:avLst>
-                  <a:gd name="adj" fmla="val 27189"/>
-                </a:avLst>
-              </a:prstGeom>
-              <a:solidFill>
-                <a:srgbClr val="000000"/>
-              </a:solidFill>
-              <a:ln w="19050" cap="flat" cmpd="sng">
-                <a:solidFill>
-                  <a:srgbClr val="000000"/>
-                </a:solidFill>
-                <a:prstDash val="solid"/>
-                <a:round/>
-                <a:headEnd type="none" w="sm" len="sm"/>
-                <a:tailEnd type="none" w="sm" len="sm"/>
-              </a:ln>
-            </p:spPr>
-            <p:txBody>
-              <a:bodyPr spcFirstLastPara="1" wrap="square" lIns="91425" tIns="91425" rIns="91425" bIns="91425" anchor="ctr" anchorCtr="0">
-                <a:noAutofit/>
-              </a:bodyPr>
-              <a:lstStyle/>
-              <a:p>
-                <a:pPr marL="0" lvl="0" indent="0" algn="l" rtl="0">
-                  <a:spcBef>
-                    <a:spcPts val="0"/>
-                  </a:spcBef>
-                  <a:spcAft>
-                    <a:spcPts val="0"/>
-                  </a:spcAft>
-                  <a:buNone/>
-                </a:pPr>
-                <a:endParaRPr/>
-              </a:p>
-            </p:txBody>
-          </p:sp>
-          <p:sp>
-            <p:nvSpPr>
-              <p:cNvPr id="427" name="Google Shape;427;p16"/>
-              <p:cNvSpPr/>
-              <p:nvPr/>
-            </p:nvSpPr>
-            <p:spPr>
-              <a:xfrm>
-                <a:off x="7538800" y="3462450"/>
-                <a:ext cx="36600" cy="73200"/>
-              </a:xfrm>
-              <a:prstGeom prst="roundRect">
-                <a:avLst>
-                  <a:gd name="adj" fmla="val 27189"/>
-                </a:avLst>
-              </a:prstGeom>
-              <a:solidFill>
-                <a:srgbClr val="000000"/>
-              </a:solidFill>
-              <a:ln w="19050" cap="flat" cmpd="sng">
-                <a:solidFill>
-                  <a:srgbClr val="000000"/>
-                </a:solidFill>
-                <a:prstDash val="solid"/>
-                <a:round/>
-                <a:headEnd type="none" w="sm" len="sm"/>
-                <a:tailEnd type="none" w="sm" len="sm"/>
-              </a:ln>
-            </p:spPr>
-            <p:txBody>
-              <a:bodyPr spcFirstLastPara="1" wrap="square" lIns="91425" tIns="91425" rIns="91425" bIns="91425" anchor="ctr" anchorCtr="0">
-                <a:noAutofit/>
-              </a:bodyPr>
-              <a:lstStyle/>
-              <a:p>
-                <a:pPr marL="0" lvl="0" indent="0" algn="l" rtl="0">
-                  <a:spcBef>
-                    <a:spcPts val="0"/>
-                  </a:spcBef>
-                  <a:spcAft>
-                    <a:spcPts val="0"/>
-                  </a:spcAft>
-                  <a:buNone/>
-                </a:pPr>
-                <a:endParaRPr/>
-              </a:p>
-            </p:txBody>
-          </p:sp>
-        </p:grpSp>
-        <p:sp>
-          <p:nvSpPr>
-            <p:cNvPr id="451" name="Google Shape;451;p16"/>
-            <p:cNvSpPr txBox="1"/>
-            <p:nvPr/>
-          </p:nvSpPr>
-          <p:spPr>
-            <a:xfrm>
-              <a:off x="1435553" y="4664067"/>
-              <a:ext cx="1352700" cy="354900"/>
-            </a:xfrm>
-            <a:prstGeom prst="rect">
-              <a:avLst/>
-            </a:prstGeom>
-            <a:noFill/>
-            <a:ln>
-              <a:noFill/>
-            </a:ln>
-          </p:spPr>
-          <p:txBody>
-            <a:bodyPr spcFirstLastPara="1" wrap="square" lIns="91425" tIns="91425" rIns="91425" bIns="91425" anchor="t" anchorCtr="0">
-              <a:noAutofit/>
-            </a:bodyPr>
-            <a:lstStyle/>
-            <a:p>
-              <a:pPr marL="0" lvl="0" indent="0" algn="ctr" rtl="0">
-                <a:spcBef>
-                  <a:spcPts val="0"/>
-                </a:spcBef>
-                <a:spcAft>
-                  <a:spcPts val="0"/>
-                </a:spcAft>
-                <a:buNone/>
-              </a:pPr>
-              <a:r>
-                <a:rPr lang="en" sz="1000" b="1" dirty="0"/>
-                <a:t>Batch to Batch Adaption</a:t>
-              </a:r>
-              <a:endParaRPr sz="1000" dirty="0"/>
-            </a:p>
-          </p:txBody>
-        </p:sp>
-      </p:grpSp>
-      <p:cxnSp>
-        <p:nvCxnSpPr>
-          <p:cNvPr id="456" name="Google Shape;456;p16"/>
-          <p:cNvCxnSpPr>
-            <a:cxnSpLocks/>
-            <a:endCxn id="198" idx="1"/>
-          </p:cNvCxnSpPr>
-          <p:nvPr/>
-        </p:nvCxnSpPr>
-        <p:spPr>
-          <a:xfrm flipV="1">
-            <a:off x="5925687" y="2961820"/>
-            <a:ext cx="2584791" cy="2228"/>
-          </a:xfrm>
-          <a:prstGeom prst="straightConnector1">
-            <a:avLst/>
-          </a:prstGeom>
-          <a:noFill/>
-          <a:ln w="9525" cap="flat" cmpd="sng">
-            <a:solidFill>
-              <a:schemeClr val="dk2"/>
-            </a:solidFill>
-            <a:prstDash val="solid"/>
-            <a:round/>
-            <a:headEnd type="none" w="med" len="med"/>
-            <a:tailEnd type="triangle" w="med" len="med"/>
-          </a:ln>
-        </p:spPr>
-      </p:cxnSp>
-      <p:sp>
-        <p:nvSpPr>
-          <p:cNvPr id="188" name="Google Shape;63;p14">
-            <a:extLst>
-              <a:ext uri="{FF2B5EF4-FFF2-40B4-BE49-F238E27FC236}">
-                <a16:creationId xmlns:a16="http://schemas.microsoft.com/office/drawing/2014/main" id="{B1831497-E97F-4F48-BE09-B89443403071}"/>
-              </a:ext>
-            </a:extLst>
-          </p:cNvPr>
-          <p:cNvSpPr/>
-          <p:nvPr/>
-        </p:nvSpPr>
-        <p:spPr>
-          <a:xfrm>
-            <a:off x="5555235" y="2708669"/>
-            <a:ext cx="1098770" cy="507300"/>
-          </a:xfrm>
-          <a:prstGeom prst="roundRect">
-            <a:avLst>
-              <a:gd name="adj" fmla="val 16667"/>
-            </a:avLst>
-          </a:prstGeom>
-          <a:solidFill>
-            <a:srgbClr val="93C47D"/>
-          </a:solidFill>
-          <a:ln w="9525" cap="flat" cmpd="sng">
-            <a:solidFill>
-              <a:schemeClr val="dk2"/>
-            </a:solidFill>
-            <a:prstDash val="solid"/>
-            <a:round/>
-            <a:headEnd type="none" w="sm" len="sm"/>
-            <a:tailEnd type="none" w="sm" len="sm"/>
-          </a:ln>
-        </p:spPr>
-        <p:txBody>
-          <a:bodyPr spcFirstLastPara="1" wrap="square" lIns="91425" tIns="91425" rIns="91425" bIns="91425" anchor="ctr" anchorCtr="0">
-            <a:noAutofit/>
-          </a:bodyPr>
-          <a:lstStyle/>
-          <a:p>
-            <a:pPr marL="0" lvl="0" indent="0" algn="ctr" rtl="0">
-              <a:spcBef>
-                <a:spcPts val="0"/>
-              </a:spcBef>
-              <a:spcAft>
-                <a:spcPts val="0"/>
-              </a:spcAft>
-              <a:buNone/>
-            </a:pPr>
-            <a:r>
-              <a:rPr lang="en" sz="1000" b="1" dirty="0">
-                <a:latin typeface="Calibri" panose="020F0502020204030204" pitchFamily="34" charset="0"/>
-                <a:cs typeface="Calibri" panose="020F0502020204030204" pitchFamily="34" charset="0"/>
-              </a:rPr>
-              <a:t>Modell Bauteilqualität</a:t>
-            </a:r>
-            <a:endParaRPr sz="1000" b="1" dirty="0">
-              <a:latin typeface="Calibri" panose="020F0502020204030204" pitchFamily="34" charset="0"/>
-              <a:cs typeface="Calibri" panose="020F0502020204030204" pitchFamily="34" charset="0"/>
-            </a:endParaRPr>
-          </a:p>
-        </p:txBody>
-      </p:sp>
-      <p:sp>
-        <p:nvSpPr>
-          <p:cNvPr id="189" name="Google Shape;62;p14">
-            <a:extLst>
-              <a:ext uri="{FF2B5EF4-FFF2-40B4-BE49-F238E27FC236}">
-                <a16:creationId xmlns:a16="http://schemas.microsoft.com/office/drawing/2014/main" id="{C54805D3-E15A-4F30-8B93-AF5214D2CACF}"/>
-              </a:ext>
-            </a:extLst>
-          </p:cNvPr>
-          <p:cNvSpPr/>
-          <p:nvPr/>
-        </p:nvSpPr>
-        <p:spPr>
-          <a:xfrm>
-            <a:off x="1831657" y="2710344"/>
-            <a:ext cx="914400" cy="507300"/>
-          </a:xfrm>
-          <a:prstGeom prst="roundRect">
-            <a:avLst>
-              <a:gd name="adj" fmla="val 16667"/>
-            </a:avLst>
-          </a:prstGeom>
-          <a:solidFill>
-            <a:srgbClr val="93C47D"/>
-          </a:solidFill>
-          <a:ln w="9525" cap="flat" cmpd="sng">
-            <a:solidFill>
-              <a:schemeClr val="dk2"/>
-            </a:solidFill>
-            <a:prstDash val="solid"/>
-            <a:round/>
-            <a:headEnd type="none" w="sm" len="sm"/>
-            <a:tailEnd type="none" w="sm" len="sm"/>
-          </a:ln>
-        </p:spPr>
-        <p:txBody>
-          <a:bodyPr spcFirstLastPara="1" wrap="square" lIns="91425" tIns="91425" rIns="91425" bIns="91425" anchor="ctr" anchorCtr="0">
-            <a:noAutofit/>
-          </a:bodyPr>
-          <a:lstStyle/>
-          <a:p>
-            <a:pPr marL="0" lvl="0" indent="0" algn="ctr" rtl="0">
-              <a:spcBef>
-                <a:spcPts val="0"/>
-              </a:spcBef>
-              <a:spcAft>
-                <a:spcPts val="0"/>
-              </a:spcAft>
-              <a:buNone/>
-            </a:pPr>
-            <a:r>
-              <a:rPr lang="en" sz="1000" b="1" dirty="0">
-                <a:latin typeface="Calibri" panose="020F0502020204030204" pitchFamily="34" charset="0"/>
-                <a:cs typeface="Calibri" panose="020F0502020204030204" pitchFamily="34" charset="0"/>
-              </a:rPr>
-              <a:t>Modell Spritzgieß-</a:t>
-            </a:r>
-            <a:br>
-              <a:rPr lang="en" sz="1000" b="1" dirty="0">
-                <a:latin typeface="Calibri" panose="020F0502020204030204" pitchFamily="34" charset="0"/>
-                <a:cs typeface="Calibri" panose="020F0502020204030204" pitchFamily="34" charset="0"/>
-              </a:rPr>
-            </a:br>
-            <a:r>
-              <a:rPr lang="en" sz="1000" b="1" dirty="0">
-                <a:latin typeface="Calibri" panose="020F0502020204030204" pitchFamily="34" charset="0"/>
-                <a:cs typeface="Calibri" panose="020F0502020204030204" pitchFamily="34" charset="0"/>
-              </a:rPr>
-              <a:t>maschine</a:t>
-            </a:r>
-            <a:endParaRPr sz="1000" b="1" dirty="0">
-              <a:latin typeface="Calibri" panose="020F0502020204030204" pitchFamily="34" charset="0"/>
-              <a:cs typeface="Calibri" panose="020F0502020204030204" pitchFamily="34" charset="0"/>
-            </a:endParaRPr>
-          </a:p>
-        </p:txBody>
-      </p:sp>
-      <mc:AlternateContent xmlns:mc="http://schemas.openxmlformats.org/markup-compatibility/2006">
-        <mc:Choice xmlns:a14="http://schemas.microsoft.com/office/drawing/2010/main" Requires="a14">
-          <p:sp>
-            <p:nvSpPr>
-              <p:cNvPr id="198" name="Google Shape;102;p14">
-                <a:extLst>
-                  <a:ext uri="{FF2B5EF4-FFF2-40B4-BE49-F238E27FC236}">
-                    <a16:creationId xmlns:a16="http://schemas.microsoft.com/office/drawing/2014/main" id="{B58AF23E-A536-4FFE-B9E8-4EAB8AD40292}"/>
-                  </a:ext>
-                </a:extLst>
-              </p:cNvPr>
-              <p:cNvSpPr txBox="1"/>
-              <p:nvPr/>
-            </p:nvSpPr>
-            <p:spPr>
-              <a:xfrm>
-                <a:off x="8510478" y="2800420"/>
-                <a:ext cx="344600" cy="322800"/>
-              </a:xfrm>
-              <a:prstGeom prst="rect">
-                <a:avLst/>
-              </a:prstGeom>
-              <a:noFill/>
-              <a:ln>
-                <a:noFill/>
-              </a:ln>
-            </p:spPr>
-            <p:txBody>
-              <a:bodyPr spcFirstLastPara="1" wrap="square" lIns="91425" tIns="91425" rIns="91425" bIns="91425" anchor="t" anchorCtr="0">
-                <a:noAutofit/>
-              </a:bodyPr>
-              <a:lstStyle/>
-              <a:p>
-                <a:pPr marL="0" lvl="0" indent="0" algn="ctr" rtl="0">
-                  <a:spcBef>
-                    <a:spcPts val="0"/>
-                  </a:spcBef>
-                  <a:spcAft>
-                    <a:spcPts val="0"/>
-                  </a:spcAft>
-                  <a:buNone/>
-                </a:pPr>
-                <a14:m>
-                  <m:oMathPara xmlns:m="http://schemas.openxmlformats.org/officeDocument/2006/math">
-                    <m:oMathParaPr>
-                      <m:jc m:val="centerGroup"/>
-                    </m:oMathParaPr>
-                    <m:oMath xmlns:m="http://schemas.openxmlformats.org/officeDocument/2006/math">
-                      <m:acc>
-                        <m:accPr>
-                          <m:chr m:val="̂"/>
-                          <m:ctrlPr>
-                            <a:rPr lang="de-DE" sz="1000" b="1" i="1" smtClean="0">
-                              <a:latin typeface="Cambria Math" panose="02040503050406030204" pitchFamily="18" charset="0"/>
-                              <a:cs typeface="Calibri" panose="020F0502020204030204" pitchFamily="34" charset="0"/>
-                            </a:rPr>
-                          </m:ctrlPr>
-                        </m:accPr>
-                        <m:e>
-                          <m:r>
-                            <a:rPr lang="de-DE" sz="1000" b="1" i="1" smtClean="0">
-                              <a:latin typeface="Cambria Math" panose="02040503050406030204" pitchFamily="18" charset="0"/>
-                              <a:cs typeface="Calibri" panose="020F0502020204030204" pitchFamily="34" charset="0"/>
-                            </a:rPr>
-                            <m:t>𝑸</m:t>
-                          </m:r>
-                        </m:e>
-                      </m:acc>
-                    </m:oMath>
-                  </m:oMathPara>
-                </a14:m>
-                <a:endParaRPr sz="1000" dirty="0">
-                  <a:latin typeface="Calibri" panose="020F0502020204030204" pitchFamily="34" charset="0"/>
-                  <a:cs typeface="Calibri" panose="020F0502020204030204" pitchFamily="34" charset="0"/>
-                </a:endParaRPr>
-              </a:p>
-            </p:txBody>
-          </p:sp>
-        </mc:Choice>
-        <mc:Fallback>
-          <p:sp>
-            <p:nvSpPr>
-              <p:cNvPr id="198" name="Google Shape;102;p14">
-                <a:extLst>
-                  <a:ext uri="{FF2B5EF4-FFF2-40B4-BE49-F238E27FC236}">
-                    <a16:creationId xmlns:a16="http://schemas.microsoft.com/office/drawing/2014/main" id="{B58AF23E-A536-4FFE-B9E8-4EAB8AD40292}"/>
-                  </a:ext>
-                </a:extLst>
-              </p:cNvPr>
-              <p:cNvSpPr txBox="1">
-                <a:spLocks noRot="1" noChangeAspect="1" noMove="1" noResize="1" noEditPoints="1" noAdjustHandles="1" noChangeArrowheads="1" noChangeShapeType="1" noTextEdit="1"/>
-              </p:cNvSpPr>
-              <p:nvPr/>
-            </p:nvSpPr>
-            <p:spPr>
-              <a:xfrm>
-                <a:off x="8510478" y="2800420"/>
-                <a:ext cx="344600" cy="322800"/>
-              </a:xfrm>
-              <a:prstGeom prst="rect">
-                <a:avLst/>
-              </a:prstGeom>
-              <a:blipFill>
-                <a:blip r:embed="rId5"/>
-                <a:stretch>
-                  <a:fillRect/>
-                </a:stretch>
-              </a:blipFill>
-              <a:ln>
-                <a:noFill/>
-              </a:ln>
-            </p:spPr>
-            <p:txBody>
-              <a:bodyPr/>
-              <a:lstStyle/>
-              <a:p>
-                <a:r>
-                  <a:rPr lang="en-GB">
-                    <a:noFill/>
-                  </a:rPr>
-                  <a:t> </a:t>
-                </a:r>
-              </a:p>
-            </p:txBody>
-          </p:sp>
-        </mc:Fallback>
-      </mc:AlternateContent>
-      <mc:AlternateContent xmlns:mc="http://schemas.openxmlformats.org/markup-compatibility/2006">
-        <mc:Choice xmlns:a14="http://schemas.microsoft.com/office/drawing/2010/main" Requires="a14">
-          <p:sp>
-            <p:nvSpPr>
-              <p:cNvPr id="199" name="Google Shape;100;p14">
-                <a:extLst>
-                  <a:ext uri="{FF2B5EF4-FFF2-40B4-BE49-F238E27FC236}">
-                    <a16:creationId xmlns:a16="http://schemas.microsoft.com/office/drawing/2014/main" id="{8BF25EA5-D11E-4D11-9CA6-6B996F853B21}"/>
-                  </a:ext>
-                </a:extLst>
-              </p:cNvPr>
-              <p:cNvSpPr txBox="1"/>
-              <p:nvPr/>
-            </p:nvSpPr>
-            <p:spPr>
-              <a:xfrm>
-                <a:off x="3288932" y="2688655"/>
-                <a:ext cx="325648" cy="322797"/>
-              </a:xfrm>
-              <a:prstGeom prst="rect">
-                <a:avLst/>
-              </a:prstGeom>
-              <a:noFill/>
-              <a:ln>
-                <a:noFill/>
-              </a:ln>
-            </p:spPr>
-            <p:txBody>
-              <a:bodyPr spcFirstLastPara="1" wrap="square" lIns="91425" tIns="91425" rIns="91425" bIns="91425" anchor="t" anchorCtr="0">
-                <a:noAutofit/>
-              </a:bodyPr>
-              <a:lstStyle/>
-              <a:p>
-                <a:pPr marL="0" lvl="0" indent="0" algn="ctr" rtl="0">
-                  <a:spcBef>
-                    <a:spcPts val="0"/>
-                  </a:spcBef>
-                  <a:spcAft>
-                    <a:spcPts val="0"/>
-                  </a:spcAft>
-                  <a:buNone/>
-                </a:pPr>
-                <a14:m>
-                  <m:oMathPara xmlns:m="http://schemas.openxmlformats.org/officeDocument/2006/math">
-                    <m:oMathParaPr>
-                      <m:jc m:val="centerGroup"/>
-                    </m:oMathParaPr>
-                    <m:oMath xmlns:m="http://schemas.openxmlformats.org/officeDocument/2006/math">
-                      <m:acc>
-                        <m:accPr>
-                          <m:chr m:val="̂"/>
-                          <m:ctrlPr>
-                            <a:rPr lang="de-DE" sz="1000" b="1" i="1" smtClean="0">
-                              <a:latin typeface="Cambria Math" panose="02040503050406030204" pitchFamily="18" charset="0"/>
-                              <a:cs typeface="Calibri" panose="020F0502020204030204" pitchFamily="34" charset="0"/>
-                            </a:rPr>
-                          </m:ctrlPr>
-                        </m:accPr>
-                        <m:e>
-                          <m:r>
-                            <a:rPr lang="de-DE" sz="1000" b="1" i="1" smtClean="0">
-                              <a:latin typeface="Cambria Math" panose="02040503050406030204" pitchFamily="18" charset="0"/>
-                              <a:cs typeface="Calibri" panose="020F0502020204030204" pitchFamily="34" charset="0"/>
-                            </a:rPr>
-                            <m:t>𝒑</m:t>
-                          </m:r>
-                        </m:e>
-                      </m:acc>
-                    </m:oMath>
-                  </m:oMathPara>
-                </a14:m>
-                <a:endParaRPr sz="1000" b="1" i="1" dirty="0">
-                  <a:latin typeface="Calibri" panose="020F0502020204030204" pitchFamily="34" charset="0"/>
-                  <a:cs typeface="Calibri" panose="020F0502020204030204" pitchFamily="34" charset="0"/>
-                </a:endParaRPr>
-              </a:p>
-            </p:txBody>
-          </p:sp>
-        </mc:Choice>
-        <mc:Fallback>
-          <p:sp>
-            <p:nvSpPr>
-              <p:cNvPr id="199" name="Google Shape;100;p14">
-                <a:extLst>
-                  <a:ext uri="{FF2B5EF4-FFF2-40B4-BE49-F238E27FC236}">
-                    <a16:creationId xmlns:a16="http://schemas.microsoft.com/office/drawing/2014/main" id="{8BF25EA5-D11E-4D11-9CA6-6B996F853B21}"/>
-                  </a:ext>
-                </a:extLst>
-              </p:cNvPr>
-              <p:cNvSpPr txBox="1">
-                <a:spLocks noRot="1" noChangeAspect="1" noMove="1" noResize="1" noEditPoints="1" noAdjustHandles="1" noChangeArrowheads="1" noChangeShapeType="1" noTextEdit="1"/>
-              </p:cNvSpPr>
-              <p:nvPr/>
-            </p:nvSpPr>
-            <p:spPr>
-              <a:xfrm>
-                <a:off x="3288932" y="2688655"/>
-                <a:ext cx="325648" cy="322797"/>
-              </a:xfrm>
-              <a:prstGeom prst="rect">
-                <a:avLst/>
-              </a:prstGeom>
-              <a:blipFill>
-                <a:blip r:embed="rId6"/>
-                <a:stretch>
-                  <a:fillRect/>
-                </a:stretch>
-              </a:blipFill>
-              <a:ln>
-                <a:noFill/>
-              </a:ln>
-            </p:spPr>
-            <p:txBody>
-              <a:bodyPr/>
-              <a:lstStyle/>
-              <a:p>
-                <a:r>
-                  <a:rPr lang="en-GB">
-                    <a:noFill/>
-                  </a:rPr>
-                  <a:t> </a:t>
-                </a:r>
-              </a:p>
-            </p:txBody>
-          </p:sp>
-        </mc:Fallback>
-      </mc:AlternateContent>
-      <p:sp>
-        <p:nvSpPr>
-          <p:cNvPr id="225" name="Google Shape;284;p16">
-            <a:extLst>
-              <a:ext uri="{FF2B5EF4-FFF2-40B4-BE49-F238E27FC236}">
-                <a16:creationId xmlns:a16="http://schemas.microsoft.com/office/drawing/2014/main" id="{1A8A68E7-16A7-40FB-939A-4075C16A174B}"/>
-              </a:ext>
-            </a:extLst>
-          </p:cNvPr>
-          <p:cNvSpPr/>
-          <p:nvPr/>
-        </p:nvSpPr>
-        <p:spPr>
-          <a:xfrm>
-            <a:off x="6429413" y="1840971"/>
-            <a:ext cx="925200" cy="513600"/>
-          </a:xfrm>
-          <a:prstGeom prst="roundRect">
-            <a:avLst>
-              <a:gd name="adj" fmla="val 16667"/>
-            </a:avLst>
-          </a:prstGeom>
-          <a:solidFill>
-            <a:srgbClr val="93C47D"/>
-          </a:solidFill>
-          <a:ln w="9525" cap="flat" cmpd="sng">
-            <a:solidFill>
-              <a:schemeClr val="dk2"/>
-            </a:solidFill>
-            <a:prstDash val="solid"/>
-            <a:round/>
-            <a:headEnd type="none" w="sm" len="sm"/>
-            <a:tailEnd type="none" w="sm" len="sm"/>
-          </a:ln>
-        </p:spPr>
-        <p:txBody>
-          <a:bodyPr spcFirstLastPara="1" wrap="square" lIns="91425" tIns="91425" rIns="91425" bIns="91425" anchor="ctr" anchorCtr="0">
-            <a:noAutofit/>
-          </a:bodyPr>
-          <a:lstStyle/>
-          <a:p>
-            <a:pPr marL="0" lvl="0" indent="0" algn="ctr" rtl="0">
-              <a:spcBef>
-                <a:spcPts val="0"/>
-              </a:spcBef>
-              <a:spcAft>
-                <a:spcPts val="0"/>
-              </a:spcAft>
-              <a:buNone/>
-            </a:pPr>
-            <a:r>
-              <a:rPr lang="en" sz="1000" b="1" dirty="0">
-                <a:latin typeface="Calibri" panose="020F0502020204030204" pitchFamily="34" charset="0"/>
-                <a:cs typeface="Calibri" panose="020F0502020204030204" pitchFamily="34" charset="0"/>
-              </a:rPr>
-              <a:t>Qualitäts-messzelle</a:t>
-            </a:r>
-            <a:endParaRPr sz="1000" b="1" dirty="0">
-              <a:latin typeface="Calibri" panose="020F0502020204030204" pitchFamily="34" charset="0"/>
-              <a:cs typeface="Calibri" panose="020F0502020204030204" pitchFamily="34" charset="0"/>
-            </a:endParaRPr>
-          </a:p>
-        </p:txBody>
-      </p:sp>
-      <p:sp>
-        <p:nvSpPr>
-          <p:cNvPr id="228" name="Google Shape;334;p16">
-            <a:extLst>
-              <a:ext uri="{FF2B5EF4-FFF2-40B4-BE49-F238E27FC236}">
-                <a16:creationId xmlns:a16="http://schemas.microsoft.com/office/drawing/2014/main" id="{C6E6AEB2-85BF-4135-ACA1-F50C57043FCF}"/>
-              </a:ext>
-            </a:extLst>
-          </p:cNvPr>
-          <p:cNvSpPr txBox="1"/>
-          <p:nvPr/>
-        </p:nvSpPr>
-        <p:spPr>
-          <a:xfrm>
-            <a:off x="5141970" y="1858859"/>
-            <a:ext cx="1107300" cy="447600"/>
-          </a:xfrm>
-          <a:prstGeom prst="rect">
-            <a:avLst/>
-          </a:prstGeom>
-          <a:noFill/>
-          <a:ln>
-            <a:noFill/>
-          </a:ln>
-        </p:spPr>
-        <p:txBody>
-          <a:bodyPr spcFirstLastPara="1" wrap="square" lIns="91425" tIns="91425" rIns="91425" bIns="91425" anchor="t" anchorCtr="0">
-            <a:noAutofit/>
-          </a:bodyPr>
-          <a:lstStyle/>
-          <a:p>
-            <a:pPr marL="0" lvl="0" indent="0" algn="ctr" rtl="0">
-              <a:spcBef>
-                <a:spcPts val="0"/>
-              </a:spcBef>
-              <a:spcAft>
-                <a:spcPts val="0"/>
-              </a:spcAft>
-              <a:buNone/>
-            </a:pPr>
-            <a:r>
-              <a:rPr lang="en" sz="1000" b="1" dirty="0"/>
-              <a:t>Bauteileigen-schaften</a:t>
-            </a:r>
-            <a:endParaRPr sz="1000" dirty="0"/>
-          </a:p>
-        </p:txBody>
-      </p:sp>
-      <p:cxnSp>
-        <p:nvCxnSpPr>
-          <p:cNvPr id="234" name="Google Shape;337;p16">
-            <a:extLst>
-              <a:ext uri="{FF2B5EF4-FFF2-40B4-BE49-F238E27FC236}">
-                <a16:creationId xmlns:a16="http://schemas.microsoft.com/office/drawing/2014/main" id="{FF889F6C-A9D1-40C9-8963-BF89511E1EC5}"/>
-              </a:ext>
-            </a:extLst>
-          </p:cNvPr>
-          <p:cNvCxnSpPr/>
-          <p:nvPr/>
-        </p:nvCxnSpPr>
-        <p:spPr>
-          <a:xfrm>
-            <a:off x="5006696" y="2099076"/>
-            <a:ext cx="202800" cy="0"/>
-          </a:xfrm>
-          <a:prstGeom prst="straightConnector1">
-            <a:avLst/>
-          </a:prstGeom>
-          <a:noFill/>
-          <a:ln w="9525" cap="flat" cmpd="sng">
-            <a:solidFill>
-              <a:schemeClr val="dk2"/>
-            </a:solidFill>
-            <a:prstDash val="solid"/>
-            <a:round/>
-            <a:headEnd type="none" w="med" len="med"/>
-            <a:tailEnd type="none" w="med" len="med"/>
-          </a:ln>
-        </p:spPr>
-      </p:cxnSp>
-      <p:cxnSp>
-        <p:nvCxnSpPr>
-          <p:cNvPr id="235" name="Google Shape;335;p16">
-            <a:extLst>
-              <a:ext uri="{FF2B5EF4-FFF2-40B4-BE49-F238E27FC236}">
-                <a16:creationId xmlns:a16="http://schemas.microsoft.com/office/drawing/2014/main" id="{4C1C070F-4534-49BD-AEAA-D4C0BF2F1825}"/>
-              </a:ext>
-            </a:extLst>
-          </p:cNvPr>
-          <p:cNvCxnSpPr>
-            <a:cxnSpLocks/>
-          </p:cNvCxnSpPr>
-          <p:nvPr/>
-        </p:nvCxnSpPr>
-        <p:spPr>
-          <a:xfrm>
-            <a:off x="7381506" y="2096850"/>
-            <a:ext cx="1084330" cy="0"/>
-          </a:xfrm>
-          <a:prstGeom prst="straightConnector1">
-            <a:avLst/>
-          </a:prstGeom>
-          <a:noFill/>
-          <a:ln w="9525" cap="flat" cmpd="sng">
-            <a:solidFill>
-              <a:schemeClr val="dk2"/>
-            </a:solidFill>
-            <a:prstDash val="solid"/>
-            <a:round/>
-            <a:headEnd type="none" w="med" len="med"/>
-            <a:tailEnd type="triangle" w="med" len="med"/>
-          </a:ln>
-        </p:spPr>
-      </p:cxnSp>
-      <p:cxnSp>
-        <p:nvCxnSpPr>
-          <p:cNvPr id="245" name="Google Shape;445;p16">
-            <a:extLst>
-              <a:ext uri="{FF2B5EF4-FFF2-40B4-BE49-F238E27FC236}">
-                <a16:creationId xmlns:a16="http://schemas.microsoft.com/office/drawing/2014/main" id="{9AA6D54A-7F73-43B1-BC9E-37511ABC84B0}"/>
-              </a:ext>
-            </a:extLst>
-          </p:cNvPr>
-          <p:cNvCxnSpPr>
-            <a:cxnSpLocks/>
-            <a:stCxn id="446" idx="2"/>
-            <a:endCxn id="277" idx="3"/>
-          </p:cNvCxnSpPr>
-          <p:nvPr/>
-        </p:nvCxnSpPr>
-        <p:spPr>
-          <a:xfrm flipH="1" flipV="1">
-            <a:off x="2853866" y="4105035"/>
-            <a:ext cx="784512" cy="3168"/>
-          </a:xfrm>
-          <a:prstGeom prst="straightConnector1">
-            <a:avLst/>
-          </a:prstGeom>
-          <a:noFill/>
-          <a:ln w="9525" cap="flat" cmpd="sng">
-            <a:solidFill>
-              <a:schemeClr val="dk2"/>
-            </a:solidFill>
-            <a:prstDash val="solid"/>
-            <a:round/>
-            <a:headEnd type="none" w="med" len="med"/>
-            <a:tailEnd type="triangle" w="med" len="med"/>
-          </a:ln>
-        </p:spPr>
-      </p:cxnSp>
-      <p:sp>
-        <p:nvSpPr>
-          <p:cNvPr id="230" name="Ellipse 229">
-            <a:extLst>
-              <a:ext uri="{FF2B5EF4-FFF2-40B4-BE49-F238E27FC236}">
-                <a16:creationId xmlns:a16="http://schemas.microsoft.com/office/drawing/2014/main" id="{27136F0E-240E-4B9F-9A3A-9C92335122B3}"/>
-              </a:ext>
-            </a:extLst>
-          </p:cNvPr>
-          <p:cNvSpPr/>
-          <p:nvPr/>
-        </p:nvSpPr>
-        <p:spPr>
-          <a:xfrm>
-            <a:off x="3681448" y="2081309"/>
-            <a:ext cx="45719" cy="45719"/>
-          </a:xfrm>
-          <a:prstGeom prst="ellipse">
-            <a:avLst/>
-          </a:prstGeom>
-          <a:solidFill>
-            <a:srgbClr val="595959"/>
-          </a:solidFill>
-          <a:ln>
-            <a:noFill/>
-          </a:ln>
-        </p:spPr>
-        <p:style>
-          <a:lnRef idx="2">
-            <a:schemeClr val="accent1">
-              <a:shade val="50000"/>
-            </a:schemeClr>
-          </a:lnRef>
-          <a:fillRef idx="1">
-            <a:schemeClr val="accent1"/>
-          </a:fillRef>
-          <a:effectRef idx="0">
-            <a:schemeClr val="accent1"/>
-          </a:effectRef>
-          <a:fontRef idx="minor">
-            <a:schemeClr val="lt1"/>
-          </a:fontRef>
-        </p:style>
-        <p:txBody>
-          <a:bodyPr rtlCol="0" anchor="ctr"/>
-          <a:lstStyle/>
-          <a:p>
-            <a:pPr algn="ctr"/>
-            <a:endParaRPr lang="en-GB"/>
-          </a:p>
-        </p:txBody>
-      </p:sp>
-      <p:sp>
-        <p:nvSpPr>
-          <p:cNvPr id="253" name="Ellipse 252">
-            <a:extLst>
-              <a:ext uri="{FF2B5EF4-FFF2-40B4-BE49-F238E27FC236}">
-                <a16:creationId xmlns:a16="http://schemas.microsoft.com/office/drawing/2014/main" id="{915D61ED-4997-4AF4-9900-C7DBCCF7A726}"/>
-              </a:ext>
-            </a:extLst>
-          </p:cNvPr>
-          <p:cNvSpPr/>
-          <p:nvPr/>
-        </p:nvSpPr>
-        <p:spPr>
-          <a:xfrm>
-            <a:off x="4076369" y="2939459"/>
-            <a:ext cx="45719" cy="45719"/>
-          </a:xfrm>
-          <a:prstGeom prst="ellipse">
-            <a:avLst/>
-          </a:prstGeom>
-          <a:solidFill>
-            <a:srgbClr val="595959"/>
-          </a:solidFill>
-          <a:ln>
-            <a:noFill/>
-          </a:ln>
-        </p:spPr>
-        <p:style>
-          <a:lnRef idx="2">
-            <a:schemeClr val="accent1">
-              <a:shade val="50000"/>
-            </a:schemeClr>
-          </a:lnRef>
-          <a:fillRef idx="1">
-            <a:schemeClr val="accent1"/>
-          </a:fillRef>
-          <a:effectRef idx="0">
-            <a:schemeClr val="accent1"/>
-          </a:effectRef>
-          <a:fontRef idx="minor">
-            <a:schemeClr val="lt1"/>
-          </a:fontRef>
-        </p:style>
-        <p:txBody>
-          <a:bodyPr rtlCol="0" anchor="ctr"/>
-          <a:lstStyle/>
-          <a:p>
-            <a:pPr algn="ctr"/>
-            <a:endParaRPr lang="en-GB"/>
-          </a:p>
-        </p:txBody>
-      </p:sp>
-      <p:cxnSp>
-        <p:nvCxnSpPr>
-          <p:cNvPr id="255" name="Google Shape;279;p16">
-            <a:extLst>
-              <a:ext uri="{FF2B5EF4-FFF2-40B4-BE49-F238E27FC236}">
-                <a16:creationId xmlns:a16="http://schemas.microsoft.com/office/drawing/2014/main" id="{F8B4F77E-7603-469E-BD38-AE93994694C4}"/>
-              </a:ext>
-            </a:extLst>
-          </p:cNvPr>
-          <p:cNvCxnSpPr>
-            <a:cxnSpLocks/>
-            <a:stCxn id="253" idx="4"/>
-            <a:endCxn id="446" idx="6"/>
-          </p:cNvCxnSpPr>
-          <p:nvPr/>
-        </p:nvCxnSpPr>
-        <p:spPr>
-          <a:xfrm rot="5400000">
-            <a:off x="3388407" y="3397380"/>
-            <a:ext cx="1123025" cy="298620"/>
-          </a:xfrm>
-          <a:prstGeom prst="bentConnector2">
-            <a:avLst/>
-          </a:prstGeom>
-          <a:noFill/>
-          <a:ln w="9525" cap="flat" cmpd="sng">
-            <a:solidFill>
-              <a:schemeClr val="dk2"/>
-            </a:solidFill>
-            <a:prstDash val="solid"/>
-            <a:round/>
-            <a:headEnd type="none" w="med" len="med"/>
-            <a:tailEnd type="triangle" w="med" len="med"/>
-          </a:ln>
-        </p:spPr>
-      </p:cxnSp>
-      <p:grpSp>
-        <p:nvGrpSpPr>
-          <p:cNvPr id="256" name="Gruppieren 255">
-            <a:extLst>
-              <a:ext uri="{FF2B5EF4-FFF2-40B4-BE49-F238E27FC236}">
-                <a16:creationId xmlns:a16="http://schemas.microsoft.com/office/drawing/2014/main" id="{B83BD4D7-99DF-4251-B7AF-FB2997825B70}"/>
-              </a:ext>
-            </a:extLst>
-          </p:cNvPr>
-          <p:cNvGrpSpPr/>
-          <p:nvPr/>
-        </p:nvGrpSpPr>
-        <p:grpSpPr>
-          <a:xfrm>
-            <a:off x="5427537" y="3607717"/>
-            <a:ext cx="1352700" cy="970258"/>
-            <a:chOff x="5242784" y="4133071"/>
-            <a:chExt cx="1352700" cy="970258"/>
-          </a:xfrm>
-        </p:grpSpPr>
-        <p:sp>
-          <p:nvSpPr>
-            <p:cNvPr id="480" name="Google Shape;277;p16">
-              <a:extLst>
-                <a:ext uri="{FF2B5EF4-FFF2-40B4-BE49-F238E27FC236}">
-                  <a16:creationId xmlns:a16="http://schemas.microsoft.com/office/drawing/2014/main" id="{1D1BD555-4B4A-4821-9831-19123975A702}"/>
-                </a:ext>
-              </a:extLst>
-            </p:cNvPr>
-            <p:cNvSpPr/>
-            <p:nvPr/>
-          </p:nvSpPr>
-          <p:spPr>
-            <a:xfrm>
-              <a:off x="5364036" y="4133071"/>
-              <a:ext cx="1127794" cy="970258"/>
-            </a:xfrm>
-            <a:prstGeom prst="roundRect">
-              <a:avLst>
-                <a:gd name="adj" fmla="val 16667"/>
-              </a:avLst>
-            </a:prstGeom>
-            <a:solidFill>
-              <a:srgbClr val="93C47D"/>
-            </a:solidFill>
-            <a:ln w="9525" cap="flat" cmpd="sng">
-              <a:solidFill>
-                <a:schemeClr val="dk2"/>
-              </a:solidFill>
-              <a:prstDash val="solid"/>
-              <a:round/>
-              <a:headEnd type="none" w="sm" len="sm"/>
-              <a:tailEnd type="none" w="sm" len="sm"/>
-            </a:ln>
-          </p:spPr>
-          <p:txBody>
-            <a:bodyPr spcFirstLastPara="1" wrap="square" lIns="91425" tIns="91425" rIns="91425" bIns="91425" anchor="ctr" anchorCtr="0">
-              <a:noAutofit/>
-            </a:bodyPr>
-            <a:lstStyle/>
-            <a:p>
-              <a:pPr marL="0" lvl="0" indent="0" algn="l" rtl="0">
-                <a:spcBef>
-                  <a:spcPts val="0"/>
-                </a:spcBef>
-                <a:spcAft>
-                  <a:spcPts val="0"/>
-                </a:spcAft>
-                <a:buNone/>
-              </a:pPr>
-              <a:endParaRPr/>
-            </a:p>
-          </p:txBody>
-        </p:sp>
-        <p:grpSp>
-          <p:nvGrpSpPr>
-            <p:cNvPr id="259" name="Google Shape;415;p16">
-              <a:extLst>
-                <a:ext uri="{FF2B5EF4-FFF2-40B4-BE49-F238E27FC236}">
-                  <a16:creationId xmlns:a16="http://schemas.microsoft.com/office/drawing/2014/main" id="{A882E532-AEAF-48C0-A6A3-03DACD96A063}"/>
-                </a:ext>
-              </a:extLst>
-            </p:cNvPr>
-            <p:cNvGrpSpPr/>
-            <p:nvPr/>
-          </p:nvGrpSpPr>
-          <p:grpSpPr>
-            <a:xfrm>
-              <a:off x="5682801" y="4145268"/>
-              <a:ext cx="472941" cy="473003"/>
-              <a:chOff x="6981937" y="2940155"/>
-              <a:chExt cx="909503" cy="909621"/>
-            </a:xfrm>
-          </p:grpSpPr>
-          <p:sp>
-            <p:nvSpPr>
-              <p:cNvPr id="260" name="Google Shape;416;p16">
-                <a:extLst>
-                  <a:ext uri="{FF2B5EF4-FFF2-40B4-BE49-F238E27FC236}">
-                    <a16:creationId xmlns:a16="http://schemas.microsoft.com/office/drawing/2014/main" id="{6FE37F03-2085-4B68-8B35-4238702A4EB8}"/>
-                  </a:ext>
-                </a:extLst>
-              </p:cNvPr>
-              <p:cNvSpPr/>
-              <p:nvPr/>
-            </p:nvSpPr>
-            <p:spPr>
-              <a:xfrm>
-                <a:off x="7181850" y="3006975"/>
-                <a:ext cx="509700" cy="776400"/>
-              </a:xfrm>
-              <a:prstGeom prst="plaque">
-                <a:avLst>
-                  <a:gd name="adj" fmla="val 41112"/>
-                </a:avLst>
-              </a:prstGeom>
-              <a:solidFill>
-                <a:srgbClr val="999999"/>
-              </a:solidFill>
-              <a:ln>
-                <a:noFill/>
-              </a:ln>
-            </p:spPr>
-            <p:txBody>
-              <a:bodyPr spcFirstLastPara="1" wrap="square" lIns="91425" tIns="91425" rIns="91425" bIns="91425" anchor="ctr" anchorCtr="0">
-                <a:noAutofit/>
-              </a:bodyPr>
-              <a:lstStyle/>
-              <a:p>
-                <a:pPr marL="0" lvl="0" indent="0" algn="l" rtl="0">
-                  <a:spcBef>
-                    <a:spcPts val="0"/>
-                  </a:spcBef>
-                  <a:spcAft>
-                    <a:spcPts val="0"/>
-                  </a:spcAft>
-                  <a:buNone/>
-                </a:pPr>
-                <a:endParaRPr/>
-              </a:p>
-            </p:txBody>
-          </p:sp>
-          <p:sp>
-            <p:nvSpPr>
-              <p:cNvPr id="261" name="Google Shape;417;p16">
-                <a:extLst>
-                  <a:ext uri="{FF2B5EF4-FFF2-40B4-BE49-F238E27FC236}">
-                    <a16:creationId xmlns:a16="http://schemas.microsoft.com/office/drawing/2014/main" id="{5D44D2FF-0483-4C6D-BE8E-5BC45D9AC808}"/>
-                  </a:ext>
-                </a:extLst>
-              </p:cNvPr>
-              <p:cNvSpPr/>
-              <p:nvPr/>
-            </p:nvSpPr>
-            <p:spPr>
-              <a:xfrm rot="2700000">
-                <a:off x="7181816" y="3006924"/>
-                <a:ext cx="509541" cy="776403"/>
-              </a:xfrm>
-              <a:prstGeom prst="plaque">
-                <a:avLst>
-                  <a:gd name="adj" fmla="val 41112"/>
-                </a:avLst>
-              </a:prstGeom>
-              <a:solidFill>
-                <a:srgbClr val="999999"/>
-              </a:solidFill>
-              <a:ln>
-                <a:noFill/>
-              </a:ln>
-            </p:spPr>
-            <p:txBody>
-              <a:bodyPr spcFirstLastPara="1" wrap="square" lIns="91425" tIns="91425" rIns="91425" bIns="91425" anchor="ctr" anchorCtr="0">
-                <a:noAutofit/>
-              </a:bodyPr>
-              <a:lstStyle/>
-              <a:p>
-                <a:pPr marL="0" lvl="0" indent="0" algn="l" rtl="0">
-                  <a:spcBef>
-                    <a:spcPts val="0"/>
-                  </a:spcBef>
-                  <a:spcAft>
-                    <a:spcPts val="0"/>
-                  </a:spcAft>
-                  <a:buNone/>
-                </a:pPr>
-                <a:endParaRPr/>
-              </a:p>
-            </p:txBody>
-          </p:sp>
-          <p:sp>
-            <p:nvSpPr>
-              <p:cNvPr id="262" name="Google Shape;418;p16">
-                <a:extLst>
-                  <a:ext uri="{FF2B5EF4-FFF2-40B4-BE49-F238E27FC236}">
-                    <a16:creationId xmlns:a16="http://schemas.microsoft.com/office/drawing/2014/main" id="{5653B8C0-9331-4C8C-BFD7-613786EA9606}"/>
-                  </a:ext>
-                </a:extLst>
-              </p:cNvPr>
-              <p:cNvSpPr/>
-              <p:nvPr/>
-            </p:nvSpPr>
-            <p:spPr>
-              <a:xfrm rot="-2701431">
-                <a:off x="7181913" y="3006753"/>
-                <a:ext cx="509753" cy="776403"/>
-              </a:xfrm>
-              <a:prstGeom prst="plaque">
-                <a:avLst>
-                  <a:gd name="adj" fmla="val 41112"/>
-                </a:avLst>
-              </a:prstGeom>
-              <a:solidFill>
-                <a:srgbClr val="999999"/>
-              </a:solidFill>
-              <a:ln>
-                <a:noFill/>
-              </a:ln>
-            </p:spPr>
-            <p:txBody>
-              <a:bodyPr spcFirstLastPara="1" wrap="square" lIns="91425" tIns="91425" rIns="91425" bIns="91425" anchor="ctr" anchorCtr="0">
-                <a:noAutofit/>
-              </a:bodyPr>
-              <a:lstStyle/>
-              <a:p>
-                <a:pPr marL="0" lvl="0" indent="0" algn="l" rtl="0">
-                  <a:spcBef>
-                    <a:spcPts val="0"/>
-                  </a:spcBef>
-                  <a:spcAft>
-                    <a:spcPts val="0"/>
-                  </a:spcAft>
-                  <a:buNone/>
-                </a:pPr>
-                <a:endParaRPr/>
-              </a:p>
-            </p:txBody>
-          </p:sp>
-          <p:sp>
-            <p:nvSpPr>
-              <p:cNvPr id="263" name="Google Shape;419;p16">
-                <a:extLst>
-                  <a:ext uri="{FF2B5EF4-FFF2-40B4-BE49-F238E27FC236}">
-                    <a16:creationId xmlns:a16="http://schemas.microsoft.com/office/drawing/2014/main" id="{687A436C-BB48-41E4-9B29-9B71A19B1F37}"/>
-                  </a:ext>
-                </a:extLst>
-              </p:cNvPr>
-              <p:cNvSpPr/>
-              <p:nvPr/>
-            </p:nvSpPr>
-            <p:spPr>
-              <a:xfrm rot="-5402023">
-                <a:off x="7181870" y="3006762"/>
-                <a:ext cx="509700" cy="776400"/>
-              </a:xfrm>
-              <a:prstGeom prst="plaque">
-                <a:avLst>
-                  <a:gd name="adj" fmla="val 41112"/>
-                </a:avLst>
-              </a:prstGeom>
-              <a:solidFill>
-                <a:srgbClr val="999999"/>
-              </a:solidFill>
-              <a:ln>
-                <a:noFill/>
-              </a:ln>
-            </p:spPr>
-            <p:txBody>
-              <a:bodyPr spcFirstLastPara="1" wrap="square" lIns="91425" tIns="91425" rIns="91425" bIns="91425" anchor="ctr" anchorCtr="0">
-                <a:noAutofit/>
-              </a:bodyPr>
-              <a:lstStyle/>
-              <a:p>
-                <a:pPr marL="0" lvl="0" indent="0" algn="l" rtl="0">
-                  <a:spcBef>
-                    <a:spcPts val="0"/>
-                  </a:spcBef>
-                  <a:spcAft>
-                    <a:spcPts val="0"/>
-                  </a:spcAft>
-                  <a:buNone/>
-                </a:pPr>
-                <a:endParaRPr/>
-              </a:p>
-            </p:txBody>
-          </p:sp>
-          <p:sp>
-            <p:nvSpPr>
-              <p:cNvPr id="264" name="Google Shape;420;p16">
-                <a:extLst>
-                  <a:ext uri="{FF2B5EF4-FFF2-40B4-BE49-F238E27FC236}">
-                    <a16:creationId xmlns:a16="http://schemas.microsoft.com/office/drawing/2014/main" id="{EED6E35B-0F26-4C90-9804-CBE3BB2B5A58}"/>
-                  </a:ext>
-                </a:extLst>
-              </p:cNvPr>
-              <p:cNvSpPr/>
-              <p:nvPr/>
-            </p:nvSpPr>
-            <p:spPr>
-              <a:xfrm>
-                <a:off x="7150638" y="3109037"/>
-                <a:ext cx="572700" cy="572700"/>
-              </a:xfrm>
-              <a:prstGeom prst="ellipse">
-                <a:avLst/>
-              </a:prstGeom>
-              <a:solidFill>
-                <a:srgbClr val="999999"/>
-              </a:solidFill>
-              <a:ln>
-                <a:noFill/>
-              </a:ln>
-            </p:spPr>
-            <p:txBody>
-              <a:bodyPr spcFirstLastPara="1" wrap="square" lIns="91425" tIns="91425" rIns="91425" bIns="91425" anchor="ctr" anchorCtr="0">
-                <a:noAutofit/>
-              </a:bodyPr>
-              <a:lstStyle/>
-              <a:p>
-                <a:pPr marL="0" lvl="0" indent="0" algn="l" rtl="0">
-                  <a:spcBef>
-                    <a:spcPts val="0"/>
-                  </a:spcBef>
-                  <a:spcAft>
-                    <a:spcPts val="0"/>
-                  </a:spcAft>
-                  <a:buNone/>
-                </a:pPr>
-                <a:endParaRPr/>
-              </a:p>
-            </p:txBody>
-          </p:sp>
-          <p:sp>
-            <p:nvSpPr>
-              <p:cNvPr id="265" name="Google Shape;421;p16">
-                <a:extLst>
-                  <a:ext uri="{FF2B5EF4-FFF2-40B4-BE49-F238E27FC236}">
-                    <a16:creationId xmlns:a16="http://schemas.microsoft.com/office/drawing/2014/main" id="{4A685113-20E5-498F-A35D-F1266415F42F}"/>
-                  </a:ext>
-                </a:extLst>
-              </p:cNvPr>
-              <p:cNvSpPr/>
-              <p:nvPr/>
-            </p:nvSpPr>
-            <p:spPr>
-              <a:xfrm>
-                <a:off x="7209888" y="3168277"/>
-                <a:ext cx="454200" cy="454200"/>
-              </a:xfrm>
-              <a:prstGeom prst="ellipse">
-                <a:avLst/>
-              </a:prstGeom>
-              <a:solidFill>
-                <a:srgbClr val="EFEFEF"/>
-              </a:solidFill>
-              <a:ln w="9525" cap="flat" cmpd="sng">
-                <a:solidFill>
-                  <a:srgbClr val="000000"/>
-                </a:solidFill>
-                <a:prstDash val="solid"/>
-                <a:round/>
-                <a:headEnd type="none" w="sm" len="sm"/>
-                <a:tailEnd type="none" w="sm" len="sm"/>
-              </a:ln>
-            </p:spPr>
-            <p:txBody>
-              <a:bodyPr spcFirstLastPara="1" wrap="square" lIns="91425" tIns="91425" rIns="91425" bIns="91425" anchor="ctr" anchorCtr="0">
-                <a:noAutofit/>
-              </a:bodyPr>
-              <a:lstStyle/>
-              <a:p>
-                <a:pPr marL="0" lvl="0" indent="0" algn="l" rtl="0">
-                  <a:spcBef>
-                    <a:spcPts val="0"/>
-                  </a:spcBef>
-                  <a:spcAft>
-                    <a:spcPts val="0"/>
-                  </a:spcAft>
-                  <a:buNone/>
-                </a:pPr>
-                <a:endParaRPr/>
-              </a:p>
-            </p:txBody>
-          </p:sp>
-          <p:sp>
-            <p:nvSpPr>
-              <p:cNvPr id="266" name="Google Shape;422;p16">
-                <a:extLst>
-                  <a:ext uri="{FF2B5EF4-FFF2-40B4-BE49-F238E27FC236}">
-                    <a16:creationId xmlns:a16="http://schemas.microsoft.com/office/drawing/2014/main" id="{D3467DF7-671D-4C58-80CB-2B38BDAE96B9}"/>
-                  </a:ext>
-                </a:extLst>
-              </p:cNvPr>
-              <p:cNvSpPr/>
-              <p:nvPr/>
-            </p:nvSpPr>
-            <p:spPr>
-              <a:xfrm>
-                <a:off x="7276525" y="3264408"/>
-                <a:ext cx="320100" cy="36600"/>
-              </a:xfrm>
-              <a:prstGeom prst="roundRect">
-                <a:avLst>
-                  <a:gd name="adj" fmla="val 16667"/>
-                </a:avLst>
-              </a:prstGeom>
-              <a:solidFill>
-                <a:schemeClr val="lt2"/>
-              </a:solidFill>
-              <a:ln w="9525" cap="flat" cmpd="sng">
-                <a:solidFill>
-                  <a:srgbClr val="000000"/>
-                </a:solidFill>
-                <a:prstDash val="solid"/>
-                <a:round/>
-                <a:headEnd type="none" w="sm" len="sm"/>
-                <a:tailEnd type="none" w="sm" len="sm"/>
-              </a:ln>
-            </p:spPr>
-            <p:txBody>
-              <a:bodyPr spcFirstLastPara="1" wrap="square" lIns="91425" tIns="91425" rIns="91425" bIns="91425" anchor="ctr" anchorCtr="0">
-                <a:noAutofit/>
-              </a:bodyPr>
-              <a:lstStyle/>
-              <a:p>
-                <a:pPr marL="0" lvl="0" indent="0" algn="l" rtl="0">
-                  <a:spcBef>
-                    <a:spcPts val="0"/>
-                  </a:spcBef>
-                  <a:spcAft>
-                    <a:spcPts val="0"/>
-                  </a:spcAft>
-                  <a:buNone/>
-                </a:pPr>
-                <a:endParaRPr/>
-              </a:p>
-            </p:txBody>
-          </p:sp>
-          <p:sp>
-            <p:nvSpPr>
-              <p:cNvPr id="267" name="Google Shape;423;p16">
-                <a:extLst>
-                  <a:ext uri="{FF2B5EF4-FFF2-40B4-BE49-F238E27FC236}">
-                    <a16:creationId xmlns:a16="http://schemas.microsoft.com/office/drawing/2014/main" id="{D50B9925-4E1D-4469-8773-F6F375A2E77B}"/>
-                  </a:ext>
-                </a:extLst>
-              </p:cNvPr>
-              <p:cNvSpPr/>
-              <p:nvPr/>
-            </p:nvSpPr>
-            <p:spPr>
-              <a:xfrm>
-                <a:off x="7443550" y="3246100"/>
-                <a:ext cx="36600" cy="73200"/>
-              </a:xfrm>
-              <a:prstGeom prst="roundRect">
-                <a:avLst>
-                  <a:gd name="adj" fmla="val 27189"/>
-                </a:avLst>
-              </a:prstGeom>
-              <a:solidFill>
-                <a:srgbClr val="000000"/>
-              </a:solidFill>
-              <a:ln w="19050" cap="flat" cmpd="sng">
-                <a:solidFill>
-                  <a:srgbClr val="000000"/>
-                </a:solidFill>
-                <a:prstDash val="solid"/>
-                <a:round/>
-                <a:headEnd type="none" w="sm" len="sm"/>
-                <a:tailEnd type="none" w="sm" len="sm"/>
-              </a:ln>
-            </p:spPr>
-            <p:txBody>
-              <a:bodyPr spcFirstLastPara="1" wrap="square" lIns="91425" tIns="91425" rIns="91425" bIns="91425" anchor="ctr" anchorCtr="0">
-                <a:noAutofit/>
-              </a:bodyPr>
-              <a:lstStyle/>
-              <a:p>
-                <a:pPr marL="0" lvl="0" indent="0" algn="l" rtl="0">
-                  <a:spcBef>
-                    <a:spcPts val="0"/>
-                  </a:spcBef>
-                  <a:spcAft>
-                    <a:spcPts val="0"/>
-                  </a:spcAft>
-                  <a:buNone/>
-                </a:pPr>
-                <a:endParaRPr/>
-              </a:p>
-            </p:txBody>
-          </p:sp>
-          <p:sp>
-            <p:nvSpPr>
-              <p:cNvPr id="268" name="Google Shape;424;p16">
-                <a:extLst>
-                  <a:ext uri="{FF2B5EF4-FFF2-40B4-BE49-F238E27FC236}">
-                    <a16:creationId xmlns:a16="http://schemas.microsoft.com/office/drawing/2014/main" id="{B64F7ADF-83B3-42A9-8900-463EB82B478A}"/>
-                  </a:ext>
-                </a:extLst>
-              </p:cNvPr>
-              <p:cNvSpPr/>
-              <p:nvPr/>
-            </p:nvSpPr>
-            <p:spPr>
-              <a:xfrm>
-                <a:off x="7276525" y="3372575"/>
-                <a:ext cx="320100" cy="36600"/>
-              </a:xfrm>
-              <a:prstGeom prst="roundRect">
-                <a:avLst>
-                  <a:gd name="adj" fmla="val 16667"/>
-                </a:avLst>
-              </a:prstGeom>
-              <a:solidFill>
-                <a:schemeClr val="lt2"/>
-              </a:solidFill>
-              <a:ln w="9525" cap="flat" cmpd="sng">
-                <a:solidFill>
-                  <a:srgbClr val="000000"/>
-                </a:solidFill>
-                <a:prstDash val="solid"/>
-                <a:round/>
-                <a:headEnd type="none" w="sm" len="sm"/>
-                <a:tailEnd type="none" w="sm" len="sm"/>
-              </a:ln>
-            </p:spPr>
-            <p:txBody>
-              <a:bodyPr spcFirstLastPara="1" wrap="square" lIns="91425" tIns="91425" rIns="91425" bIns="91425" anchor="ctr" anchorCtr="0">
-                <a:noAutofit/>
-              </a:bodyPr>
-              <a:lstStyle/>
-              <a:p>
-                <a:pPr marL="0" lvl="0" indent="0" algn="l" rtl="0">
-                  <a:spcBef>
-                    <a:spcPts val="0"/>
-                  </a:spcBef>
-                  <a:spcAft>
-                    <a:spcPts val="0"/>
-                  </a:spcAft>
-                  <a:buNone/>
-                </a:pPr>
-                <a:endParaRPr/>
-              </a:p>
-            </p:txBody>
-          </p:sp>
-          <p:sp>
-            <p:nvSpPr>
-              <p:cNvPr id="269" name="Google Shape;425;p16">
-                <a:extLst>
-                  <a:ext uri="{FF2B5EF4-FFF2-40B4-BE49-F238E27FC236}">
-                    <a16:creationId xmlns:a16="http://schemas.microsoft.com/office/drawing/2014/main" id="{036D5F96-F5E8-4493-8B71-30F838388AED}"/>
-                  </a:ext>
-                </a:extLst>
-              </p:cNvPr>
-              <p:cNvSpPr/>
-              <p:nvPr/>
-            </p:nvSpPr>
-            <p:spPr>
-              <a:xfrm>
-                <a:off x="7276950" y="3480750"/>
-                <a:ext cx="320100" cy="36600"/>
-              </a:xfrm>
-              <a:prstGeom prst="roundRect">
-                <a:avLst>
-                  <a:gd name="adj" fmla="val 16667"/>
-                </a:avLst>
-              </a:prstGeom>
-              <a:solidFill>
-                <a:schemeClr val="lt2"/>
-              </a:solidFill>
-              <a:ln w="9525" cap="flat" cmpd="sng">
-                <a:solidFill>
-                  <a:srgbClr val="000000"/>
-                </a:solidFill>
-                <a:prstDash val="solid"/>
-                <a:round/>
-                <a:headEnd type="none" w="sm" len="sm"/>
-                <a:tailEnd type="none" w="sm" len="sm"/>
-              </a:ln>
-            </p:spPr>
-            <p:txBody>
-              <a:bodyPr spcFirstLastPara="1" wrap="square" lIns="91425" tIns="91425" rIns="91425" bIns="91425" anchor="ctr" anchorCtr="0">
-                <a:noAutofit/>
-              </a:bodyPr>
-              <a:lstStyle/>
-              <a:p>
-                <a:pPr marL="0" lvl="0" indent="0" algn="l" rtl="0">
-                  <a:spcBef>
-                    <a:spcPts val="0"/>
-                  </a:spcBef>
-                  <a:spcAft>
-                    <a:spcPts val="0"/>
-                  </a:spcAft>
-                  <a:buNone/>
-                </a:pPr>
-                <a:endParaRPr/>
-              </a:p>
-            </p:txBody>
-          </p:sp>
-          <p:sp>
-            <p:nvSpPr>
-              <p:cNvPr id="270" name="Google Shape;426;p16">
-                <a:extLst>
-                  <a:ext uri="{FF2B5EF4-FFF2-40B4-BE49-F238E27FC236}">
-                    <a16:creationId xmlns:a16="http://schemas.microsoft.com/office/drawing/2014/main" id="{48FBBF65-28DD-4B5E-ACF1-A6887E6FFD8C}"/>
-                  </a:ext>
-                </a:extLst>
-              </p:cNvPr>
-              <p:cNvSpPr/>
-              <p:nvPr/>
-            </p:nvSpPr>
-            <p:spPr>
-              <a:xfrm>
-                <a:off x="7357825" y="3355848"/>
-                <a:ext cx="36600" cy="73200"/>
-              </a:xfrm>
-              <a:prstGeom prst="roundRect">
-                <a:avLst>
-                  <a:gd name="adj" fmla="val 27189"/>
-                </a:avLst>
-              </a:prstGeom>
-              <a:solidFill>
-                <a:srgbClr val="000000"/>
-              </a:solidFill>
-              <a:ln w="19050" cap="flat" cmpd="sng">
-                <a:solidFill>
-                  <a:srgbClr val="000000"/>
-                </a:solidFill>
-                <a:prstDash val="solid"/>
-                <a:round/>
-                <a:headEnd type="none" w="sm" len="sm"/>
-                <a:tailEnd type="none" w="sm" len="sm"/>
-              </a:ln>
-            </p:spPr>
-            <p:txBody>
-              <a:bodyPr spcFirstLastPara="1" wrap="square" lIns="91425" tIns="91425" rIns="91425" bIns="91425" anchor="ctr" anchorCtr="0">
-                <a:noAutofit/>
-              </a:bodyPr>
-              <a:lstStyle/>
-              <a:p>
-                <a:pPr marL="0" lvl="0" indent="0" algn="l" rtl="0">
-                  <a:spcBef>
-                    <a:spcPts val="0"/>
-                  </a:spcBef>
-                  <a:spcAft>
-                    <a:spcPts val="0"/>
-                  </a:spcAft>
-                  <a:buNone/>
-                </a:pPr>
-                <a:endParaRPr/>
-              </a:p>
-            </p:txBody>
-          </p:sp>
-          <p:sp>
-            <p:nvSpPr>
-              <p:cNvPr id="271" name="Google Shape;427;p16">
-                <a:extLst>
-                  <a:ext uri="{FF2B5EF4-FFF2-40B4-BE49-F238E27FC236}">
-                    <a16:creationId xmlns:a16="http://schemas.microsoft.com/office/drawing/2014/main" id="{E87B8A89-8C72-4469-B657-07F5264BA9EE}"/>
-                  </a:ext>
-                </a:extLst>
-              </p:cNvPr>
-              <p:cNvSpPr/>
-              <p:nvPr/>
-            </p:nvSpPr>
-            <p:spPr>
-              <a:xfrm>
-                <a:off x="7538800" y="3462450"/>
-                <a:ext cx="36600" cy="73200"/>
-              </a:xfrm>
-              <a:prstGeom prst="roundRect">
-                <a:avLst>
-                  <a:gd name="adj" fmla="val 27189"/>
-                </a:avLst>
-              </a:prstGeom>
-              <a:solidFill>
-                <a:srgbClr val="000000"/>
-              </a:solidFill>
-              <a:ln w="19050" cap="flat" cmpd="sng">
-                <a:solidFill>
-                  <a:srgbClr val="000000"/>
-                </a:solidFill>
-                <a:prstDash val="solid"/>
-                <a:round/>
-                <a:headEnd type="none" w="sm" len="sm"/>
-                <a:tailEnd type="none" w="sm" len="sm"/>
-              </a:ln>
-            </p:spPr>
-            <p:txBody>
-              <a:bodyPr spcFirstLastPara="1" wrap="square" lIns="91425" tIns="91425" rIns="91425" bIns="91425" anchor="ctr" anchorCtr="0">
-                <a:noAutofit/>
-              </a:bodyPr>
-              <a:lstStyle/>
-              <a:p>
-                <a:pPr marL="0" lvl="0" indent="0" algn="l" rtl="0">
-                  <a:spcBef>
-                    <a:spcPts val="0"/>
-                  </a:spcBef>
-                  <a:spcAft>
-                    <a:spcPts val="0"/>
-                  </a:spcAft>
-                  <a:buNone/>
-                </a:pPr>
-                <a:endParaRPr/>
-              </a:p>
-            </p:txBody>
-          </p:sp>
-        </p:grpSp>
-        <p:sp>
-          <p:nvSpPr>
-            <p:cNvPr id="272" name="Google Shape;451;p16">
-              <a:extLst>
-                <a:ext uri="{FF2B5EF4-FFF2-40B4-BE49-F238E27FC236}">
-                  <a16:creationId xmlns:a16="http://schemas.microsoft.com/office/drawing/2014/main" id="{1EEF5BDD-E675-42F4-8C73-5BE172E1E274}"/>
-                </a:ext>
-              </a:extLst>
-            </p:cNvPr>
-            <p:cNvSpPr txBox="1"/>
-            <p:nvPr/>
-          </p:nvSpPr>
-          <p:spPr>
-            <a:xfrm>
-              <a:off x="5242784" y="4664037"/>
-              <a:ext cx="1352700" cy="354900"/>
-            </a:xfrm>
-            <a:prstGeom prst="rect">
-              <a:avLst/>
-            </a:prstGeom>
-            <a:noFill/>
-            <a:ln>
-              <a:noFill/>
-            </a:ln>
-          </p:spPr>
-          <p:txBody>
-            <a:bodyPr spcFirstLastPara="1" wrap="square" lIns="91425" tIns="91425" rIns="91425" bIns="91425" anchor="t" anchorCtr="0">
-              <a:noAutofit/>
-            </a:bodyPr>
-            <a:lstStyle/>
-            <a:p>
-              <a:pPr marL="0" lvl="0" indent="0" algn="ctr" rtl="0">
-                <a:spcBef>
-                  <a:spcPts val="0"/>
-                </a:spcBef>
-                <a:spcAft>
-                  <a:spcPts val="0"/>
-                </a:spcAft>
-                <a:buNone/>
-              </a:pPr>
-              <a:r>
-                <a:rPr lang="en" sz="1000" b="1" dirty="0"/>
-                <a:t>Batch to Batch Adaption</a:t>
-              </a:r>
-              <a:endParaRPr sz="1000" dirty="0"/>
-            </a:p>
-          </p:txBody>
-        </p:sp>
-      </p:grpSp>
-      <mc:AlternateContent xmlns:mc="http://schemas.openxmlformats.org/markup-compatibility/2006">
-        <mc:Choice xmlns:a14="http://schemas.microsoft.com/office/drawing/2010/main" Requires="a14">
-          <p:sp>
-            <p:nvSpPr>
-              <p:cNvPr id="484" name="Google Shape;100;p14">
-                <a:extLst>
-                  <a:ext uri="{FF2B5EF4-FFF2-40B4-BE49-F238E27FC236}">
-                    <a16:creationId xmlns:a16="http://schemas.microsoft.com/office/drawing/2014/main" id="{2811014E-18CD-40EA-B35A-38CE0BE5A6DE}"/>
-                  </a:ext>
-                </a:extLst>
-              </p:cNvPr>
-              <p:cNvSpPr txBox="1"/>
-              <p:nvPr/>
-            </p:nvSpPr>
-            <p:spPr>
-              <a:xfrm>
-                <a:off x="839238" y="2798299"/>
-                <a:ext cx="325648" cy="322797"/>
-              </a:xfrm>
-              <a:prstGeom prst="rect">
-                <a:avLst/>
-              </a:prstGeom>
-              <a:noFill/>
-              <a:ln>
-                <a:noFill/>
-              </a:ln>
-            </p:spPr>
-            <p:txBody>
-              <a:bodyPr spcFirstLastPara="1" wrap="square" lIns="91425" tIns="91425" rIns="91425" bIns="91425" anchor="t" anchorCtr="0">
-                <a:noAutofit/>
-              </a:bodyPr>
-              <a:lstStyle/>
-              <a:p>
-                <a:pPr marL="0" lvl="0" indent="0" algn="ctr" rtl="0">
-                  <a:spcBef>
-                    <a:spcPts val="0"/>
-                  </a:spcBef>
-                  <a:spcAft>
-                    <a:spcPts val="0"/>
-                  </a:spcAft>
-                  <a:buNone/>
-                </a:pPr>
-                <a14:m>
-                  <m:oMathPara xmlns:m="http://schemas.openxmlformats.org/officeDocument/2006/math">
-                    <m:oMathParaPr>
-                      <m:jc m:val="centerGroup"/>
-                    </m:oMathParaPr>
-                    <m:oMath xmlns:m="http://schemas.openxmlformats.org/officeDocument/2006/math">
-                      <m:acc>
-                        <m:accPr>
-                          <m:chr m:val="̂"/>
-                          <m:ctrlPr>
-                            <a:rPr lang="de-DE" sz="1000" b="1" i="1" smtClean="0">
-                              <a:latin typeface="Cambria Math" panose="02040503050406030204" pitchFamily="18" charset="0"/>
-                              <a:cs typeface="Calibri" panose="020F0502020204030204" pitchFamily="34" charset="0"/>
-                            </a:rPr>
-                          </m:ctrlPr>
-                        </m:accPr>
-                        <m:e>
-                          <m:r>
-                            <a:rPr lang="de-DE" sz="1000" b="1" i="1" smtClean="0">
-                              <a:latin typeface="Cambria Math" panose="02040503050406030204" pitchFamily="18" charset="0"/>
-                              <a:cs typeface="Calibri" panose="020F0502020204030204" pitchFamily="34" charset="0"/>
-                            </a:rPr>
-                            <m:t>𝒘</m:t>
-                          </m:r>
-                        </m:e>
-                      </m:acc>
-                    </m:oMath>
-                  </m:oMathPara>
-                </a14:m>
-                <a:endParaRPr sz="1000" b="1" i="1" dirty="0">
-                  <a:latin typeface="Calibri" panose="020F0502020204030204" pitchFamily="34" charset="0"/>
-                  <a:cs typeface="Calibri" panose="020F0502020204030204" pitchFamily="34" charset="0"/>
-                </a:endParaRPr>
-              </a:p>
-            </p:txBody>
-          </p:sp>
-        </mc:Choice>
-        <mc:Fallback>
-          <p:sp>
-            <p:nvSpPr>
-              <p:cNvPr id="484" name="Google Shape;100;p14">
-                <a:extLst>
-                  <a:ext uri="{FF2B5EF4-FFF2-40B4-BE49-F238E27FC236}">
-                    <a16:creationId xmlns:a16="http://schemas.microsoft.com/office/drawing/2014/main" id="{2811014E-18CD-40EA-B35A-38CE0BE5A6DE}"/>
-                  </a:ext>
-                </a:extLst>
-              </p:cNvPr>
-              <p:cNvSpPr txBox="1">
-                <a:spLocks noRot="1" noChangeAspect="1" noMove="1" noResize="1" noEditPoints="1" noAdjustHandles="1" noChangeArrowheads="1" noChangeShapeType="1" noTextEdit="1"/>
-              </p:cNvSpPr>
-              <p:nvPr/>
-            </p:nvSpPr>
-            <p:spPr>
-              <a:xfrm>
-                <a:off x="839238" y="2798299"/>
-                <a:ext cx="325648" cy="322797"/>
-              </a:xfrm>
-              <a:prstGeom prst="rect">
-                <a:avLst/>
-              </a:prstGeom>
-              <a:blipFill>
-                <a:blip r:embed="rId7"/>
-                <a:stretch>
-                  <a:fillRect/>
-                </a:stretch>
-              </a:blipFill>
-              <a:ln>
-                <a:noFill/>
-              </a:ln>
-            </p:spPr>
-            <p:txBody>
-              <a:bodyPr/>
-              <a:lstStyle/>
-              <a:p>
-                <a:r>
-                  <a:rPr lang="en-GB">
-                    <a:noFill/>
-                  </a:rPr>
-                  <a:t> </a:t>
-                </a:r>
-              </a:p>
-            </p:txBody>
-          </p:sp>
-        </mc:Fallback>
-      </mc:AlternateContent>
-      <p:sp>
-        <p:nvSpPr>
-          <p:cNvPr id="486" name="Ellipse 485">
-            <a:extLst>
-              <a:ext uri="{FF2B5EF4-FFF2-40B4-BE49-F238E27FC236}">
-                <a16:creationId xmlns:a16="http://schemas.microsoft.com/office/drawing/2014/main" id="{5FE1DD37-BBA9-471A-83B5-B1106B0A646B}"/>
-              </a:ext>
-            </a:extLst>
-          </p:cNvPr>
-          <p:cNvSpPr/>
-          <p:nvPr/>
-        </p:nvSpPr>
-        <p:spPr>
-          <a:xfrm>
-            <a:off x="7673824" y="2073990"/>
-            <a:ext cx="45719" cy="45719"/>
-          </a:xfrm>
-          <a:prstGeom prst="ellipse">
-            <a:avLst/>
-          </a:prstGeom>
-          <a:solidFill>
-            <a:srgbClr val="595959"/>
-          </a:solidFill>
-          <a:ln>
-            <a:noFill/>
-          </a:ln>
-        </p:spPr>
-        <p:style>
-          <a:lnRef idx="2">
-            <a:schemeClr val="accent1">
-              <a:shade val="50000"/>
-            </a:schemeClr>
-          </a:lnRef>
-          <a:fillRef idx="1">
-            <a:schemeClr val="accent1"/>
-          </a:fillRef>
-          <a:effectRef idx="0">
-            <a:schemeClr val="accent1"/>
-          </a:effectRef>
-          <a:fontRef idx="minor">
-            <a:schemeClr val="lt1"/>
-          </a:fontRef>
-        </p:style>
-        <p:txBody>
-          <a:bodyPr rtlCol="0" anchor="ctr"/>
-          <a:lstStyle/>
-          <a:p>
-            <a:pPr algn="ctr"/>
-            <a:endParaRPr lang="en-GB"/>
-          </a:p>
-        </p:txBody>
-      </p:sp>
-      <p:cxnSp>
-        <p:nvCxnSpPr>
-          <p:cNvPr id="487" name="Google Shape;455;p16">
-            <a:extLst>
-              <a:ext uri="{FF2B5EF4-FFF2-40B4-BE49-F238E27FC236}">
-                <a16:creationId xmlns:a16="http://schemas.microsoft.com/office/drawing/2014/main" id="{2106E86F-20DB-43E7-BE27-D32745AD0E01}"/>
-              </a:ext>
-            </a:extLst>
-          </p:cNvPr>
-          <p:cNvCxnSpPr>
-            <a:cxnSpLocks/>
-            <a:stCxn id="488" idx="4"/>
-            <a:endCxn id="490" idx="0"/>
-          </p:cNvCxnSpPr>
-          <p:nvPr/>
-        </p:nvCxnSpPr>
-        <p:spPr>
-          <a:xfrm flipH="1">
-            <a:off x="7461018" y="2985178"/>
-            <a:ext cx="1" cy="1025122"/>
-          </a:xfrm>
-          <a:prstGeom prst="straightConnector1">
-            <a:avLst/>
-          </a:prstGeom>
-          <a:noFill/>
-          <a:ln w="9525" cap="flat" cmpd="sng">
-            <a:solidFill>
-              <a:schemeClr val="dk2"/>
-            </a:solidFill>
-            <a:prstDash val="solid"/>
-            <a:round/>
-            <a:headEnd type="none" w="med" len="med"/>
-            <a:tailEnd type="triangle" w="med" len="med"/>
-          </a:ln>
-        </p:spPr>
-      </p:cxnSp>
-      <p:sp>
-        <p:nvSpPr>
-          <p:cNvPr id="488" name="Ellipse 487">
-            <a:extLst>
-              <a:ext uri="{FF2B5EF4-FFF2-40B4-BE49-F238E27FC236}">
-                <a16:creationId xmlns:a16="http://schemas.microsoft.com/office/drawing/2014/main" id="{E7A9F065-0D84-4914-AA5E-CE33F2A5B39E}"/>
-              </a:ext>
-            </a:extLst>
-          </p:cNvPr>
-          <p:cNvSpPr/>
-          <p:nvPr/>
-        </p:nvSpPr>
-        <p:spPr>
-          <a:xfrm>
-            <a:off x="7438159" y="2939459"/>
-            <a:ext cx="45719" cy="45719"/>
-          </a:xfrm>
-          <a:prstGeom prst="ellipse">
-            <a:avLst/>
-          </a:prstGeom>
-          <a:solidFill>
-            <a:srgbClr val="595959"/>
-          </a:solidFill>
-          <a:ln>
-            <a:noFill/>
-          </a:ln>
-        </p:spPr>
-        <p:style>
-          <a:lnRef idx="2">
-            <a:schemeClr val="accent1">
-              <a:shade val="50000"/>
-            </a:schemeClr>
-          </a:lnRef>
-          <a:fillRef idx="1">
-            <a:schemeClr val="accent1"/>
-          </a:fillRef>
-          <a:effectRef idx="0">
-            <a:schemeClr val="accent1"/>
-          </a:effectRef>
-          <a:fontRef idx="minor">
-            <a:schemeClr val="lt1"/>
-          </a:fontRef>
-        </p:style>
-        <p:txBody>
-          <a:bodyPr rtlCol="0" anchor="ctr"/>
-          <a:lstStyle/>
-          <a:p>
-            <a:pPr algn="ctr"/>
-            <a:endParaRPr lang="en-GB"/>
-          </a:p>
-        </p:txBody>
-      </p:sp>
-      <p:grpSp>
-        <p:nvGrpSpPr>
-          <p:cNvPr id="489" name="Google Shape;458;p16">
-            <a:extLst>
-              <a:ext uri="{FF2B5EF4-FFF2-40B4-BE49-F238E27FC236}">
-                <a16:creationId xmlns:a16="http://schemas.microsoft.com/office/drawing/2014/main" id="{0971FCB5-B371-4627-91FE-4B6482C96C7B}"/>
-              </a:ext>
-            </a:extLst>
-          </p:cNvPr>
-          <p:cNvGrpSpPr/>
-          <p:nvPr/>
-        </p:nvGrpSpPr>
-        <p:grpSpPr>
-          <a:xfrm>
-            <a:off x="7379902" y="4010300"/>
-            <a:ext cx="162231" cy="162231"/>
-            <a:chOff x="8157975" y="3853800"/>
-            <a:chExt cx="180900" cy="180900"/>
-          </a:xfrm>
-        </p:grpSpPr>
-        <p:sp>
-          <p:nvSpPr>
-            <p:cNvPr id="490" name="Google Shape;459;p16">
-              <a:extLst>
-                <a:ext uri="{FF2B5EF4-FFF2-40B4-BE49-F238E27FC236}">
-                  <a16:creationId xmlns:a16="http://schemas.microsoft.com/office/drawing/2014/main" id="{BB2307D0-81ED-4A7D-9DE5-0CDE897DF25A}"/>
-                </a:ext>
-              </a:extLst>
-            </p:cNvPr>
-            <p:cNvSpPr/>
-            <p:nvPr/>
-          </p:nvSpPr>
-          <p:spPr>
-            <a:xfrm>
-              <a:off x="8157975" y="3853800"/>
-              <a:ext cx="180900" cy="180900"/>
-            </a:xfrm>
-            <a:prstGeom prst="ellipse">
-              <a:avLst/>
-            </a:prstGeom>
-            <a:solidFill>
-              <a:schemeClr val="lt2"/>
-            </a:solidFill>
-            <a:ln w="19050" cap="flat" cmpd="sng">
-              <a:solidFill>
-                <a:srgbClr val="999999"/>
-              </a:solidFill>
-              <a:prstDash val="solid"/>
-              <a:round/>
-              <a:headEnd type="none" w="sm" len="sm"/>
-              <a:tailEnd type="none" w="sm" len="sm"/>
-            </a:ln>
-          </p:spPr>
-          <p:txBody>
-            <a:bodyPr spcFirstLastPara="1" wrap="square" lIns="0" tIns="0" rIns="0" bIns="0" anchor="ctr" anchorCtr="0">
-              <a:noAutofit/>
-            </a:bodyPr>
-            <a:lstStyle/>
-            <a:p>
-              <a:pPr marL="0" lvl="0" indent="0" algn="ctr" rtl="0">
-                <a:spcBef>
-                  <a:spcPts val="0"/>
-                </a:spcBef>
-                <a:spcAft>
-                  <a:spcPts val="0"/>
-                </a:spcAft>
-                <a:buNone/>
-              </a:pPr>
-              <a:endParaRPr sz="1800" b="1">
-                <a:solidFill>
-                  <a:schemeClr val="dk2"/>
-                </a:solidFill>
-              </a:endParaRPr>
-            </a:p>
-          </p:txBody>
-        </p:sp>
-        <p:cxnSp>
-          <p:nvCxnSpPr>
-            <p:cNvPr id="491" name="Google Shape;460;p16">
-              <a:extLst>
-                <a:ext uri="{FF2B5EF4-FFF2-40B4-BE49-F238E27FC236}">
-                  <a16:creationId xmlns:a16="http://schemas.microsoft.com/office/drawing/2014/main" id="{212CEAA6-D2DC-4E15-BEB8-E457AD5F17F2}"/>
-                </a:ext>
-              </a:extLst>
-            </p:cNvPr>
-            <p:cNvCxnSpPr/>
-            <p:nvPr/>
-          </p:nvCxnSpPr>
-          <p:spPr>
-            <a:xfrm>
-              <a:off x="8200275" y="3944250"/>
-              <a:ext cx="96300" cy="0"/>
-            </a:xfrm>
-            <a:prstGeom prst="straightConnector1">
-              <a:avLst/>
-            </a:prstGeom>
-            <a:noFill/>
-            <a:ln w="19050" cap="flat" cmpd="sng">
-              <a:solidFill>
-                <a:schemeClr val="dk2"/>
-              </a:solidFill>
-              <a:prstDash val="solid"/>
-              <a:round/>
-              <a:headEnd type="none" w="med" len="med"/>
-              <a:tailEnd type="none" w="med" len="med"/>
-            </a:ln>
-          </p:spPr>
-        </p:cxnSp>
-      </p:grpSp>
-      <p:cxnSp>
-        <p:nvCxnSpPr>
-          <p:cNvPr id="493" name="Google Shape;455;p16">
-            <a:extLst>
-              <a:ext uri="{FF2B5EF4-FFF2-40B4-BE49-F238E27FC236}">
-                <a16:creationId xmlns:a16="http://schemas.microsoft.com/office/drawing/2014/main" id="{0393CD48-ACC1-4EDB-BBAD-6C1867418828}"/>
-              </a:ext>
-            </a:extLst>
-          </p:cNvPr>
-          <p:cNvCxnSpPr>
-            <a:cxnSpLocks/>
-            <a:stCxn id="490" idx="2"/>
-            <a:endCxn id="480" idx="3"/>
-          </p:cNvCxnSpPr>
-          <p:nvPr/>
-        </p:nvCxnSpPr>
-        <p:spPr>
-          <a:xfrm flipH="1">
-            <a:off x="6676583" y="4091416"/>
-            <a:ext cx="703319" cy="1430"/>
-          </a:xfrm>
-          <a:prstGeom prst="straightConnector1">
-            <a:avLst/>
-          </a:prstGeom>
-          <a:noFill/>
-          <a:ln w="9525" cap="flat" cmpd="sng">
-            <a:solidFill>
-              <a:schemeClr val="dk2"/>
-            </a:solidFill>
-            <a:prstDash val="solid"/>
-            <a:round/>
-            <a:headEnd type="none" w="med" len="med"/>
-            <a:tailEnd type="triangle" w="med" len="med"/>
-          </a:ln>
-        </p:spPr>
-      </p:cxnSp>
-      <p:cxnSp>
-        <p:nvCxnSpPr>
-          <p:cNvPr id="497" name="Google Shape;279;p16">
-            <a:extLst>
-              <a:ext uri="{FF2B5EF4-FFF2-40B4-BE49-F238E27FC236}">
-                <a16:creationId xmlns:a16="http://schemas.microsoft.com/office/drawing/2014/main" id="{D7B119A9-FADB-451B-A1C7-3EB6863F0750}"/>
-              </a:ext>
-            </a:extLst>
-          </p:cNvPr>
-          <p:cNvCxnSpPr>
-            <a:cxnSpLocks/>
-            <a:stCxn id="486" idx="4"/>
-            <a:endCxn id="490" idx="6"/>
-          </p:cNvCxnSpPr>
-          <p:nvPr/>
-        </p:nvCxnSpPr>
-        <p:spPr>
-          <a:xfrm rot="5400000">
-            <a:off x="6633556" y="3028287"/>
-            <a:ext cx="1971707" cy="154551"/>
-          </a:xfrm>
-          <a:prstGeom prst="bentConnector2">
-            <a:avLst/>
-          </a:prstGeom>
-          <a:noFill/>
-          <a:ln w="9525" cap="flat" cmpd="sng">
-            <a:solidFill>
-              <a:schemeClr val="dk2"/>
-            </a:solidFill>
-            <a:prstDash val="solid"/>
-            <a:round/>
-            <a:headEnd type="none" w="med" len="med"/>
-            <a:tailEnd type="triangle" w="med" len="med"/>
-          </a:ln>
-        </p:spPr>
-      </p:cxnSp>
-      <p:sp>
-        <p:nvSpPr>
-          <p:cNvPr id="501" name="Google Shape;62;p14">
-            <a:extLst>
-              <a:ext uri="{FF2B5EF4-FFF2-40B4-BE49-F238E27FC236}">
-                <a16:creationId xmlns:a16="http://schemas.microsoft.com/office/drawing/2014/main" id="{ECC12458-17F4-494D-A699-6662A081C6E1}"/>
-              </a:ext>
-            </a:extLst>
-          </p:cNvPr>
-          <p:cNvSpPr/>
-          <p:nvPr/>
-        </p:nvSpPr>
-        <p:spPr>
-          <a:xfrm>
-            <a:off x="4156059" y="4493583"/>
-            <a:ext cx="1038158" cy="507300"/>
-          </a:xfrm>
-          <a:prstGeom prst="roundRect">
-            <a:avLst>
-              <a:gd name="adj" fmla="val 16667"/>
-            </a:avLst>
-          </a:prstGeom>
-          <a:solidFill>
-            <a:srgbClr val="93C47D"/>
-          </a:solidFill>
-          <a:ln w="9525" cap="flat" cmpd="sng">
-            <a:solidFill>
-              <a:schemeClr val="dk2"/>
-            </a:solidFill>
-            <a:prstDash val="solid"/>
-            <a:round/>
-            <a:headEnd type="none" w="sm" len="sm"/>
-            <a:tailEnd type="none" w="sm" len="sm"/>
-          </a:ln>
-        </p:spPr>
-        <p:txBody>
-          <a:bodyPr spcFirstLastPara="1" wrap="square" lIns="91425" tIns="91425" rIns="91425" bIns="91425" anchor="ctr" anchorCtr="0">
-            <a:noAutofit/>
-          </a:bodyPr>
-          <a:lstStyle/>
-          <a:p>
-            <a:pPr marL="0" lvl="0" indent="0" algn="ctr" rtl="0">
-              <a:spcBef>
-                <a:spcPts val="0"/>
-              </a:spcBef>
-              <a:spcAft>
-                <a:spcPts val="0"/>
-              </a:spcAft>
-              <a:buNone/>
-            </a:pPr>
-            <a:r>
-              <a:rPr lang="en" sz="1000" b="1" dirty="0">
-                <a:latin typeface="Calibri" panose="020F0502020204030204" pitchFamily="34" charset="0"/>
-                <a:cs typeface="Calibri" panose="020F0502020204030204" pitchFamily="34" charset="0"/>
-              </a:rPr>
-              <a:t>Batch to Batch Optimization</a:t>
-            </a:r>
-            <a:endParaRPr sz="1000" b="1" dirty="0">
-              <a:latin typeface="Calibri" panose="020F0502020204030204" pitchFamily="34" charset="0"/>
-              <a:cs typeface="Calibri" panose="020F0502020204030204" pitchFamily="34" charset="0"/>
-            </a:endParaRPr>
-          </a:p>
-        </p:txBody>
-      </p:sp>
-      <p:sp>
-        <p:nvSpPr>
-          <p:cNvPr id="504" name="Ellipse 503">
-            <a:extLst>
-              <a:ext uri="{FF2B5EF4-FFF2-40B4-BE49-F238E27FC236}">
-                <a16:creationId xmlns:a16="http://schemas.microsoft.com/office/drawing/2014/main" id="{2C7FDDCD-5809-4A0A-ACD3-8588DD9347DC}"/>
-              </a:ext>
-            </a:extLst>
-          </p:cNvPr>
-          <p:cNvSpPr/>
-          <p:nvPr/>
-        </p:nvSpPr>
-        <p:spPr>
-          <a:xfrm>
-            <a:off x="7883678" y="2939460"/>
-            <a:ext cx="45719" cy="45719"/>
-          </a:xfrm>
-          <a:prstGeom prst="ellipse">
-            <a:avLst/>
-          </a:prstGeom>
-          <a:solidFill>
-            <a:srgbClr val="595959"/>
-          </a:solidFill>
-          <a:ln>
-            <a:noFill/>
-          </a:ln>
-        </p:spPr>
-        <p:style>
-          <a:lnRef idx="2">
-            <a:schemeClr val="accent1">
-              <a:shade val="50000"/>
-            </a:schemeClr>
-          </a:lnRef>
-          <a:fillRef idx="1">
-            <a:schemeClr val="accent1"/>
-          </a:fillRef>
-          <a:effectRef idx="0">
-            <a:schemeClr val="accent1"/>
-          </a:effectRef>
-          <a:fontRef idx="minor">
-            <a:schemeClr val="lt1"/>
-          </a:fontRef>
-        </p:style>
-        <p:txBody>
-          <a:bodyPr rtlCol="0" anchor="ctr"/>
-          <a:lstStyle/>
-          <a:p>
-            <a:pPr algn="ctr"/>
-            <a:endParaRPr lang="en-GB"/>
-          </a:p>
-        </p:txBody>
-      </p:sp>
-      <p:cxnSp>
-        <p:nvCxnSpPr>
-          <p:cNvPr id="505" name="Google Shape;279;p16">
-            <a:extLst>
-              <a:ext uri="{FF2B5EF4-FFF2-40B4-BE49-F238E27FC236}">
-                <a16:creationId xmlns:a16="http://schemas.microsoft.com/office/drawing/2014/main" id="{DACE1163-9102-4598-81B6-1B1BE5D7716B}"/>
-              </a:ext>
-            </a:extLst>
-          </p:cNvPr>
-          <p:cNvCxnSpPr>
-            <a:cxnSpLocks/>
-            <a:stCxn id="504" idx="4"/>
-            <a:endCxn id="523" idx="6"/>
-          </p:cNvCxnSpPr>
-          <p:nvPr/>
-        </p:nvCxnSpPr>
-        <p:spPr>
-          <a:xfrm rot="5400000">
-            <a:off x="5713749" y="2463468"/>
-            <a:ext cx="1671078" cy="2714500"/>
-          </a:xfrm>
-          <a:prstGeom prst="bentConnector2">
-            <a:avLst/>
-          </a:prstGeom>
-          <a:noFill/>
-          <a:ln w="9525" cap="flat" cmpd="sng">
-            <a:solidFill>
-              <a:schemeClr val="dk2"/>
-            </a:solidFill>
-            <a:prstDash val="solid"/>
-            <a:round/>
-            <a:headEnd type="none" w="med" len="med"/>
-            <a:tailEnd type="triangle" w="med" len="med"/>
-          </a:ln>
-        </p:spPr>
-      </p:cxnSp>
-      <p:cxnSp>
-        <p:nvCxnSpPr>
-          <p:cNvPr id="507" name="Google Shape;279;p16">
-            <a:extLst>
-              <a:ext uri="{FF2B5EF4-FFF2-40B4-BE49-F238E27FC236}">
-                <a16:creationId xmlns:a16="http://schemas.microsoft.com/office/drawing/2014/main" id="{3A8FC8B1-7ECE-4C36-89AD-ED5E83D647A1}"/>
-              </a:ext>
-            </a:extLst>
-          </p:cNvPr>
-          <p:cNvCxnSpPr>
-            <a:cxnSpLocks/>
-            <a:stCxn id="501" idx="1"/>
-            <a:endCxn id="484" idx="2"/>
-          </p:cNvCxnSpPr>
-          <p:nvPr/>
-        </p:nvCxnSpPr>
-        <p:spPr>
-          <a:xfrm rot="10800000">
-            <a:off x="1002063" y="3121097"/>
-            <a:ext cx="3153997" cy="1626137"/>
-          </a:xfrm>
-          <a:prstGeom prst="bentConnector2">
-            <a:avLst/>
-          </a:prstGeom>
-          <a:noFill/>
-          <a:ln w="9525" cap="flat" cmpd="sng">
-            <a:solidFill>
-              <a:schemeClr val="dk2"/>
-            </a:solidFill>
-            <a:prstDash val="solid"/>
-            <a:round/>
-            <a:headEnd type="none" w="med" len="med"/>
-            <a:tailEnd type="triangle" w="med" len="med"/>
-          </a:ln>
-        </p:spPr>
-      </p:cxnSp>
-      <p:cxnSp>
-        <p:nvCxnSpPr>
-          <p:cNvPr id="512" name="Google Shape;449;p16">
-            <a:extLst>
-              <a:ext uri="{FF2B5EF4-FFF2-40B4-BE49-F238E27FC236}">
-                <a16:creationId xmlns:a16="http://schemas.microsoft.com/office/drawing/2014/main" id="{E6E0D70F-12F7-4EEF-A3E7-6E32D23698F6}"/>
-              </a:ext>
-            </a:extLst>
-          </p:cNvPr>
-          <p:cNvCxnSpPr>
-            <a:cxnSpLocks/>
-            <a:stCxn id="484" idx="3"/>
-            <a:endCxn id="189" idx="1"/>
-          </p:cNvCxnSpPr>
-          <p:nvPr/>
-        </p:nvCxnSpPr>
-        <p:spPr>
-          <a:xfrm>
-            <a:off x="1164886" y="2959698"/>
-            <a:ext cx="666771" cy="4296"/>
-          </a:xfrm>
-          <a:prstGeom prst="straightConnector1">
-            <a:avLst/>
-          </a:prstGeom>
-          <a:noFill/>
-          <a:ln w="9525" cap="flat" cmpd="sng">
-            <a:solidFill>
-              <a:schemeClr val="dk2"/>
-            </a:solidFill>
-            <a:prstDash val="solid"/>
-            <a:round/>
-            <a:headEnd type="none" w="med" len="med"/>
-            <a:tailEnd type="triangle" w="med" len="med"/>
-          </a:ln>
-        </p:spPr>
-      </p:cxnSp>
-      <p:cxnSp>
-        <p:nvCxnSpPr>
-          <p:cNvPr id="513" name="Google Shape;279;p16">
-            <a:extLst>
-              <a:ext uri="{FF2B5EF4-FFF2-40B4-BE49-F238E27FC236}">
-                <a16:creationId xmlns:a16="http://schemas.microsoft.com/office/drawing/2014/main" id="{02AEE22B-23E8-4FEB-A53A-52ABB39216FC}"/>
-              </a:ext>
-            </a:extLst>
-          </p:cNvPr>
-          <p:cNvCxnSpPr>
-            <a:cxnSpLocks/>
-            <a:stCxn id="484" idx="0"/>
-            <a:endCxn id="283" idx="1"/>
-          </p:cNvCxnSpPr>
-          <p:nvPr/>
-        </p:nvCxnSpPr>
-        <p:spPr>
-          <a:xfrm rot="5400000" flipH="1" flipV="1">
-            <a:off x="1074303" y="2043418"/>
-            <a:ext cx="682640" cy="827122"/>
-          </a:xfrm>
-          <a:prstGeom prst="bentConnector2">
-            <a:avLst/>
-          </a:prstGeom>
-          <a:noFill/>
-          <a:ln w="9525" cap="flat" cmpd="sng">
-            <a:solidFill>
-              <a:schemeClr val="dk2"/>
-            </a:solidFill>
-            <a:prstDash val="solid"/>
-            <a:round/>
-            <a:headEnd type="none" w="med" len="med"/>
-            <a:tailEnd type="triangle" w="med" len="med"/>
-          </a:ln>
-        </p:spPr>
-      </p:cxnSp>
-      <p:sp>
-        <p:nvSpPr>
           <p:cNvPr id="517" name="Google Shape;61;p14">
             <a:extLst>
               <a:ext uri="{FF2B5EF4-FFF2-40B4-BE49-F238E27FC236}">
@@ -18160,10 +14512,10 @@
       </p:sp>
       <p:grpSp>
         <p:nvGrpSpPr>
-          <p:cNvPr id="519" name="Gruppieren 518">
+          <p:cNvPr id="2" name="Gruppieren 1">
             <a:extLst>
               <a:ext uri="{FF2B5EF4-FFF2-40B4-BE49-F238E27FC236}">
-                <a16:creationId xmlns:a16="http://schemas.microsoft.com/office/drawing/2014/main" id="{2F1DFF40-DA39-4883-AEFE-75214C59036C}"/>
+                <a16:creationId xmlns:a16="http://schemas.microsoft.com/office/drawing/2014/main" id="{B2B8C9EC-F234-4D21-85C9-FF359F28112C}"/>
               </a:ext>
             </a:extLst>
           </p:cNvPr>
@@ -18172,31 +14524,329 @@
         </p:nvGrpSpPr>
         <p:grpSpPr>
           <a:xfrm>
-            <a:off x="8305866" y="4585833"/>
-            <a:ext cx="740746" cy="322800"/>
-            <a:chOff x="6240643" y="3589409"/>
-            <a:chExt cx="740746" cy="322800"/>
+            <a:off x="839238" y="1704638"/>
+            <a:ext cx="8522663" cy="3296245"/>
+            <a:chOff x="839238" y="1704638"/>
+            <a:chExt cx="8522663" cy="3296245"/>
           </a:xfrm>
         </p:grpSpPr>
-        <p:cxnSp>
-          <p:nvCxnSpPr>
-            <p:cNvPr id="520" name="Google Shape;104;p14">
+        <p:sp>
+          <p:nvSpPr>
+            <p:cNvPr id="514" name="Google Shape;278;p16">
               <a:extLst>
                 <a:ext uri="{FF2B5EF4-FFF2-40B4-BE49-F238E27FC236}">
-                  <a16:creationId xmlns:a16="http://schemas.microsoft.com/office/drawing/2014/main" id="{376381B3-E633-4020-9E12-ACAE90011E4B}"/>
+                  <a16:creationId xmlns:a16="http://schemas.microsoft.com/office/drawing/2014/main" id="{49537301-1E0B-444A-9727-53468DF2F5A6}"/>
                 </a:ext>
               </a:extLst>
             </p:cNvPr>
+            <p:cNvSpPr/>
+            <p:nvPr/>
+          </p:nvSpPr>
+          <p:spPr>
+            <a:xfrm>
+              <a:off x="1502207" y="1704638"/>
+              <a:ext cx="3647141" cy="818322"/>
+            </a:xfrm>
+            <a:prstGeom prst="roundRect">
+              <a:avLst>
+                <a:gd name="adj" fmla="val 16667"/>
+              </a:avLst>
+            </a:prstGeom>
+            <a:solidFill>
+              <a:srgbClr val="9FC5E8"/>
+            </a:solidFill>
+            <a:ln w="9525" cap="flat" cmpd="sng">
+              <a:solidFill>
+                <a:schemeClr val="dk2"/>
+              </a:solidFill>
+              <a:prstDash val="solid"/>
+              <a:round/>
+              <a:headEnd type="none" w="sm" len="sm"/>
+              <a:tailEnd type="none" w="sm" len="sm"/>
+            </a:ln>
+          </p:spPr>
+          <p:txBody>
+            <a:bodyPr spcFirstLastPara="1" wrap="square" lIns="91425" tIns="91425" rIns="91425" bIns="91425" anchor="ctr" anchorCtr="0">
+              <a:noAutofit/>
+            </a:bodyPr>
+            <a:lstStyle/>
+            <a:p>
+              <a:pPr marL="0" lvl="0" indent="0" algn="l" rtl="0">
+                <a:spcBef>
+                  <a:spcPts val="0"/>
+                </a:spcBef>
+                <a:spcAft>
+                  <a:spcPts val="0"/>
+                </a:spcAft>
+                <a:buNone/>
+              </a:pPr>
+              <a:endParaRPr/>
+            </a:p>
+          </p:txBody>
+        </p:sp>
+        <mc:AlternateContent xmlns:mc="http://schemas.openxmlformats.org/markup-compatibility/2006">
+          <mc:Choice xmlns:a14="http://schemas.microsoft.com/office/drawing/2010/main" Requires="a14">
+            <p:sp>
+              <p:nvSpPr>
+                <p:cNvPr id="333" name="Google Shape;333;p16"/>
+                <p:cNvSpPr txBox="1"/>
+                <p:nvPr/>
+              </p:nvSpPr>
+              <p:spPr>
+                <a:xfrm>
+                  <a:off x="2675094" y="1890611"/>
+                  <a:ext cx="1221000" cy="420103"/>
+                </a:xfrm>
+                <a:prstGeom prst="rect">
+                  <a:avLst/>
+                </a:prstGeom>
+                <a:noFill/>
+                <a:ln>
+                  <a:noFill/>
+                </a:ln>
+              </p:spPr>
+              <p:txBody>
+                <a:bodyPr spcFirstLastPara="1" wrap="square" lIns="91425" tIns="91425" rIns="91425" bIns="91425" anchor="t" anchorCtr="0">
+                  <a:noAutofit/>
+                </a:bodyPr>
+                <a:lstStyle/>
+                <a:p>
+                  <a:pPr marL="0" lvl="0" indent="0" algn="ctr" rtl="0">
+                    <a:spcBef>
+                      <a:spcPts val="0"/>
+                    </a:spcBef>
+                    <a:spcAft>
+                      <a:spcPts val="0"/>
+                    </a:spcAft>
+                    <a:buNone/>
+                  </a:pPr>
+                  <a:r>
+                    <a:rPr lang="en" sz="1000" b="1" dirty="0">
+                      <a:latin typeface="Calibri" panose="020F0502020204030204" pitchFamily="34" charset="0"/>
+                      <a:cs typeface="Calibri" panose="020F0502020204030204" pitchFamily="34" charset="0"/>
+                    </a:rPr>
+                    <a:t>Prozess-</a:t>
+                  </a:r>
+                </a:p>
+                <a:p>
+                  <a:pPr marL="0" lvl="0" indent="0" algn="ctr" rtl="0">
+                    <a:spcBef>
+                      <a:spcPts val="0"/>
+                    </a:spcBef>
+                    <a:spcAft>
+                      <a:spcPts val="0"/>
+                    </a:spcAft>
+                    <a:buNone/>
+                  </a:pPr>
+                  <a:r>
+                    <a:rPr lang="en" sz="1000" b="1" dirty="0">
+                      <a:latin typeface="Calibri" panose="020F0502020204030204" pitchFamily="34" charset="0"/>
+                      <a:cs typeface="Calibri" panose="020F0502020204030204" pitchFamily="34" charset="0"/>
+                    </a:rPr>
+                    <a:t>größen </a:t>
+                  </a:r>
+                  <a14:m>
+                    <m:oMath xmlns:m="http://schemas.openxmlformats.org/officeDocument/2006/math">
+                      <m:r>
+                        <a:rPr lang="de-DE" sz="1000" b="1" i="1" smtClean="0">
+                          <a:latin typeface="Cambria Math" panose="02040503050406030204" pitchFamily="18" charset="0"/>
+                          <a:cs typeface="Calibri" panose="020F0502020204030204" pitchFamily="34" charset="0"/>
+                        </a:rPr>
+                        <m:t>𝒑</m:t>
+                      </m:r>
+                    </m:oMath>
+                  </a14:m>
+                  <a:endParaRPr sz="1000" dirty="0">
+                    <a:latin typeface="Calibri" panose="020F0502020204030204" pitchFamily="34" charset="0"/>
+                    <a:cs typeface="Calibri" panose="020F0502020204030204" pitchFamily="34" charset="0"/>
+                  </a:endParaRPr>
+                </a:p>
+              </p:txBody>
+            </p:sp>
+          </mc:Choice>
+          <mc:Fallback>
+            <p:sp>
+              <p:nvSpPr>
+                <p:cNvPr id="333" name="Google Shape;333;p16"/>
+                <p:cNvSpPr txBox="1">
+                  <a:spLocks noRot="1" noChangeAspect="1" noMove="1" noResize="1" noEditPoints="1" noAdjustHandles="1" noChangeArrowheads="1" noChangeShapeType="1" noTextEdit="1"/>
+                </p:cNvSpPr>
+                <p:nvPr/>
+              </p:nvSpPr>
+              <p:spPr>
+                <a:xfrm>
+                  <a:off x="2675094" y="1890611"/>
+                  <a:ext cx="1221000" cy="420103"/>
+                </a:xfrm>
+                <a:prstGeom prst="rect">
+                  <a:avLst/>
+                </a:prstGeom>
+                <a:blipFill>
+                  <a:blip r:embed="rId3"/>
+                  <a:stretch>
+                    <a:fillRect b="-14493"/>
+                  </a:stretch>
+                </a:blipFill>
+                <a:ln>
+                  <a:noFill/>
+                </a:ln>
+              </p:spPr>
+              <p:txBody>
+                <a:bodyPr/>
+                <a:lstStyle/>
+                <a:p>
+                  <a:r>
+                    <a:rPr lang="en-GB">
+                      <a:noFill/>
+                    </a:rPr>
+                    <a:t> </a:t>
+                  </a:r>
+                </a:p>
+              </p:txBody>
+            </p:sp>
+          </mc:Fallback>
+        </mc:AlternateContent>
+        <p:sp>
+          <p:nvSpPr>
+            <p:cNvPr id="283" name="Google Shape;283;p16"/>
+            <p:cNvSpPr/>
+            <p:nvPr/>
+          </p:nvSpPr>
+          <p:spPr>
+            <a:xfrm>
+              <a:off x="1829184" y="1858859"/>
+              <a:ext cx="925200" cy="513600"/>
+            </a:xfrm>
+            <a:prstGeom prst="roundRect">
+              <a:avLst>
+                <a:gd name="adj" fmla="val 16667"/>
+              </a:avLst>
+            </a:prstGeom>
+            <a:solidFill>
+              <a:schemeClr val="lt2"/>
+            </a:solidFill>
+            <a:ln w="9525" cap="flat" cmpd="sng">
+              <a:solidFill>
+                <a:schemeClr val="dk2"/>
+              </a:solidFill>
+              <a:prstDash val="solid"/>
+              <a:round/>
+              <a:headEnd type="none" w="sm" len="sm"/>
+              <a:tailEnd type="none" w="sm" len="sm"/>
+            </a:ln>
+          </p:spPr>
+          <p:txBody>
+            <a:bodyPr spcFirstLastPara="1" wrap="square" lIns="91425" tIns="91425" rIns="91425" bIns="91425" anchor="ctr" anchorCtr="0">
+              <a:noAutofit/>
+            </a:bodyPr>
+            <a:lstStyle/>
+            <a:p>
+              <a:pPr marL="0" lvl="0" indent="0" algn="ctr" rtl="0">
+                <a:spcBef>
+                  <a:spcPts val="0"/>
+                </a:spcBef>
+                <a:spcAft>
+                  <a:spcPts val="0"/>
+                </a:spcAft>
+                <a:buNone/>
+              </a:pPr>
+              <a:r>
+                <a:rPr lang="en" sz="1000" b="1" dirty="0">
+                  <a:latin typeface="Calibri" panose="020F0502020204030204" pitchFamily="34" charset="0"/>
+                  <a:cs typeface="Calibri" panose="020F0502020204030204" pitchFamily="34" charset="0"/>
+                </a:rPr>
+                <a:t>Spritzgieß-</a:t>
+              </a:r>
+              <a:br>
+                <a:rPr lang="en" sz="1000" b="1" dirty="0">
+                  <a:latin typeface="Calibri" panose="020F0502020204030204" pitchFamily="34" charset="0"/>
+                  <a:cs typeface="Calibri" panose="020F0502020204030204" pitchFamily="34" charset="0"/>
+                </a:rPr>
+              </a:br>
+              <a:r>
+                <a:rPr lang="en" sz="1000" b="1" dirty="0">
+                  <a:latin typeface="Calibri" panose="020F0502020204030204" pitchFamily="34" charset="0"/>
+                  <a:cs typeface="Calibri" panose="020F0502020204030204" pitchFamily="34" charset="0"/>
+                </a:rPr>
+                <a:t>maschine</a:t>
+              </a:r>
+              <a:endParaRPr sz="1000" b="1" dirty="0">
+                <a:latin typeface="Calibri" panose="020F0502020204030204" pitchFamily="34" charset="0"/>
+                <a:cs typeface="Calibri" panose="020F0502020204030204" pitchFamily="34" charset="0"/>
+              </a:endParaRPr>
+            </a:p>
+          </p:txBody>
+        </p:sp>
+        <p:sp>
+          <p:nvSpPr>
+            <p:cNvPr id="284" name="Google Shape;284;p16"/>
+            <p:cNvSpPr/>
+            <p:nvPr/>
+          </p:nvSpPr>
+          <p:spPr>
+            <a:xfrm>
+              <a:off x="4049543" y="1840050"/>
+              <a:ext cx="925200" cy="513600"/>
+            </a:xfrm>
+            <a:prstGeom prst="roundRect">
+              <a:avLst>
+                <a:gd name="adj" fmla="val 16667"/>
+              </a:avLst>
+            </a:prstGeom>
+            <a:solidFill>
+              <a:schemeClr val="lt2"/>
+            </a:solidFill>
+            <a:ln w="9525" cap="flat" cmpd="sng">
+              <a:solidFill>
+                <a:schemeClr val="dk2"/>
+              </a:solidFill>
+              <a:prstDash val="solid"/>
+              <a:round/>
+              <a:headEnd type="none" w="sm" len="sm"/>
+              <a:tailEnd type="none" w="sm" len="sm"/>
+            </a:ln>
+          </p:spPr>
+          <p:txBody>
+            <a:bodyPr spcFirstLastPara="1" wrap="square" lIns="91425" tIns="91425" rIns="91425" bIns="91425" anchor="ctr" anchorCtr="0">
+              <a:noAutofit/>
+            </a:bodyPr>
+            <a:lstStyle/>
+            <a:p>
+              <a:pPr marL="0" lvl="0" indent="0" algn="ctr" rtl="0">
+                <a:spcBef>
+                  <a:spcPts val="0"/>
+                </a:spcBef>
+                <a:spcAft>
+                  <a:spcPts val="0"/>
+                </a:spcAft>
+                <a:buNone/>
+              </a:pPr>
+              <a:r>
+                <a:rPr lang="en" sz="1200" b="1" dirty="0">
+                  <a:latin typeface="Calibri" panose="020F0502020204030204" pitchFamily="34" charset="0"/>
+                  <a:cs typeface="Calibri" panose="020F0502020204030204" pitchFamily="34" charset="0"/>
+                </a:rPr>
+                <a:t>Bauteil</a:t>
+              </a:r>
+              <a:endParaRPr sz="1200" b="1" dirty="0">
+                <a:latin typeface="Calibri" panose="020F0502020204030204" pitchFamily="34" charset="0"/>
+                <a:cs typeface="Calibri" panose="020F0502020204030204" pitchFamily="34" charset="0"/>
+              </a:endParaRPr>
+            </a:p>
+          </p:txBody>
+        </p:sp>
+        <p:cxnSp>
+          <p:nvCxnSpPr>
+            <p:cNvPr id="332" name="Google Shape;332;p16"/>
             <p:cNvCxnSpPr>
               <a:cxnSpLocks/>
-              <a:endCxn id="527" idx="6"/>
             </p:cNvCxnSpPr>
             <p:nvPr/>
           </p:nvCxnSpPr>
           <p:spPr>
-            <a:xfrm flipH="1">
-              <a:off x="6240643" y="3867763"/>
-              <a:ext cx="583622" cy="0"/>
+            <a:xfrm>
+              <a:off x="3635509" y="2100663"/>
+              <a:ext cx="330200" cy="0"/>
             </a:xfrm>
             <a:prstGeom prst="straightConnector1">
               <a:avLst/>
@@ -18217,10 +14867,1251 @@
           <mc:Choice xmlns:a14="http://schemas.microsoft.com/office/drawing/2010/main" Requires="a14">
             <p:sp>
               <p:nvSpPr>
-                <p:cNvPr id="521" name="Google Shape;102;p14">
+                <p:cNvPr id="334" name="Google Shape;334;p16"/>
+                <p:cNvSpPr txBox="1"/>
+                <p:nvPr/>
+              </p:nvSpPr>
+              <p:spPr>
+                <a:xfrm>
+                  <a:off x="8254601" y="1866026"/>
+                  <a:ext cx="1107300" cy="447600"/>
+                </a:xfrm>
+                <a:prstGeom prst="rect">
+                  <a:avLst/>
+                </a:prstGeom>
+                <a:noFill/>
+                <a:ln>
+                  <a:noFill/>
+                </a:ln>
+              </p:spPr>
+              <p:txBody>
+                <a:bodyPr spcFirstLastPara="1" wrap="square" lIns="91425" tIns="91425" rIns="91425" bIns="91425" anchor="t" anchorCtr="0">
+                  <a:noAutofit/>
+                </a:bodyPr>
+                <a:lstStyle/>
+                <a:p>
+                  <a:pPr marL="0" lvl="0" indent="0" algn="ctr" rtl="0">
+                    <a:spcBef>
+                      <a:spcPts val="0"/>
+                    </a:spcBef>
+                    <a:spcAft>
+                      <a:spcPts val="0"/>
+                    </a:spcAft>
+                    <a:buNone/>
+                  </a:pPr>
+                  <a:r>
+                    <a:rPr lang="en" sz="1000" b="1" dirty="0"/>
+                    <a:t>Bauteil-</a:t>
+                  </a:r>
+                  <a:endParaRPr sz="1000" b="1" dirty="0"/>
+                </a:p>
+                <a:p>
+                  <a:pPr marL="0" lvl="0" indent="0" algn="ctr" rtl="0">
+                    <a:spcBef>
+                      <a:spcPts val="0"/>
+                    </a:spcBef>
+                    <a:spcAft>
+                      <a:spcPts val="0"/>
+                    </a:spcAft>
+                    <a:buNone/>
+                  </a:pPr>
+                  <a:r>
+                    <a:rPr lang="en-GB" sz="1000" b="1" dirty="0"/>
+                    <a:t>Q</a:t>
+                  </a:r>
+                  <a:r>
+                    <a:rPr lang="en" sz="1000" b="1" dirty="0"/>
+                    <a:t>ualität </a:t>
+                  </a:r>
+                  <a14:m>
+                    <m:oMath xmlns:m="http://schemas.openxmlformats.org/officeDocument/2006/math">
+                      <m:r>
+                        <a:rPr lang="de-DE" sz="1000" b="1" i="1" smtClean="0">
+                          <a:latin typeface="Cambria Math" panose="02040503050406030204" pitchFamily="18" charset="0"/>
+                          <a:cs typeface="Calibri" panose="020F0502020204030204" pitchFamily="34" charset="0"/>
+                        </a:rPr>
+                        <m:t>𝑸</m:t>
+                      </m:r>
+                    </m:oMath>
+                  </a14:m>
+                  <a:endParaRPr sz="1000" dirty="0"/>
+                </a:p>
+              </p:txBody>
+            </p:sp>
+          </mc:Choice>
+          <mc:Fallback>
+            <p:sp>
+              <p:nvSpPr>
+                <p:cNvPr id="334" name="Google Shape;334;p16"/>
+                <p:cNvSpPr txBox="1">
+                  <a:spLocks noRot="1" noChangeAspect="1" noMove="1" noResize="1" noEditPoints="1" noAdjustHandles="1" noChangeArrowheads="1" noChangeShapeType="1" noTextEdit="1"/>
+                </p:cNvSpPr>
+                <p:nvPr/>
+              </p:nvSpPr>
+              <p:spPr>
+                <a:xfrm>
+                  <a:off x="8254601" y="1866026"/>
+                  <a:ext cx="1107300" cy="447600"/>
+                </a:xfrm>
+                <a:prstGeom prst="rect">
+                  <a:avLst/>
+                </a:prstGeom>
+                <a:blipFill>
+                  <a:blip r:embed="rId4"/>
+                  <a:stretch>
+                    <a:fillRect b="-4054"/>
+                  </a:stretch>
+                </a:blipFill>
+                <a:ln>
+                  <a:noFill/>
+                </a:ln>
+              </p:spPr>
+              <p:txBody>
+                <a:bodyPr/>
+                <a:lstStyle/>
+                <a:p>
+                  <a:r>
+                    <a:rPr lang="en-GB">
+                      <a:noFill/>
+                    </a:rPr>
+                    <a:t> </a:t>
+                  </a:r>
+                </a:p>
+              </p:txBody>
+            </p:sp>
+          </mc:Fallback>
+        </mc:AlternateContent>
+        <p:cxnSp>
+          <p:nvCxnSpPr>
+            <p:cNvPr id="335" name="Google Shape;335;p16"/>
+            <p:cNvCxnSpPr>
+              <a:cxnSpLocks/>
+              <a:endCxn id="225" idx="1"/>
+            </p:cNvCxnSpPr>
+            <p:nvPr/>
+          </p:nvCxnSpPr>
+          <p:spPr>
+            <a:xfrm>
+              <a:off x="6125814" y="2096850"/>
+              <a:ext cx="303599" cy="921"/>
+            </a:xfrm>
+            <a:prstGeom prst="straightConnector1">
+              <a:avLst/>
+            </a:prstGeom>
+            <a:noFill/>
+            <a:ln w="9525" cap="flat" cmpd="sng">
+              <a:solidFill>
+                <a:schemeClr val="dk2"/>
+              </a:solidFill>
+              <a:prstDash val="solid"/>
+              <a:round/>
+              <a:headEnd type="none" w="med" len="med"/>
+              <a:tailEnd type="triangle" w="med" len="med"/>
+            </a:ln>
+          </p:spPr>
+        </p:cxnSp>
+        <p:cxnSp>
+          <p:nvCxnSpPr>
+            <p:cNvPr id="337" name="Google Shape;337;p16"/>
+            <p:cNvCxnSpPr/>
+            <p:nvPr/>
+          </p:nvCxnSpPr>
+          <p:spPr>
+            <a:xfrm>
+              <a:off x="2773787" y="2107914"/>
+              <a:ext cx="202800" cy="0"/>
+            </a:xfrm>
+            <a:prstGeom prst="straightConnector1">
+              <a:avLst/>
+            </a:prstGeom>
+            <a:noFill/>
+            <a:ln w="9525" cap="flat" cmpd="sng">
+              <a:solidFill>
+                <a:schemeClr val="dk2"/>
+              </a:solidFill>
+              <a:prstDash val="solid"/>
+              <a:round/>
+              <a:headEnd type="none" w="med" len="med"/>
+              <a:tailEnd type="none" w="med" len="med"/>
+            </a:ln>
+          </p:spPr>
+        </p:cxnSp>
+        <p:cxnSp>
+          <p:nvCxnSpPr>
+            <p:cNvPr id="428" name="Google Shape;428;p16"/>
+            <p:cNvCxnSpPr/>
+            <p:nvPr/>
+          </p:nvCxnSpPr>
+          <p:spPr>
+            <a:xfrm rot="10800000">
+              <a:off x="2296720" y="3284863"/>
+              <a:ext cx="0" cy="280200"/>
+            </a:xfrm>
+            <a:prstGeom prst="straightConnector1">
+              <a:avLst/>
+            </a:prstGeom>
+            <a:noFill/>
+            <a:ln w="9525" cap="flat" cmpd="sng">
+              <a:solidFill>
+                <a:schemeClr val="dk2"/>
+              </a:solidFill>
+              <a:prstDash val="solid"/>
+              <a:round/>
+              <a:headEnd type="none" w="med" len="med"/>
+              <a:tailEnd type="triangle" w="med" len="med"/>
+            </a:ln>
+          </p:spPr>
+        </p:cxnSp>
+        <p:cxnSp>
+          <p:nvCxnSpPr>
+            <p:cNvPr id="442" name="Google Shape;442;p16"/>
+            <p:cNvCxnSpPr/>
+            <p:nvPr/>
+          </p:nvCxnSpPr>
+          <p:spPr>
+            <a:xfrm rot="10800000">
+              <a:off x="6104621" y="3268824"/>
+              <a:ext cx="0" cy="280200"/>
+            </a:xfrm>
+            <a:prstGeom prst="straightConnector1">
+              <a:avLst/>
+            </a:prstGeom>
+            <a:noFill/>
+            <a:ln w="9525" cap="flat" cmpd="sng">
+              <a:solidFill>
+                <a:schemeClr val="dk2"/>
+              </a:solidFill>
+              <a:prstDash val="solid"/>
+              <a:round/>
+              <a:headEnd type="none" w="med" len="med"/>
+              <a:tailEnd type="triangle" w="med" len="med"/>
+            </a:ln>
+          </p:spPr>
+        </p:cxnSp>
+        <p:cxnSp>
+          <p:nvCxnSpPr>
+            <p:cNvPr id="443" name="Google Shape;443;p16"/>
+            <p:cNvCxnSpPr>
+              <a:cxnSpLocks/>
+            </p:cNvCxnSpPr>
+            <p:nvPr/>
+          </p:nvCxnSpPr>
+          <p:spPr>
+            <a:xfrm>
+              <a:off x="2853865" y="2963994"/>
+              <a:ext cx="180768" cy="0"/>
+            </a:xfrm>
+            <a:prstGeom prst="straightConnector1">
+              <a:avLst/>
+            </a:prstGeom>
+            <a:noFill/>
+            <a:ln w="9525" cap="flat" cmpd="sng">
+              <a:solidFill>
+                <a:schemeClr val="dk2"/>
+              </a:solidFill>
+              <a:prstDash val="solid"/>
+              <a:round/>
+              <a:headEnd type="none" w="med" len="med"/>
+              <a:tailEnd type="none" w="med" len="med"/>
+            </a:ln>
+          </p:spPr>
+        </p:cxnSp>
+        <p:cxnSp>
+          <p:nvCxnSpPr>
+            <p:cNvPr id="445" name="Google Shape;445;p16"/>
+            <p:cNvCxnSpPr>
+              <a:cxnSpLocks/>
+              <a:stCxn id="230" idx="4"/>
+              <a:endCxn id="446" idx="0"/>
+            </p:cNvCxnSpPr>
+            <p:nvPr/>
+          </p:nvCxnSpPr>
+          <p:spPr>
+            <a:xfrm>
+              <a:off x="3704308" y="2127028"/>
+              <a:ext cx="15186" cy="1900059"/>
+            </a:xfrm>
+            <a:prstGeom prst="straightConnector1">
+              <a:avLst/>
+            </a:prstGeom>
+            <a:noFill/>
+            <a:ln w="9525" cap="flat" cmpd="sng">
+              <a:solidFill>
+                <a:schemeClr val="dk2"/>
+              </a:solidFill>
+              <a:prstDash val="solid"/>
+              <a:round/>
+              <a:headEnd type="none" w="med" len="med"/>
+              <a:tailEnd type="triangle" w="med" len="med"/>
+            </a:ln>
+          </p:spPr>
+        </p:cxnSp>
+        <p:grpSp>
+          <p:nvGrpSpPr>
+            <p:cNvPr id="447" name="Google Shape;447;p16"/>
+            <p:cNvGrpSpPr/>
+            <p:nvPr/>
+          </p:nvGrpSpPr>
+          <p:grpSpPr>
+            <a:xfrm>
+              <a:off x="3638378" y="4027087"/>
+              <a:ext cx="162231" cy="162231"/>
+              <a:chOff x="8157975" y="3853800"/>
+              <a:chExt cx="180900" cy="180900"/>
+            </a:xfrm>
+          </p:grpSpPr>
+          <p:sp>
+            <p:nvSpPr>
+              <p:cNvPr id="446" name="Google Shape;446;p16"/>
+              <p:cNvSpPr/>
+              <p:nvPr/>
+            </p:nvSpPr>
+            <p:spPr>
+              <a:xfrm>
+                <a:off x="8157975" y="3853800"/>
+                <a:ext cx="180900" cy="180900"/>
+              </a:xfrm>
+              <a:prstGeom prst="ellipse">
+                <a:avLst/>
+              </a:prstGeom>
+              <a:solidFill>
+                <a:schemeClr val="lt2"/>
+              </a:solidFill>
+              <a:ln w="19050" cap="flat" cmpd="sng">
+                <a:solidFill>
+                  <a:srgbClr val="999999"/>
+                </a:solidFill>
+                <a:prstDash val="solid"/>
+                <a:round/>
+                <a:headEnd type="none" w="sm" len="sm"/>
+                <a:tailEnd type="none" w="sm" len="sm"/>
+              </a:ln>
+            </p:spPr>
+            <p:txBody>
+              <a:bodyPr spcFirstLastPara="1" wrap="square" lIns="0" tIns="0" rIns="0" bIns="0" anchor="ctr" anchorCtr="0">
+                <a:noAutofit/>
+              </a:bodyPr>
+              <a:lstStyle/>
+              <a:p>
+                <a:pPr marL="0" lvl="0" indent="0" algn="ctr" rtl="0">
+                  <a:spcBef>
+                    <a:spcPts val="0"/>
+                  </a:spcBef>
+                  <a:spcAft>
+                    <a:spcPts val="0"/>
+                  </a:spcAft>
+                  <a:buNone/>
+                </a:pPr>
+                <a:endParaRPr sz="1800" b="1">
+                  <a:solidFill>
+                    <a:schemeClr val="dk2"/>
+                  </a:solidFill>
+                </a:endParaRPr>
+              </a:p>
+            </p:txBody>
+          </p:sp>
+          <p:cxnSp>
+            <p:nvCxnSpPr>
+              <p:cNvPr id="448" name="Google Shape;448;p16"/>
+              <p:cNvCxnSpPr/>
+              <p:nvPr/>
+            </p:nvCxnSpPr>
+            <p:spPr>
+              <a:xfrm>
+                <a:off x="8200275" y="3944250"/>
+                <a:ext cx="96300" cy="0"/>
+              </a:xfrm>
+              <a:prstGeom prst="straightConnector1">
+                <a:avLst/>
+              </a:prstGeom>
+              <a:noFill/>
+              <a:ln w="19050" cap="flat" cmpd="sng">
+                <a:solidFill>
+                  <a:schemeClr val="dk2"/>
+                </a:solidFill>
+                <a:prstDash val="solid"/>
+                <a:round/>
+                <a:headEnd type="none" w="med" len="med"/>
+                <a:tailEnd type="none" w="med" len="med"/>
+              </a:ln>
+            </p:spPr>
+          </p:cxnSp>
+        </p:grpSp>
+        <p:cxnSp>
+          <p:nvCxnSpPr>
+            <p:cNvPr id="449" name="Google Shape;449;p16"/>
+            <p:cNvCxnSpPr>
+              <a:cxnSpLocks/>
+              <a:endCxn id="188" idx="1"/>
+            </p:cNvCxnSpPr>
+            <p:nvPr/>
+          </p:nvCxnSpPr>
+          <p:spPr>
+            <a:xfrm flipV="1">
+              <a:off x="2916500" y="2962319"/>
+              <a:ext cx="2638735" cy="1540"/>
+            </a:xfrm>
+            <a:prstGeom prst="straightConnector1">
+              <a:avLst/>
+            </a:prstGeom>
+            <a:noFill/>
+            <a:ln w="9525" cap="flat" cmpd="sng">
+              <a:solidFill>
+                <a:schemeClr val="dk2"/>
+              </a:solidFill>
+              <a:prstDash val="solid"/>
+              <a:round/>
+              <a:headEnd type="none" w="med" len="med"/>
+              <a:tailEnd type="triangle" w="med" len="med"/>
+            </a:ln>
+          </p:spPr>
+        </p:cxnSp>
+        <p:grpSp>
+          <p:nvGrpSpPr>
+            <p:cNvPr id="254" name="Gruppieren 253">
+              <a:extLst>
+                <a:ext uri="{FF2B5EF4-FFF2-40B4-BE49-F238E27FC236}">
+                  <a16:creationId xmlns:a16="http://schemas.microsoft.com/office/drawing/2014/main" id="{B8CBA6A3-E5AB-4B0F-8ACF-BBFF2F66EE36}"/>
+                </a:ext>
+              </a:extLst>
+            </p:cNvPr>
+            <p:cNvGrpSpPr/>
+            <p:nvPr/>
+          </p:nvGrpSpPr>
+          <p:grpSpPr>
+            <a:xfrm>
+              <a:off x="1620306" y="3619906"/>
+              <a:ext cx="1352700" cy="970258"/>
+              <a:chOff x="1435553" y="4145290"/>
+              <a:chExt cx="1352700" cy="970258"/>
+            </a:xfrm>
+          </p:grpSpPr>
+          <p:sp>
+            <p:nvSpPr>
+              <p:cNvPr id="277" name="Google Shape;277;p16"/>
+              <p:cNvSpPr/>
+              <p:nvPr/>
+            </p:nvSpPr>
+            <p:spPr>
+              <a:xfrm>
+                <a:off x="1541319" y="4145290"/>
+                <a:ext cx="1127794" cy="970258"/>
+              </a:xfrm>
+              <a:prstGeom prst="roundRect">
+                <a:avLst>
+                  <a:gd name="adj" fmla="val 16667"/>
+                </a:avLst>
+              </a:prstGeom>
+              <a:solidFill>
+                <a:srgbClr val="93C47D"/>
+              </a:solidFill>
+              <a:ln w="9525" cap="flat" cmpd="sng">
+                <a:solidFill>
+                  <a:schemeClr val="dk2"/>
+                </a:solidFill>
+                <a:prstDash val="solid"/>
+                <a:round/>
+                <a:headEnd type="none" w="sm" len="sm"/>
+                <a:tailEnd type="none" w="sm" len="sm"/>
+              </a:ln>
+            </p:spPr>
+            <p:txBody>
+              <a:bodyPr spcFirstLastPara="1" wrap="square" lIns="91425" tIns="91425" rIns="91425" bIns="91425" anchor="ctr" anchorCtr="0">
+                <a:noAutofit/>
+              </a:bodyPr>
+              <a:lstStyle/>
+              <a:p>
+                <a:pPr marL="0" lvl="0" indent="0" algn="l" rtl="0">
+                  <a:spcBef>
+                    <a:spcPts val="0"/>
+                  </a:spcBef>
+                  <a:spcAft>
+                    <a:spcPts val="0"/>
+                  </a:spcAft>
+                  <a:buNone/>
+                </a:pPr>
+                <a:endParaRPr/>
+              </a:p>
+            </p:txBody>
+          </p:sp>
+          <p:grpSp>
+            <p:nvGrpSpPr>
+              <p:cNvPr id="415" name="Google Shape;415;p16"/>
+              <p:cNvGrpSpPr/>
+              <p:nvPr/>
+            </p:nvGrpSpPr>
+            <p:grpSpPr>
+              <a:xfrm>
+                <a:off x="1875570" y="4145298"/>
+                <a:ext cx="472941" cy="473003"/>
+                <a:chOff x="6981937" y="2940155"/>
+                <a:chExt cx="909503" cy="909621"/>
+              </a:xfrm>
+            </p:grpSpPr>
+            <p:sp>
+              <p:nvSpPr>
+                <p:cNvPr id="416" name="Google Shape;416;p16"/>
+                <p:cNvSpPr/>
+                <p:nvPr/>
+              </p:nvSpPr>
+              <p:spPr>
+                <a:xfrm>
+                  <a:off x="7181850" y="3006975"/>
+                  <a:ext cx="509700" cy="776400"/>
+                </a:xfrm>
+                <a:prstGeom prst="plaque">
+                  <a:avLst>
+                    <a:gd name="adj" fmla="val 41112"/>
+                  </a:avLst>
+                </a:prstGeom>
+                <a:solidFill>
+                  <a:srgbClr val="999999"/>
+                </a:solidFill>
+                <a:ln>
+                  <a:noFill/>
+                </a:ln>
+              </p:spPr>
+              <p:txBody>
+                <a:bodyPr spcFirstLastPara="1" wrap="square" lIns="91425" tIns="91425" rIns="91425" bIns="91425" anchor="ctr" anchorCtr="0">
+                  <a:noAutofit/>
+                </a:bodyPr>
+                <a:lstStyle/>
+                <a:p>
+                  <a:pPr marL="0" lvl="0" indent="0" algn="l" rtl="0">
+                    <a:spcBef>
+                      <a:spcPts val="0"/>
+                    </a:spcBef>
+                    <a:spcAft>
+                      <a:spcPts val="0"/>
+                    </a:spcAft>
+                    <a:buNone/>
+                  </a:pPr>
+                  <a:endParaRPr/>
+                </a:p>
+              </p:txBody>
+            </p:sp>
+            <p:sp>
+              <p:nvSpPr>
+                <p:cNvPr id="417" name="Google Shape;417;p16"/>
+                <p:cNvSpPr/>
+                <p:nvPr/>
+              </p:nvSpPr>
+              <p:spPr>
+                <a:xfrm rot="2700000">
+                  <a:off x="7181816" y="3006924"/>
+                  <a:ext cx="509541" cy="776403"/>
+                </a:xfrm>
+                <a:prstGeom prst="plaque">
+                  <a:avLst>
+                    <a:gd name="adj" fmla="val 41112"/>
+                  </a:avLst>
+                </a:prstGeom>
+                <a:solidFill>
+                  <a:srgbClr val="999999"/>
+                </a:solidFill>
+                <a:ln>
+                  <a:noFill/>
+                </a:ln>
+              </p:spPr>
+              <p:txBody>
+                <a:bodyPr spcFirstLastPara="1" wrap="square" lIns="91425" tIns="91425" rIns="91425" bIns="91425" anchor="ctr" anchorCtr="0">
+                  <a:noAutofit/>
+                </a:bodyPr>
+                <a:lstStyle/>
+                <a:p>
+                  <a:pPr marL="0" lvl="0" indent="0" algn="l" rtl="0">
+                    <a:spcBef>
+                      <a:spcPts val="0"/>
+                    </a:spcBef>
+                    <a:spcAft>
+                      <a:spcPts val="0"/>
+                    </a:spcAft>
+                    <a:buNone/>
+                  </a:pPr>
+                  <a:endParaRPr/>
+                </a:p>
+              </p:txBody>
+            </p:sp>
+            <p:sp>
+              <p:nvSpPr>
+                <p:cNvPr id="418" name="Google Shape;418;p16"/>
+                <p:cNvSpPr/>
+                <p:nvPr/>
+              </p:nvSpPr>
+              <p:spPr>
+                <a:xfrm rot="-2701431">
+                  <a:off x="7181913" y="3006753"/>
+                  <a:ext cx="509753" cy="776403"/>
+                </a:xfrm>
+                <a:prstGeom prst="plaque">
+                  <a:avLst>
+                    <a:gd name="adj" fmla="val 41112"/>
+                  </a:avLst>
+                </a:prstGeom>
+                <a:solidFill>
+                  <a:srgbClr val="999999"/>
+                </a:solidFill>
+                <a:ln>
+                  <a:noFill/>
+                </a:ln>
+              </p:spPr>
+              <p:txBody>
+                <a:bodyPr spcFirstLastPara="1" wrap="square" lIns="91425" tIns="91425" rIns="91425" bIns="91425" anchor="ctr" anchorCtr="0">
+                  <a:noAutofit/>
+                </a:bodyPr>
+                <a:lstStyle/>
+                <a:p>
+                  <a:pPr marL="0" lvl="0" indent="0" algn="l" rtl="0">
+                    <a:spcBef>
+                      <a:spcPts val="0"/>
+                    </a:spcBef>
+                    <a:spcAft>
+                      <a:spcPts val="0"/>
+                    </a:spcAft>
+                    <a:buNone/>
+                  </a:pPr>
+                  <a:endParaRPr/>
+                </a:p>
+              </p:txBody>
+            </p:sp>
+            <p:sp>
+              <p:nvSpPr>
+                <p:cNvPr id="419" name="Google Shape;419;p16"/>
+                <p:cNvSpPr/>
+                <p:nvPr/>
+              </p:nvSpPr>
+              <p:spPr>
+                <a:xfrm rot="-5402023">
+                  <a:off x="7181870" y="3006762"/>
+                  <a:ext cx="509700" cy="776400"/>
+                </a:xfrm>
+                <a:prstGeom prst="plaque">
+                  <a:avLst>
+                    <a:gd name="adj" fmla="val 41112"/>
+                  </a:avLst>
+                </a:prstGeom>
+                <a:solidFill>
+                  <a:srgbClr val="999999"/>
+                </a:solidFill>
+                <a:ln>
+                  <a:noFill/>
+                </a:ln>
+              </p:spPr>
+              <p:txBody>
+                <a:bodyPr spcFirstLastPara="1" wrap="square" lIns="91425" tIns="91425" rIns="91425" bIns="91425" anchor="ctr" anchorCtr="0">
+                  <a:noAutofit/>
+                </a:bodyPr>
+                <a:lstStyle/>
+                <a:p>
+                  <a:pPr marL="0" lvl="0" indent="0" algn="l" rtl="0">
+                    <a:spcBef>
+                      <a:spcPts val="0"/>
+                    </a:spcBef>
+                    <a:spcAft>
+                      <a:spcPts val="0"/>
+                    </a:spcAft>
+                    <a:buNone/>
+                  </a:pPr>
+                  <a:endParaRPr/>
+                </a:p>
+              </p:txBody>
+            </p:sp>
+            <p:sp>
+              <p:nvSpPr>
+                <p:cNvPr id="420" name="Google Shape;420;p16"/>
+                <p:cNvSpPr/>
+                <p:nvPr/>
+              </p:nvSpPr>
+              <p:spPr>
+                <a:xfrm>
+                  <a:off x="7150638" y="3109037"/>
+                  <a:ext cx="572700" cy="572700"/>
+                </a:xfrm>
+                <a:prstGeom prst="ellipse">
+                  <a:avLst/>
+                </a:prstGeom>
+                <a:solidFill>
+                  <a:srgbClr val="999999"/>
+                </a:solidFill>
+                <a:ln>
+                  <a:noFill/>
+                </a:ln>
+              </p:spPr>
+              <p:txBody>
+                <a:bodyPr spcFirstLastPara="1" wrap="square" lIns="91425" tIns="91425" rIns="91425" bIns="91425" anchor="ctr" anchorCtr="0">
+                  <a:noAutofit/>
+                </a:bodyPr>
+                <a:lstStyle/>
+                <a:p>
+                  <a:pPr marL="0" lvl="0" indent="0" algn="l" rtl="0">
+                    <a:spcBef>
+                      <a:spcPts val="0"/>
+                    </a:spcBef>
+                    <a:spcAft>
+                      <a:spcPts val="0"/>
+                    </a:spcAft>
+                    <a:buNone/>
+                  </a:pPr>
+                  <a:endParaRPr/>
+                </a:p>
+              </p:txBody>
+            </p:sp>
+            <p:sp>
+              <p:nvSpPr>
+                <p:cNvPr id="421" name="Google Shape;421;p16"/>
+                <p:cNvSpPr/>
+                <p:nvPr/>
+              </p:nvSpPr>
+              <p:spPr>
+                <a:xfrm>
+                  <a:off x="7209888" y="3168277"/>
+                  <a:ext cx="454200" cy="454200"/>
+                </a:xfrm>
+                <a:prstGeom prst="ellipse">
+                  <a:avLst/>
+                </a:prstGeom>
+                <a:solidFill>
+                  <a:srgbClr val="EFEFEF"/>
+                </a:solidFill>
+                <a:ln w="9525" cap="flat" cmpd="sng">
+                  <a:solidFill>
+                    <a:srgbClr val="000000"/>
+                  </a:solidFill>
+                  <a:prstDash val="solid"/>
+                  <a:round/>
+                  <a:headEnd type="none" w="sm" len="sm"/>
+                  <a:tailEnd type="none" w="sm" len="sm"/>
+                </a:ln>
+              </p:spPr>
+              <p:txBody>
+                <a:bodyPr spcFirstLastPara="1" wrap="square" lIns="91425" tIns="91425" rIns="91425" bIns="91425" anchor="ctr" anchorCtr="0">
+                  <a:noAutofit/>
+                </a:bodyPr>
+                <a:lstStyle/>
+                <a:p>
+                  <a:pPr marL="0" lvl="0" indent="0" algn="l" rtl="0">
+                    <a:spcBef>
+                      <a:spcPts val="0"/>
+                    </a:spcBef>
+                    <a:spcAft>
+                      <a:spcPts val="0"/>
+                    </a:spcAft>
+                    <a:buNone/>
+                  </a:pPr>
+                  <a:endParaRPr/>
+                </a:p>
+              </p:txBody>
+            </p:sp>
+            <p:sp>
+              <p:nvSpPr>
+                <p:cNvPr id="422" name="Google Shape;422;p16"/>
+                <p:cNvSpPr/>
+                <p:nvPr/>
+              </p:nvSpPr>
+              <p:spPr>
+                <a:xfrm>
+                  <a:off x="7276525" y="3264408"/>
+                  <a:ext cx="320100" cy="36600"/>
+                </a:xfrm>
+                <a:prstGeom prst="roundRect">
+                  <a:avLst>
+                    <a:gd name="adj" fmla="val 16667"/>
+                  </a:avLst>
+                </a:prstGeom>
+                <a:solidFill>
+                  <a:schemeClr val="lt2"/>
+                </a:solidFill>
+                <a:ln w="9525" cap="flat" cmpd="sng">
+                  <a:solidFill>
+                    <a:srgbClr val="000000"/>
+                  </a:solidFill>
+                  <a:prstDash val="solid"/>
+                  <a:round/>
+                  <a:headEnd type="none" w="sm" len="sm"/>
+                  <a:tailEnd type="none" w="sm" len="sm"/>
+                </a:ln>
+              </p:spPr>
+              <p:txBody>
+                <a:bodyPr spcFirstLastPara="1" wrap="square" lIns="91425" tIns="91425" rIns="91425" bIns="91425" anchor="ctr" anchorCtr="0">
+                  <a:noAutofit/>
+                </a:bodyPr>
+                <a:lstStyle/>
+                <a:p>
+                  <a:pPr marL="0" lvl="0" indent="0" algn="l" rtl="0">
+                    <a:spcBef>
+                      <a:spcPts val="0"/>
+                    </a:spcBef>
+                    <a:spcAft>
+                      <a:spcPts val="0"/>
+                    </a:spcAft>
+                    <a:buNone/>
+                  </a:pPr>
+                  <a:endParaRPr/>
+                </a:p>
+              </p:txBody>
+            </p:sp>
+            <p:sp>
+              <p:nvSpPr>
+                <p:cNvPr id="423" name="Google Shape;423;p16"/>
+                <p:cNvSpPr/>
+                <p:nvPr/>
+              </p:nvSpPr>
+              <p:spPr>
+                <a:xfrm>
+                  <a:off x="7443550" y="3246100"/>
+                  <a:ext cx="36600" cy="73200"/>
+                </a:xfrm>
+                <a:prstGeom prst="roundRect">
+                  <a:avLst>
+                    <a:gd name="adj" fmla="val 27189"/>
+                  </a:avLst>
+                </a:prstGeom>
+                <a:solidFill>
+                  <a:srgbClr val="000000"/>
+                </a:solidFill>
+                <a:ln w="19050" cap="flat" cmpd="sng">
+                  <a:solidFill>
+                    <a:srgbClr val="000000"/>
+                  </a:solidFill>
+                  <a:prstDash val="solid"/>
+                  <a:round/>
+                  <a:headEnd type="none" w="sm" len="sm"/>
+                  <a:tailEnd type="none" w="sm" len="sm"/>
+                </a:ln>
+              </p:spPr>
+              <p:txBody>
+                <a:bodyPr spcFirstLastPara="1" wrap="square" lIns="91425" tIns="91425" rIns="91425" bIns="91425" anchor="ctr" anchorCtr="0">
+                  <a:noAutofit/>
+                </a:bodyPr>
+                <a:lstStyle/>
+                <a:p>
+                  <a:pPr marL="0" lvl="0" indent="0" algn="l" rtl="0">
+                    <a:spcBef>
+                      <a:spcPts val="0"/>
+                    </a:spcBef>
+                    <a:spcAft>
+                      <a:spcPts val="0"/>
+                    </a:spcAft>
+                    <a:buNone/>
+                  </a:pPr>
+                  <a:endParaRPr/>
+                </a:p>
+              </p:txBody>
+            </p:sp>
+            <p:sp>
+              <p:nvSpPr>
+                <p:cNvPr id="424" name="Google Shape;424;p16"/>
+                <p:cNvSpPr/>
+                <p:nvPr/>
+              </p:nvSpPr>
+              <p:spPr>
+                <a:xfrm>
+                  <a:off x="7276525" y="3372575"/>
+                  <a:ext cx="320100" cy="36600"/>
+                </a:xfrm>
+                <a:prstGeom prst="roundRect">
+                  <a:avLst>
+                    <a:gd name="adj" fmla="val 16667"/>
+                  </a:avLst>
+                </a:prstGeom>
+                <a:solidFill>
+                  <a:schemeClr val="lt2"/>
+                </a:solidFill>
+                <a:ln w="9525" cap="flat" cmpd="sng">
+                  <a:solidFill>
+                    <a:srgbClr val="000000"/>
+                  </a:solidFill>
+                  <a:prstDash val="solid"/>
+                  <a:round/>
+                  <a:headEnd type="none" w="sm" len="sm"/>
+                  <a:tailEnd type="none" w="sm" len="sm"/>
+                </a:ln>
+              </p:spPr>
+              <p:txBody>
+                <a:bodyPr spcFirstLastPara="1" wrap="square" lIns="91425" tIns="91425" rIns="91425" bIns="91425" anchor="ctr" anchorCtr="0">
+                  <a:noAutofit/>
+                </a:bodyPr>
+                <a:lstStyle/>
+                <a:p>
+                  <a:pPr marL="0" lvl="0" indent="0" algn="l" rtl="0">
+                    <a:spcBef>
+                      <a:spcPts val="0"/>
+                    </a:spcBef>
+                    <a:spcAft>
+                      <a:spcPts val="0"/>
+                    </a:spcAft>
+                    <a:buNone/>
+                  </a:pPr>
+                  <a:endParaRPr/>
+                </a:p>
+              </p:txBody>
+            </p:sp>
+            <p:sp>
+              <p:nvSpPr>
+                <p:cNvPr id="425" name="Google Shape;425;p16"/>
+                <p:cNvSpPr/>
+                <p:nvPr/>
+              </p:nvSpPr>
+              <p:spPr>
+                <a:xfrm>
+                  <a:off x="7276950" y="3480750"/>
+                  <a:ext cx="320100" cy="36600"/>
+                </a:xfrm>
+                <a:prstGeom prst="roundRect">
+                  <a:avLst>
+                    <a:gd name="adj" fmla="val 16667"/>
+                  </a:avLst>
+                </a:prstGeom>
+                <a:solidFill>
+                  <a:schemeClr val="lt2"/>
+                </a:solidFill>
+                <a:ln w="9525" cap="flat" cmpd="sng">
+                  <a:solidFill>
+                    <a:srgbClr val="000000"/>
+                  </a:solidFill>
+                  <a:prstDash val="solid"/>
+                  <a:round/>
+                  <a:headEnd type="none" w="sm" len="sm"/>
+                  <a:tailEnd type="none" w="sm" len="sm"/>
+                </a:ln>
+              </p:spPr>
+              <p:txBody>
+                <a:bodyPr spcFirstLastPara="1" wrap="square" lIns="91425" tIns="91425" rIns="91425" bIns="91425" anchor="ctr" anchorCtr="0">
+                  <a:noAutofit/>
+                </a:bodyPr>
+                <a:lstStyle/>
+                <a:p>
+                  <a:pPr marL="0" lvl="0" indent="0" algn="l" rtl="0">
+                    <a:spcBef>
+                      <a:spcPts val="0"/>
+                    </a:spcBef>
+                    <a:spcAft>
+                      <a:spcPts val="0"/>
+                    </a:spcAft>
+                    <a:buNone/>
+                  </a:pPr>
+                  <a:endParaRPr/>
+                </a:p>
+              </p:txBody>
+            </p:sp>
+            <p:sp>
+              <p:nvSpPr>
+                <p:cNvPr id="426" name="Google Shape;426;p16"/>
+                <p:cNvSpPr/>
+                <p:nvPr/>
+              </p:nvSpPr>
+              <p:spPr>
+                <a:xfrm>
+                  <a:off x="7357825" y="3355848"/>
+                  <a:ext cx="36600" cy="73200"/>
+                </a:xfrm>
+                <a:prstGeom prst="roundRect">
+                  <a:avLst>
+                    <a:gd name="adj" fmla="val 27189"/>
+                  </a:avLst>
+                </a:prstGeom>
+                <a:solidFill>
+                  <a:srgbClr val="000000"/>
+                </a:solidFill>
+                <a:ln w="19050" cap="flat" cmpd="sng">
+                  <a:solidFill>
+                    <a:srgbClr val="000000"/>
+                  </a:solidFill>
+                  <a:prstDash val="solid"/>
+                  <a:round/>
+                  <a:headEnd type="none" w="sm" len="sm"/>
+                  <a:tailEnd type="none" w="sm" len="sm"/>
+                </a:ln>
+              </p:spPr>
+              <p:txBody>
+                <a:bodyPr spcFirstLastPara="1" wrap="square" lIns="91425" tIns="91425" rIns="91425" bIns="91425" anchor="ctr" anchorCtr="0">
+                  <a:noAutofit/>
+                </a:bodyPr>
+                <a:lstStyle/>
+                <a:p>
+                  <a:pPr marL="0" lvl="0" indent="0" algn="l" rtl="0">
+                    <a:spcBef>
+                      <a:spcPts val="0"/>
+                    </a:spcBef>
+                    <a:spcAft>
+                      <a:spcPts val="0"/>
+                    </a:spcAft>
+                    <a:buNone/>
+                  </a:pPr>
+                  <a:endParaRPr/>
+                </a:p>
+              </p:txBody>
+            </p:sp>
+            <p:sp>
+              <p:nvSpPr>
+                <p:cNvPr id="427" name="Google Shape;427;p16"/>
+                <p:cNvSpPr/>
+                <p:nvPr/>
+              </p:nvSpPr>
+              <p:spPr>
+                <a:xfrm>
+                  <a:off x="7538800" y="3462450"/>
+                  <a:ext cx="36600" cy="73200"/>
+                </a:xfrm>
+                <a:prstGeom prst="roundRect">
+                  <a:avLst>
+                    <a:gd name="adj" fmla="val 27189"/>
+                  </a:avLst>
+                </a:prstGeom>
+                <a:solidFill>
+                  <a:srgbClr val="000000"/>
+                </a:solidFill>
+                <a:ln w="19050" cap="flat" cmpd="sng">
+                  <a:solidFill>
+                    <a:srgbClr val="000000"/>
+                  </a:solidFill>
+                  <a:prstDash val="solid"/>
+                  <a:round/>
+                  <a:headEnd type="none" w="sm" len="sm"/>
+                  <a:tailEnd type="none" w="sm" len="sm"/>
+                </a:ln>
+              </p:spPr>
+              <p:txBody>
+                <a:bodyPr spcFirstLastPara="1" wrap="square" lIns="91425" tIns="91425" rIns="91425" bIns="91425" anchor="ctr" anchorCtr="0">
+                  <a:noAutofit/>
+                </a:bodyPr>
+                <a:lstStyle/>
+                <a:p>
+                  <a:pPr marL="0" lvl="0" indent="0" algn="l" rtl="0">
+                    <a:spcBef>
+                      <a:spcPts val="0"/>
+                    </a:spcBef>
+                    <a:spcAft>
+                      <a:spcPts val="0"/>
+                    </a:spcAft>
+                    <a:buNone/>
+                  </a:pPr>
+                  <a:endParaRPr/>
+                </a:p>
+              </p:txBody>
+            </p:sp>
+          </p:grpSp>
+          <p:sp>
+            <p:nvSpPr>
+              <p:cNvPr id="451" name="Google Shape;451;p16"/>
+              <p:cNvSpPr txBox="1"/>
+              <p:nvPr/>
+            </p:nvSpPr>
+            <p:spPr>
+              <a:xfrm>
+                <a:off x="1435553" y="4664067"/>
+                <a:ext cx="1352700" cy="354900"/>
+              </a:xfrm>
+              <a:prstGeom prst="rect">
+                <a:avLst/>
+              </a:prstGeom>
+              <a:noFill/>
+              <a:ln>
+                <a:noFill/>
+              </a:ln>
+            </p:spPr>
+            <p:txBody>
+              <a:bodyPr spcFirstLastPara="1" wrap="square" lIns="91425" tIns="91425" rIns="91425" bIns="91425" anchor="t" anchorCtr="0">
+                <a:noAutofit/>
+              </a:bodyPr>
+              <a:lstStyle/>
+              <a:p>
+                <a:pPr marL="0" lvl="0" indent="0" algn="ctr" rtl="0">
+                  <a:spcBef>
+                    <a:spcPts val="0"/>
+                  </a:spcBef>
+                  <a:spcAft>
+                    <a:spcPts val="0"/>
+                  </a:spcAft>
+                  <a:buNone/>
+                </a:pPr>
+                <a:r>
+                  <a:rPr lang="en" sz="1000" b="1" dirty="0"/>
+                  <a:t>Batch to Batch Adaption</a:t>
+                </a:r>
+                <a:endParaRPr sz="1000" dirty="0"/>
+              </a:p>
+            </p:txBody>
+          </p:sp>
+        </p:grpSp>
+        <p:cxnSp>
+          <p:nvCxnSpPr>
+            <p:cNvPr id="456" name="Google Shape;456;p16"/>
+            <p:cNvCxnSpPr>
+              <a:cxnSpLocks/>
+              <a:endCxn id="198" idx="1"/>
+            </p:cNvCxnSpPr>
+            <p:nvPr/>
+          </p:nvCxnSpPr>
+          <p:spPr>
+            <a:xfrm flipV="1">
+              <a:off x="5925687" y="2961820"/>
+              <a:ext cx="2584791" cy="2228"/>
+            </a:xfrm>
+            <a:prstGeom prst="straightConnector1">
+              <a:avLst/>
+            </a:prstGeom>
+            <a:noFill/>
+            <a:ln w="9525" cap="flat" cmpd="sng">
+              <a:solidFill>
+                <a:schemeClr val="dk2"/>
+              </a:solidFill>
+              <a:prstDash val="solid"/>
+              <a:round/>
+              <a:headEnd type="none" w="med" len="med"/>
+              <a:tailEnd type="triangle" w="med" len="med"/>
+            </a:ln>
+          </p:spPr>
+        </p:cxnSp>
+        <p:sp>
+          <p:nvSpPr>
+            <p:cNvPr id="188" name="Google Shape;63;p14">
+              <a:extLst>
+                <a:ext uri="{FF2B5EF4-FFF2-40B4-BE49-F238E27FC236}">
+                  <a16:creationId xmlns:a16="http://schemas.microsoft.com/office/drawing/2014/main" id="{B1831497-E97F-4F48-BE09-B89443403071}"/>
+                </a:ext>
+              </a:extLst>
+            </p:cNvPr>
+            <p:cNvSpPr/>
+            <p:nvPr/>
+          </p:nvSpPr>
+          <p:spPr>
+            <a:xfrm>
+              <a:off x="5555235" y="2708669"/>
+              <a:ext cx="1098770" cy="507300"/>
+            </a:xfrm>
+            <a:prstGeom prst="roundRect">
+              <a:avLst>
+                <a:gd name="adj" fmla="val 16667"/>
+              </a:avLst>
+            </a:prstGeom>
+            <a:solidFill>
+              <a:srgbClr val="93C47D"/>
+            </a:solidFill>
+            <a:ln w="9525" cap="flat" cmpd="sng">
+              <a:solidFill>
+                <a:schemeClr val="dk2"/>
+              </a:solidFill>
+              <a:prstDash val="solid"/>
+              <a:round/>
+              <a:headEnd type="none" w="sm" len="sm"/>
+              <a:tailEnd type="none" w="sm" len="sm"/>
+            </a:ln>
+          </p:spPr>
+          <p:txBody>
+            <a:bodyPr spcFirstLastPara="1" wrap="square" lIns="91425" tIns="91425" rIns="91425" bIns="91425" anchor="ctr" anchorCtr="0">
+              <a:noAutofit/>
+            </a:bodyPr>
+            <a:lstStyle/>
+            <a:p>
+              <a:pPr marL="0" lvl="0" indent="0" algn="ctr" rtl="0">
+                <a:spcBef>
+                  <a:spcPts val="0"/>
+                </a:spcBef>
+                <a:spcAft>
+                  <a:spcPts val="0"/>
+                </a:spcAft>
+                <a:buNone/>
+              </a:pPr>
+              <a:r>
+                <a:rPr lang="en" sz="1000" b="1" dirty="0">
+                  <a:latin typeface="Calibri" panose="020F0502020204030204" pitchFamily="34" charset="0"/>
+                  <a:cs typeface="Calibri" panose="020F0502020204030204" pitchFamily="34" charset="0"/>
+                </a:rPr>
+                <a:t>Modell Bauteilqualität</a:t>
+              </a:r>
+              <a:endParaRPr sz="1000" b="1" dirty="0">
+                <a:latin typeface="Calibri" panose="020F0502020204030204" pitchFamily="34" charset="0"/>
+                <a:cs typeface="Calibri" panose="020F0502020204030204" pitchFamily="34" charset="0"/>
+              </a:endParaRPr>
+            </a:p>
+          </p:txBody>
+        </p:sp>
+        <p:sp>
+          <p:nvSpPr>
+            <p:cNvPr id="189" name="Google Shape;62;p14">
+              <a:extLst>
+                <a:ext uri="{FF2B5EF4-FFF2-40B4-BE49-F238E27FC236}">
+                  <a16:creationId xmlns:a16="http://schemas.microsoft.com/office/drawing/2014/main" id="{C54805D3-E15A-4F30-8B93-AF5214D2CACF}"/>
+                </a:ext>
+              </a:extLst>
+            </p:cNvPr>
+            <p:cNvSpPr/>
+            <p:nvPr/>
+          </p:nvSpPr>
+          <p:spPr>
+            <a:xfrm>
+              <a:off x="1831657" y="2710344"/>
+              <a:ext cx="914400" cy="507300"/>
+            </a:xfrm>
+            <a:prstGeom prst="roundRect">
+              <a:avLst>
+                <a:gd name="adj" fmla="val 16667"/>
+              </a:avLst>
+            </a:prstGeom>
+            <a:solidFill>
+              <a:srgbClr val="93C47D"/>
+            </a:solidFill>
+            <a:ln w="9525" cap="flat" cmpd="sng">
+              <a:solidFill>
+                <a:schemeClr val="dk2"/>
+              </a:solidFill>
+              <a:prstDash val="solid"/>
+              <a:round/>
+              <a:headEnd type="none" w="sm" len="sm"/>
+              <a:tailEnd type="none" w="sm" len="sm"/>
+            </a:ln>
+          </p:spPr>
+          <p:txBody>
+            <a:bodyPr spcFirstLastPara="1" wrap="square" lIns="91425" tIns="91425" rIns="91425" bIns="91425" anchor="ctr" anchorCtr="0">
+              <a:noAutofit/>
+            </a:bodyPr>
+            <a:lstStyle/>
+            <a:p>
+              <a:pPr marL="0" lvl="0" indent="0" algn="ctr" rtl="0">
+                <a:spcBef>
+                  <a:spcPts val="0"/>
+                </a:spcBef>
+                <a:spcAft>
+                  <a:spcPts val="0"/>
+                </a:spcAft>
+                <a:buNone/>
+              </a:pPr>
+              <a:r>
+                <a:rPr lang="en" sz="1000" b="1" dirty="0">
+                  <a:latin typeface="Calibri" panose="020F0502020204030204" pitchFamily="34" charset="0"/>
+                  <a:cs typeface="Calibri" panose="020F0502020204030204" pitchFamily="34" charset="0"/>
+                </a:rPr>
+                <a:t>Modell Spritzgieß-</a:t>
+              </a:r>
+              <a:br>
+                <a:rPr lang="en" sz="1000" b="1" dirty="0">
+                  <a:latin typeface="Calibri" panose="020F0502020204030204" pitchFamily="34" charset="0"/>
+                  <a:cs typeface="Calibri" panose="020F0502020204030204" pitchFamily="34" charset="0"/>
+                </a:rPr>
+              </a:br>
+              <a:r>
+                <a:rPr lang="en" sz="1000" b="1" dirty="0">
+                  <a:latin typeface="Calibri" panose="020F0502020204030204" pitchFamily="34" charset="0"/>
+                  <a:cs typeface="Calibri" panose="020F0502020204030204" pitchFamily="34" charset="0"/>
+                </a:rPr>
+                <a:t>maschine</a:t>
+              </a:r>
+              <a:endParaRPr sz="1000" b="1" dirty="0">
+                <a:latin typeface="Calibri" panose="020F0502020204030204" pitchFamily="34" charset="0"/>
+                <a:cs typeface="Calibri" panose="020F0502020204030204" pitchFamily="34" charset="0"/>
+              </a:endParaRPr>
+            </a:p>
+          </p:txBody>
+        </p:sp>
+        <mc:AlternateContent xmlns:mc="http://schemas.openxmlformats.org/markup-compatibility/2006">
+          <mc:Choice xmlns:a14="http://schemas.microsoft.com/office/drawing/2010/main" Requires="a14">
+            <p:sp>
+              <p:nvSpPr>
+                <p:cNvPr id="198" name="Google Shape;102;p14">
                   <a:extLst>
                     <a:ext uri="{FF2B5EF4-FFF2-40B4-BE49-F238E27FC236}">
-                      <a16:creationId xmlns:a16="http://schemas.microsoft.com/office/drawing/2014/main" id="{71C75C6E-84E2-4B9C-B89A-700678DC2655}"/>
+                      <a16:creationId xmlns:a16="http://schemas.microsoft.com/office/drawing/2014/main" id="{B58AF23E-A536-4FFE-B9E8-4EAB8AD40292}"/>
                     </a:ext>
                   </a:extLst>
                 </p:cNvPr>
@@ -18229,7 +16120,7 @@
               </p:nvSpPr>
               <p:spPr>
                 <a:xfrm>
-                  <a:off x="6636789" y="3589409"/>
+                  <a:off x="8510478" y="2800420"/>
                   <a:ext cx="344600" cy="322800"/>
                 </a:xfrm>
                 <a:prstGeom prst="rect">
@@ -18261,15 +16152,16 @@
                         <m:jc m:val="centerGroup"/>
                       </m:oMathParaPr>
                       <m:oMath xmlns:m="http://schemas.openxmlformats.org/officeDocument/2006/math">
-                        <m:sSub>
-                          <m:sSubPr>
+                        <m:acc>
+                          <m:accPr>
+                            <m:chr m:val="̂"/>
                             <m:ctrlPr>
                               <a:rPr lang="de-DE" sz="1000" b="1" i="1" smtClean="0">
                                 <a:latin typeface="Cambria Math" panose="02040503050406030204" pitchFamily="18" charset="0"/>
                                 <a:cs typeface="Calibri" panose="020F0502020204030204" pitchFamily="34" charset="0"/>
                               </a:rPr>
                             </m:ctrlPr>
-                          </m:sSubPr>
+                          </m:accPr>
                           <m:e>
                             <m:r>
                               <a:rPr lang="de-DE" sz="1000" b="1" i="1" smtClean="0">
@@ -18279,20 +16171,11 @@
                               <m:t>𝑸</m:t>
                             </m:r>
                           </m:e>
-                          <m:sub>
-                            <m:r>
-                              <a:rPr lang="de-DE" sz="1000" b="1" i="1" smtClean="0">
-                                <a:latin typeface="Cambria Math" panose="02040503050406030204" pitchFamily="18" charset="0"/>
-                                <a:cs typeface="Calibri" panose="020F0502020204030204" pitchFamily="34" charset="0"/>
-                              </a:rPr>
-                              <m:t>𝒓𝒆𝒇</m:t>
-                            </m:r>
-                          </m:sub>
-                        </m:sSub>
+                        </m:acc>
                       </m:oMath>
                     </m:oMathPara>
                   </a14:m>
-                  <a:endParaRPr sz="1000" b="1" dirty="0">
+                  <a:endParaRPr sz="1000" dirty="0">
                     <a:latin typeface="Calibri" panose="020F0502020204030204" pitchFamily="34" charset="0"/>
                     <a:cs typeface="Calibri" panose="020F0502020204030204" pitchFamily="34" charset="0"/>
                   </a:endParaRPr>
@@ -18303,10 +16186,10 @@
           <mc:Fallback>
             <p:sp>
               <p:nvSpPr>
-                <p:cNvPr id="521" name="Google Shape;102;p14">
+                <p:cNvPr id="198" name="Google Shape;102;p14">
                   <a:extLst>
                     <a:ext uri="{FF2B5EF4-FFF2-40B4-BE49-F238E27FC236}">
-                      <a16:creationId xmlns:a16="http://schemas.microsoft.com/office/drawing/2014/main" id="{71C75C6E-84E2-4B9C-B89A-700678DC2655}"/>
+                      <a16:creationId xmlns:a16="http://schemas.microsoft.com/office/drawing/2014/main" id="{B58AF23E-A536-4FFE-B9E8-4EAB8AD40292}"/>
                     </a:ext>
                   </a:extLst>
                 </p:cNvPr>
@@ -18317,16 +16200,16 @@
               </p:nvSpPr>
               <p:spPr>
                 <a:xfrm>
-                  <a:off x="6636789" y="3589409"/>
+                  <a:off x="8510478" y="2800420"/>
                   <a:ext cx="344600" cy="322800"/>
                 </a:xfrm>
                 <a:prstGeom prst="rect">
                   <a:avLst/>
                 </a:prstGeom>
                 <a:blipFill>
-                  <a:blip r:embed="rId8"/>
+                  <a:blip r:embed="rId5"/>
                   <a:stretch>
-                    <a:fillRect l="-7018"/>
+                    <a:fillRect/>
                   </a:stretch>
                 </a:blipFill>
                 <a:ln>
@@ -18348,185 +16231,139 @@
             </p:sp>
           </mc:Fallback>
         </mc:AlternateContent>
-      </p:grpSp>
-      <p:sp>
-        <p:nvSpPr>
-          <p:cNvPr id="522" name="Ellipse 521">
-            <a:extLst>
-              <a:ext uri="{FF2B5EF4-FFF2-40B4-BE49-F238E27FC236}">
-                <a16:creationId xmlns:a16="http://schemas.microsoft.com/office/drawing/2014/main" id="{0B7C46E4-C216-421A-A9F7-BE987D12E69E}"/>
-              </a:ext>
-            </a:extLst>
-          </p:cNvPr>
-          <p:cNvSpPr/>
-          <p:nvPr/>
-        </p:nvSpPr>
-        <p:spPr>
-          <a:xfrm>
-            <a:off x="5143213" y="4864187"/>
-            <a:ext cx="45719" cy="45719"/>
-          </a:xfrm>
-          <a:prstGeom prst="ellipse">
-            <a:avLst/>
-          </a:prstGeom>
-          <a:noFill/>
-          <a:ln>
-            <a:noFill/>
-          </a:ln>
-        </p:spPr>
-        <p:style>
-          <a:lnRef idx="2">
-            <a:schemeClr val="accent1">
-              <a:shade val="50000"/>
-            </a:schemeClr>
-          </a:lnRef>
-          <a:fillRef idx="1">
-            <a:schemeClr val="accent1"/>
-          </a:fillRef>
-          <a:effectRef idx="0">
-            <a:schemeClr val="accent1"/>
-          </a:effectRef>
-          <a:fontRef idx="minor">
-            <a:schemeClr val="lt1"/>
-          </a:fontRef>
-        </p:style>
-        <p:txBody>
-          <a:bodyPr rtlCol="0" anchor="ctr"/>
-          <a:lstStyle/>
-          <a:p>
-            <a:pPr algn="ctr"/>
-            <a:endParaRPr lang="en-GB"/>
-          </a:p>
-        </p:txBody>
-      </p:sp>
-      <p:sp>
-        <p:nvSpPr>
-          <p:cNvPr id="523" name="Ellipse 522">
-            <a:extLst>
-              <a:ext uri="{FF2B5EF4-FFF2-40B4-BE49-F238E27FC236}">
-                <a16:creationId xmlns:a16="http://schemas.microsoft.com/office/drawing/2014/main" id="{0BA70B3E-A24C-40D4-AC90-B2820101F914}"/>
-              </a:ext>
-            </a:extLst>
-          </p:cNvPr>
-          <p:cNvSpPr/>
-          <p:nvPr/>
-        </p:nvSpPr>
-        <p:spPr>
-          <a:xfrm>
-            <a:off x="5146319" y="4633397"/>
-            <a:ext cx="45719" cy="45719"/>
-          </a:xfrm>
-          <a:prstGeom prst="ellipse">
-            <a:avLst/>
-          </a:prstGeom>
-          <a:noFill/>
-          <a:ln>
-            <a:noFill/>
-          </a:ln>
-        </p:spPr>
-        <p:style>
-          <a:lnRef idx="2">
-            <a:schemeClr val="accent1">
-              <a:shade val="50000"/>
-            </a:schemeClr>
-          </a:lnRef>
-          <a:fillRef idx="1">
-            <a:schemeClr val="accent1"/>
-          </a:fillRef>
-          <a:effectRef idx="0">
-            <a:schemeClr val="accent1"/>
-          </a:effectRef>
-          <a:fontRef idx="minor">
-            <a:schemeClr val="lt1"/>
-          </a:fontRef>
-        </p:style>
-        <p:txBody>
-          <a:bodyPr rtlCol="0" anchor="ctr"/>
-          <a:lstStyle/>
-          <a:p>
-            <a:pPr algn="ctr"/>
-            <a:endParaRPr lang="en-GB"/>
-          </a:p>
-        </p:txBody>
-      </p:sp>
-      <p:sp>
-        <p:nvSpPr>
-          <p:cNvPr id="524" name="Ellipse 523">
-            <a:extLst>
-              <a:ext uri="{FF2B5EF4-FFF2-40B4-BE49-F238E27FC236}">
-                <a16:creationId xmlns:a16="http://schemas.microsoft.com/office/drawing/2014/main" id="{D5D28A9B-E5A5-427A-AC01-D2300202BEB8}"/>
-              </a:ext>
-            </a:extLst>
-          </p:cNvPr>
-          <p:cNvSpPr/>
-          <p:nvPr/>
-        </p:nvSpPr>
-        <p:spPr>
-          <a:xfrm>
-            <a:off x="8201892" y="2073990"/>
-            <a:ext cx="45719" cy="45719"/>
-          </a:xfrm>
-          <a:prstGeom prst="ellipse">
-            <a:avLst/>
-          </a:prstGeom>
-          <a:solidFill>
-            <a:srgbClr val="595959"/>
-          </a:solidFill>
-          <a:ln>
-            <a:noFill/>
-          </a:ln>
-        </p:spPr>
-        <p:style>
-          <a:lnRef idx="2">
-            <a:schemeClr val="accent1">
-              <a:shade val="50000"/>
-            </a:schemeClr>
-          </a:lnRef>
-          <a:fillRef idx="1">
-            <a:schemeClr val="accent1"/>
-          </a:fillRef>
-          <a:effectRef idx="0">
-            <a:schemeClr val="accent1"/>
-          </a:effectRef>
-          <a:fontRef idx="minor">
-            <a:schemeClr val="lt1"/>
-          </a:fontRef>
-        </p:style>
-        <p:txBody>
-          <a:bodyPr rtlCol="0" anchor="ctr"/>
-          <a:lstStyle/>
-          <a:p>
-            <a:pPr algn="ctr"/>
-            <a:endParaRPr lang="en-GB"/>
-          </a:p>
-        </p:txBody>
-      </p:sp>
-      <p:grpSp>
-        <p:nvGrpSpPr>
-          <p:cNvPr id="526" name="Google Shape;458;p16">
-            <a:extLst>
-              <a:ext uri="{FF2B5EF4-FFF2-40B4-BE49-F238E27FC236}">
-                <a16:creationId xmlns:a16="http://schemas.microsoft.com/office/drawing/2014/main" id="{E6BCACAC-C4C9-43C6-9CC5-538D880A7379}"/>
-              </a:ext>
-            </a:extLst>
-          </p:cNvPr>
-          <p:cNvGrpSpPr/>
-          <p:nvPr/>
-        </p:nvGrpSpPr>
-        <p:grpSpPr>
-          <a:xfrm>
-            <a:off x="8143635" y="4783071"/>
-            <a:ext cx="162231" cy="162231"/>
-            <a:chOff x="8157975" y="3853800"/>
-            <a:chExt cx="180900" cy="180900"/>
-          </a:xfrm>
-        </p:grpSpPr>
+        <mc:AlternateContent xmlns:mc="http://schemas.openxmlformats.org/markup-compatibility/2006">
+          <mc:Choice xmlns:a14="http://schemas.microsoft.com/office/drawing/2010/main" Requires="a14">
+            <p:sp>
+              <p:nvSpPr>
+                <p:cNvPr id="199" name="Google Shape;100;p14">
+                  <a:extLst>
+                    <a:ext uri="{FF2B5EF4-FFF2-40B4-BE49-F238E27FC236}">
+                      <a16:creationId xmlns:a16="http://schemas.microsoft.com/office/drawing/2014/main" id="{8BF25EA5-D11E-4D11-9CA6-6B996F853B21}"/>
+                    </a:ext>
+                  </a:extLst>
+                </p:cNvPr>
+                <p:cNvSpPr txBox="1"/>
+                <p:nvPr/>
+              </p:nvSpPr>
+              <p:spPr>
+                <a:xfrm>
+                  <a:off x="3288932" y="2688655"/>
+                  <a:ext cx="325648" cy="322797"/>
+                </a:xfrm>
+                <a:prstGeom prst="rect">
+                  <a:avLst/>
+                </a:prstGeom>
+                <a:noFill/>
+                <a:ln>
+                  <a:noFill/>
+                </a:ln>
+              </p:spPr>
+              <p:txBody>
+                <a:bodyPr spcFirstLastPara="1" wrap="square" lIns="91425" tIns="91425" rIns="91425" bIns="91425" anchor="t" anchorCtr="0">
+                  <a:noAutofit/>
+                </a:bodyPr>
+                <a:lstStyle/>
+                <a:p>
+                  <a:pPr marL="0" lvl="0" indent="0" algn="ctr" rtl="0">
+                    <a:spcBef>
+                      <a:spcPts val="0"/>
+                    </a:spcBef>
+                    <a:spcAft>
+                      <a:spcPts val="0"/>
+                    </a:spcAft>
+                    <a:buNone/>
+                  </a:pPr>
+                  <a14:m>
+                    <m:oMathPara xmlns:m="http://schemas.openxmlformats.org/officeDocument/2006/math">
+                      <m:oMathParaPr>
+                        <m:jc m:val="centerGroup"/>
+                      </m:oMathParaPr>
+                      <m:oMath xmlns:m="http://schemas.openxmlformats.org/officeDocument/2006/math">
+                        <m:acc>
+                          <m:accPr>
+                            <m:chr m:val="̂"/>
+                            <m:ctrlPr>
+                              <a:rPr lang="de-DE" sz="1000" b="1" i="1" smtClean="0">
+                                <a:latin typeface="Cambria Math" panose="02040503050406030204" pitchFamily="18" charset="0"/>
+                                <a:cs typeface="Calibri" panose="020F0502020204030204" pitchFamily="34" charset="0"/>
+                              </a:rPr>
+                            </m:ctrlPr>
+                          </m:accPr>
+                          <m:e>
+                            <m:r>
+                              <a:rPr lang="de-DE" sz="1000" b="1" i="1" smtClean="0">
+                                <a:latin typeface="Cambria Math" panose="02040503050406030204" pitchFamily="18" charset="0"/>
+                                <a:cs typeface="Calibri" panose="020F0502020204030204" pitchFamily="34" charset="0"/>
+                              </a:rPr>
+                              <m:t>𝒑</m:t>
+                            </m:r>
+                          </m:e>
+                        </m:acc>
+                      </m:oMath>
+                    </m:oMathPara>
+                  </a14:m>
+                  <a:endParaRPr sz="1000" b="1" i="1" dirty="0">
+                    <a:latin typeface="Calibri" panose="020F0502020204030204" pitchFamily="34" charset="0"/>
+                    <a:cs typeface="Calibri" panose="020F0502020204030204" pitchFamily="34" charset="0"/>
+                  </a:endParaRPr>
+                </a:p>
+              </p:txBody>
+            </p:sp>
+          </mc:Choice>
+          <mc:Fallback>
+            <p:sp>
+              <p:nvSpPr>
+                <p:cNvPr id="199" name="Google Shape;100;p14">
+                  <a:extLst>
+                    <a:ext uri="{FF2B5EF4-FFF2-40B4-BE49-F238E27FC236}">
+                      <a16:creationId xmlns:a16="http://schemas.microsoft.com/office/drawing/2014/main" id="{8BF25EA5-D11E-4D11-9CA6-6B996F853B21}"/>
+                    </a:ext>
+                  </a:extLst>
+                </p:cNvPr>
+                <p:cNvSpPr txBox="1">
+                  <a:spLocks noRot="1" noChangeAspect="1" noMove="1" noResize="1" noEditPoints="1" noAdjustHandles="1" noChangeArrowheads="1" noChangeShapeType="1" noTextEdit="1"/>
+                </p:cNvSpPr>
+                <p:nvPr/>
+              </p:nvSpPr>
+              <p:spPr>
+                <a:xfrm>
+                  <a:off x="3288932" y="2688655"/>
+                  <a:ext cx="325648" cy="322797"/>
+                </a:xfrm>
+                <a:prstGeom prst="rect">
+                  <a:avLst/>
+                </a:prstGeom>
+                <a:blipFill>
+                  <a:blip r:embed="rId6"/>
+                  <a:stretch>
+                    <a:fillRect/>
+                  </a:stretch>
+                </a:blipFill>
+                <a:ln>
+                  <a:noFill/>
+                </a:ln>
+              </p:spPr>
+              <p:txBody>
+                <a:bodyPr/>
+                <a:lstStyle/>
+                <a:p>
+                  <a:r>
+                    <a:rPr lang="en-GB">
+                      <a:noFill/>
+                    </a:rPr>
+                    <a:t> </a:t>
+                  </a:r>
+                </a:p>
+              </p:txBody>
+            </p:sp>
+          </mc:Fallback>
+        </mc:AlternateContent>
         <p:sp>
           <p:nvSpPr>
-            <p:cNvPr id="527" name="Google Shape;459;p16">
+            <p:cNvPr id="225" name="Google Shape;284;p16">
               <a:extLst>
                 <a:ext uri="{FF2B5EF4-FFF2-40B4-BE49-F238E27FC236}">
-                  <a16:creationId xmlns:a16="http://schemas.microsoft.com/office/drawing/2014/main" id="{1705FDF2-F57A-4586-8FD3-C1CCBE048255}"/>
+                  <a16:creationId xmlns:a16="http://schemas.microsoft.com/office/drawing/2014/main" id="{1A8A68E7-16A7-40FB-939A-4075C16A174B}"/>
                 </a:ext>
               </a:extLst>
             </p:cNvPr>
@@ -18535,18 +16372,20 @@
           </p:nvSpPr>
           <p:spPr>
             <a:xfrm>
-              <a:off x="8157975" y="3853800"/>
-              <a:ext cx="180900" cy="180900"/>
+              <a:off x="6429413" y="1840971"/>
+              <a:ext cx="925200" cy="513600"/>
             </a:xfrm>
-            <a:prstGeom prst="ellipse">
-              <a:avLst/>
+            <a:prstGeom prst="roundRect">
+              <a:avLst>
+                <a:gd name="adj" fmla="val 16667"/>
+              </a:avLst>
             </a:prstGeom>
             <a:solidFill>
-              <a:schemeClr val="lt2"/>
+              <a:srgbClr val="93C47D"/>
             </a:solidFill>
-            <a:ln w="19050" cap="flat" cmpd="sng">
+            <a:ln w="9525" cap="flat" cmpd="sng">
               <a:solidFill>
-                <a:srgbClr val="999999"/>
+                <a:schemeClr val="dk2"/>
               </a:solidFill>
               <a:prstDash val="solid"/>
               <a:round/>
@@ -18555,7 +16394,7 @@
             </a:ln>
           </p:spPr>
           <p:txBody>
-            <a:bodyPr spcFirstLastPara="1" wrap="square" lIns="0" tIns="0" rIns="0" bIns="0" anchor="ctr" anchorCtr="0">
+            <a:bodyPr spcFirstLastPara="1" wrap="square" lIns="91425" tIns="91425" rIns="91425" bIns="91425" anchor="ctr" anchorCtr="0">
               <a:noAutofit/>
             </a:bodyPr>
             <a:lstStyle/>
@@ -18569,20 +16408,74 @@
                 </a:spcAft>
                 <a:buNone/>
               </a:pPr>
-              <a:endParaRPr sz="1800" b="1">
-                <a:solidFill>
-                  <a:schemeClr val="dk2"/>
-                </a:solidFill>
+              <a:r>
+                <a:rPr lang="en" sz="1000" b="1" dirty="0">
+                  <a:latin typeface="Calibri" panose="020F0502020204030204" pitchFamily="34" charset="0"/>
+                  <a:cs typeface="Calibri" panose="020F0502020204030204" pitchFamily="34" charset="0"/>
+                </a:rPr>
+                <a:t>Qualitäts-messzelle</a:t>
+              </a:r>
+              <a:endParaRPr sz="1000" b="1" dirty="0">
+                <a:latin typeface="Calibri" panose="020F0502020204030204" pitchFamily="34" charset="0"/>
+                <a:cs typeface="Calibri" panose="020F0502020204030204" pitchFamily="34" charset="0"/>
               </a:endParaRPr>
+            </a:p>
+          </p:txBody>
+        </p:sp>
+        <p:sp>
+          <p:nvSpPr>
+            <p:cNvPr id="228" name="Google Shape;334;p16">
+              <a:extLst>
+                <a:ext uri="{FF2B5EF4-FFF2-40B4-BE49-F238E27FC236}">
+                  <a16:creationId xmlns:a16="http://schemas.microsoft.com/office/drawing/2014/main" id="{C6E6AEB2-85BF-4135-ACA1-F50C57043FCF}"/>
+                </a:ext>
+              </a:extLst>
+            </p:cNvPr>
+            <p:cNvSpPr txBox="1"/>
+            <p:nvPr/>
+          </p:nvSpPr>
+          <p:spPr>
+            <a:xfrm>
+              <a:off x="5141970" y="1858859"/>
+              <a:ext cx="1107300" cy="447600"/>
+            </a:xfrm>
+            <a:prstGeom prst="rect">
+              <a:avLst/>
+            </a:prstGeom>
+            <a:noFill/>
+            <a:ln>
+              <a:noFill/>
+            </a:ln>
+          </p:spPr>
+          <p:txBody>
+            <a:bodyPr spcFirstLastPara="1" wrap="square" lIns="91425" tIns="91425" rIns="91425" bIns="91425" anchor="t" anchorCtr="0">
+              <a:noAutofit/>
+            </a:bodyPr>
+            <a:lstStyle/>
+            <a:p>
+              <a:pPr marL="0" lvl="0" indent="0" algn="ctr" rtl="0">
+                <a:spcBef>
+                  <a:spcPts val="0"/>
+                </a:spcBef>
+                <a:spcAft>
+                  <a:spcPts val="0"/>
+                </a:spcAft>
+                <a:buNone/>
+              </a:pPr>
+              <a:r>
+                <a:rPr lang="en" sz="1000" b="1" dirty="0"/>
+                <a:t>Bauteileigen-schaften</a:t>
+              </a:r>
+              <a:endParaRPr sz="1000" dirty="0"/>
             </a:p>
           </p:txBody>
         </p:sp>
         <p:cxnSp>
           <p:nvCxnSpPr>
-            <p:cNvPr id="528" name="Google Shape;460;p16">
+            <p:cNvPr id="234" name="Google Shape;337;p16">
               <a:extLst>
                 <a:ext uri="{FF2B5EF4-FFF2-40B4-BE49-F238E27FC236}">
-                  <a16:creationId xmlns:a16="http://schemas.microsoft.com/office/drawing/2014/main" id="{9A3B6341-1548-4541-B06E-143E16728309}"/>
+                  <a16:creationId xmlns:a16="http://schemas.microsoft.com/office/drawing/2014/main" id="{FF889F6C-A9D1-40C9-8963-BF89511E1EC5}"/>
                 </a:ext>
               </a:extLst>
             </p:cNvPr>
@@ -18591,14 +16484,14 @@
           </p:nvCxnSpPr>
           <p:spPr>
             <a:xfrm>
-              <a:off x="8200275" y="3944250"/>
-              <a:ext cx="96300" cy="0"/>
+              <a:off x="5006696" y="2099076"/>
+              <a:ext cx="202800" cy="0"/>
             </a:xfrm>
             <a:prstGeom prst="straightConnector1">
               <a:avLst/>
             </a:prstGeom>
             <a:noFill/>
-            <a:ln w="19050" cap="flat" cmpd="sng">
+            <a:ln w="9525" cap="flat" cmpd="sng">
               <a:solidFill>
                 <a:schemeClr val="dk2"/>
               </a:solidFill>
@@ -18609,79 +16502,2207 @@
             </a:ln>
           </p:spPr>
         </p:cxnSp>
+        <p:cxnSp>
+          <p:nvCxnSpPr>
+            <p:cNvPr id="235" name="Google Shape;335;p16">
+              <a:extLst>
+                <a:ext uri="{FF2B5EF4-FFF2-40B4-BE49-F238E27FC236}">
+                  <a16:creationId xmlns:a16="http://schemas.microsoft.com/office/drawing/2014/main" id="{4C1C070F-4534-49BD-AEAA-D4C0BF2F1825}"/>
+                </a:ext>
+              </a:extLst>
+            </p:cNvPr>
+            <p:cNvCxnSpPr>
+              <a:cxnSpLocks/>
+            </p:cNvCxnSpPr>
+            <p:nvPr/>
+          </p:nvCxnSpPr>
+          <p:spPr>
+            <a:xfrm>
+              <a:off x="7381506" y="2096850"/>
+              <a:ext cx="1084330" cy="0"/>
+            </a:xfrm>
+            <a:prstGeom prst="straightConnector1">
+              <a:avLst/>
+            </a:prstGeom>
+            <a:noFill/>
+            <a:ln w="9525" cap="flat" cmpd="sng">
+              <a:solidFill>
+                <a:schemeClr val="dk2"/>
+              </a:solidFill>
+              <a:prstDash val="solid"/>
+              <a:round/>
+              <a:headEnd type="none" w="med" len="med"/>
+              <a:tailEnd type="triangle" w="med" len="med"/>
+            </a:ln>
+          </p:spPr>
+        </p:cxnSp>
+        <p:cxnSp>
+          <p:nvCxnSpPr>
+            <p:cNvPr id="245" name="Google Shape;445;p16">
+              <a:extLst>
+                <a:ext uri="{FF2B5EF4-FFF2-40B4-BE49-F238E27FC236}">
+                  <a16:creationId xmlns:a16="http://schemas.microsoft.com/office/drawing/2014/main" id="{9AA6D54A-7F73-43B1-BC9E-37511ABC84B0}"/>
+                </a:ext>
+              </a:extLst>
+            </p:cNvPr>
+            <p:cNvCxnSpPr>
+              <a:cxnSpLocks/>
+              <a:stCxn id="446" idx="2"/>
+              <a:endCxn id="277" idx="3"/>
+            </p:cNvCxnSpPr>
+            <p:nvPr/>
+          </p:nvCxnSpPr>
+          <p:spPr>
+            <a:xfrm flipH="1" flipV="1">
+              <a:off x="2853866" y="4105035"/>
+              <a:ext cx="784512" cy="3168"/>
+            </a:xfrm>
+            <a:prstGeom prst="straightConnector1">
+              <a:avLst/>
+            </a:prstGeom>
+            <a:noFill/>
+            <a:ln w="9525" cap="flat" cmpd="sng">
+              <a:solidFill>
+                <a:schemeClr val="dk2"/>
+              </a:solidFill>
+              <a:prstDash val="solid"/>
+              <a:round/>
+              <a:headEnd type="none" w="med" len="med"/>
+              <a:tailEnd type="triangle" w="med" len="med"/>
+            </a:ln>
+          </p:spPr>
+        </p:cxnSp>
+        <p:sp>
+          <p:nvSpPr>
+            <p:cNvPr id="230" name="Ellipse 229">
+              <a:extLst>
+                <a:ext uri="{FF2B5EF4-FFF2-40B4-BE49-F238E27FC236}">
+                  <a16:creationId xmlns:a16="http://schemas.microsoft.com/office/drawing/2014/main" id="{27136F0E-240E-4B9F-9A3A-9C92335122B3}"/>
+                </a:ext>
+              </a:extLst>
+            </p:cNvPr>
+            <p:cNvSpPr/>
+            <p:nvPr/>
+          </p:nvSpPr>
+          <p:spPr>
+            <a:xfrm>
+              <a:off x="3681448" y="2081309"/>
+              <a:ext cx="45719" cy="45719"/>
+            </a:xfrm>
+            <a:prstGeom prst="ellipse">
+              <a:avLst/>
+            </a:prstGeom>
+            <a:solidFill>
+              <a:srgbClr val="595959"/>
+            </a:solidFill>
+            <a:ln>
+              <a:noFill/>
+            </a:ln>
+          </p:spPr>
+          <p:style>
+            <a:lnRef idx="2">
+              <a:schemeClr val="accent1">
+                <a:shade val="50000"/>
+              </a:schemeClr>
+            </a:lnRef>
+            <a:fillRef idx="1">
+              <a:schemeClr val="accent1"/>
+            </a:fillRef>
+            <a:effectRef idx="0">
+              <a:schemeClr val="accent1"/>
+            </a:effectRef>
+            <a:fontRef idx="minor">
+              <a:schemeClr val="lt1"/>
+            </a:fontRef>
+          </p:style>
+          <p:txBody>
+            <a:bodyPr rtlCol="0" anchor="ctr"/>
+            <a:lstStyle/>
+            <a:p>
+              <a:pPr algn="ctr"/>
+              <a:endParaRPr lang="en-GB"/>
+            </a:p>
+          </p:txBody>
+        </p:sp>
+        <p:sp>
+          <p:nvSpPr>
+            <p:cNvPr id="253" name="Ellipse 252">
+              <a:extLst>
+                <a:ext uri="{FF2B5EF4-FFF2-40B4-BE49-F238E27FC236}">
+                  <a16:creationId xmlns:a16="http://schemas.microsoft.com/office/drawing/2014/main" id="{915D61ED-4997-4AF4-9900-C7DBCCF7A726}"/>
+                </a:ext>
+              </a:extLst>
+            </p:cNvPr>
+            <p:cNvSpPr/>
+            <p:nvPr/>
+          </p:nvSpPr>
+          <p:spPr>
+            <a:xfrm>
+              <a:off x="4076369" y="2939459"/>
+              <a:ext cx="45719" cy="45719"/>
+            </a:xfrm>
+            <a:prstGeom prst="ellipse">
+              <a:avLst/>
+            </a:prstGeom>
+            <a:solidFill>
+              <a:srgbClr val="595959"/>
+            </a:solidFill>
+            <a:ln>
+              <a:noFill/>
+            </a:ln>
+          </p:spPr>
+          <p:style>
+            <a:lnRef idx="2">
+              <a:schemeClr val="accent1">
+                <a:shade val="50000"/>
+              </a:schemeClr>
+            </a:lnRef>
+            <a:fillRef idx="1">
+              <a:schemeClr val="accent1"/>
+            </a:fillRef>
+            <a:effectRef idx="0">
+              <a:schemeClr val="accent1"/>
+            </a:effectRef>
+            <a:fontRef idx="minor">
+              <a:schemeClr val="lt1"/>
+            </a:fontRef>
+          </p:style>
+          <p:txBody>
+            <a:bodyPr rtlCol="0" anchor="ctr"/>
+            <a:lstStyle/>
+            <a:p>
+              <a:pPr algn="ctr"/>
+              <a:endParaRPr lang="en-GB"/>
+            </a:p>
+          </p:txBody>
+        </p:sp>
+        <p:cxnSp>
+          <p:nvCxnSpPr>
+            <p:cNvPr id="255" name="Google Shape;279;p16">
+              <a:extLst>
+                <a:ext uri="{FF2B5EF4-FFF2-40B4-BE49-F238E27FC236}">
+                  <a16:creationId xmlns:a16="http://schemas.microsoft.com/office/drawing/2014/main" id="{F8B4F77E-7603-469E-BD38-AE93994694C4}"/>
+                </a:ext>
+              </a:extLst>
+            </p:cNvPr>
+            <p:cNvCxnSpPr>
+              <a:cxnSpLocks/>
+              <a:stCxn id="253" idx="4"/>
+              <a:endCxn id="446" idx="6"/>
+            </p:cNvCxnSpPr>
+            <p:nvPr/>
+          </p:nvCxnSpPr>
+          <p:spPr>
+            <a:xfrm rot="5400000">
+              <a:off x="3388407" y="3397380"/>
+              <a:ext cx="1123025" cy="298620"/>
+            </a:xfrm>
+            <a:prstGeom prst="bentConnector2">
+              <a:avLst/>
+            </a:prstGeom>
+            <a:noFill/>
+            <a:ln w="9525" cap="flat" cmpd="sng">
+              <a:solidFill>
+                <a:schemeClr val="dk2"/>
+              </a:solidFill>
+              <a:prstDash val="solid"/>
+              <a:round/>
+              <a:headEnd type="none" w="med" len="med"/>
+              <a:tailEnd type="triangle" w="med" len="med"/>
+            </a:ln>
+          </p:spPr>
+        </p:cxnSp>
+        <p:grpSp>
+          <p:nvGrpSpPr>
+            <p:cNvPr id="256" name="Gruppieren 255">
+              <a:extLst>
+                <a:ext uri="{FF2B5EF4-FFF2-40B4-BE49-F238E27FC236}">
+                  <a16:creationId xmlns:a16="http://schemas.microsoft.com/office/drawing/2014/main" id="{B83BD4D7-99DF-4251-B7AF-FB2997825B70}"/>
+                </a:ext>
+              </a:extLst>
+            </p:cNvPr>
+            <p:cNvGrpSpPr/>
+            <p:nvPr/>
+          </p:nvGrpSpPr>
+          <p:grpSpPr>
+            <a:xfrm>
+              <a:off x="5427537" y="3607717"/>
+              <a:ext cx="1352700" cy="970258"/>
+              <a:chOff x="5242784" y="4133071"/>
+              <a:chExt cx="1352700" cy="970258"/>
+            </a:xfrm>
+          </p:grpSpPr>
+          <p:sp>
+            <p:nvSpPr>
+              <p:cNvPr id="480" name="Google Shape;277;p16">
+                <a:extLst>
+                  <a:ext uri="{FF2B5EF4-FFF2-40B4-BE49-F238E27FC236}">
+                    <a16:creationId xmlns:a16="http://schemas.microsoft.com/office/drawing/2014/main" id="{1D1BD555-4B4A-4821-9831-19123975A702}"/>
+                  </a:ext>
+                </a:extLst>
+              </p:cNvPr>
+              <p:cNvSpPr/>
+              <p:nvPr/>
+            </p:nvSpPr>
+            <p:spPr>
+              <a:xfrm>
+                <a:off x="5364036" y="4133071"/>
+                <a:ext cx="1127794" cy="970258"/>
+              </a:xfrm>
+              <a:prstGeom prst="roundRect">
+                <a:avLst>
+                  <a:gd name="adj" fmla="val 16667"/>
+                </a:avLst>
+              </a:prstGeom>
+              <a:solidFill>
+                <a:srgbClr val="93C47D"/>
+              </a:solidFill>
+              <a:ln w="9525" cap="flat" cmpd="sng">
+                <a:solidFill>
+                  <a:schemeClr val="dk2"/>
+                </a:solidFill>
+                <a:prstDash val="solid"/>
+                <a:round/>
+                <a:headEnd type="none" w="sm" len="sm"/>
+                <a:tailEnd type="none" w="sm" len="sm"/>
+              </a:ln>
+            </p:spPr>
+            <p:txBody>
+              <a:bodyPr spcFirstLastPara="1" wrap="square" lIns="91425" tIns="91425" rIns="91425" bIns="91425" anchor="ctr" anchorCtr="0">
+                <a:noAutofit/>
+              </a:bodyPr>
+              <a:lstStyle/>
+              <a:p>
+                <a:pPr marL="0" lvl="0" indent="0" algn="l" rtl="0">
+                  <a:spcBef>
+                    <a:spcPts val="0"/>
+                  </a:spcBef>
+                  <a:spcAft>
+                    <a:spcPts val="0"/>
+                  </a:spcAft>
+                  <a:buNone/>
+                </a:pPr>
+                <a:endParaRPr/>
+              </a:p>
+            </p:txBody>
+          </p:sp>
+          <p:grpSp>
+            <p:nvGrpSpPr>
+              <p:cNvPr id="259" name="Google Shape;415;p16">
+                <a:extLst>
+                  <a:ext uri="{FF2B5EF4-FFF2-40B4-BE49-F238E27FC236}">
+                    <a16:creationId xmlns:a16="http://schemas.microsoft.com/office/drawing/2014/main" id="{A882E532-AEAF-48C0-A6A3-03DACD96A063}"/>
+                  </a:ext>
+                </a:extLst>
+              </p:cNvPr>
+              <p:cNvGrpSpPr/>
+              <p:nvPr/>
+            </p:nvGrpSpPr>
+            <p:grpSpPr>
+              <a:xfrm>
+                <a:off x="5682801" y="4145268"/>
+                <a:ext cx="472941" cy="473003"/>
+                <a:chOff x="6981937" y="2940155"/>
+                <a:chExt cx="909503" cy="909621"/>
+              </a:xfrm>
+            </p:grpSpPr>
+            <p:sp>
+              <p:nvSpPr>
+                <p:cNvPr id="260" name="Google Shape;416;p16">
+                  <a:extLst>
+                    <a:ext uri="{FF2B5EF4-FFF2-40B4-BE49-F238E27FC236}">
+                      <a16:creationId xmlns:a16="http://schemas.microsoft.com/office/drawing/2014/main" id="{6FE37F03-2085-4B68-8B35-4238702A4EB8}"/>
+                    </a:ext>
+                  </a:extLst>
+                </p:cNvPr>
+                <p:cNvSpPr/>
+                <p:nvPr/>
+              </p:nvSpPr>
+              <p:spPr>
+                <a:xfrm>
+                  <a:off x="7181850" y="3006975"/>
+                  <a:ext cx="509700" cy="776400"/>
+                </a:xfrm>
+                <a:prstGeom prst="plaque">
+                  <a:avLst>
+                    <a:gd name="adj" fmla="val 41112"/>
+                  </a:avLst>
+                </a:prstGeom>
+                <a:solidFill>
+                  <a:srgbClr val="999999"/>
+                </a:solidFill>
+                <a:ln>
+                  <a:noFill/>
+                </a:ln>
+              </p:spPr>
+              <p:txBody>
+                <a:bodyPr spcFirstLastPara="1" wrap="square" lIns="91425" tIns="91425" rIns="91425" bIns="91425" anchor="ctr" anchorCtr="0">
+                  <a:noAutofit/>
+                </a:bodyPr>
+                <a:lstStyle/>
+                <a:p>
+                  <a:pPr marL="0" lvl="0" indent="0" algn="l" rtl="0">
+                    <a:spcBef>
+                      <a:spcPts val="0"/>
+                    </a:spcBef>
+                    <a:spcAft>
+                      <a:spcPts val="0"/>
+                    </a:spcAft>
+                    <a:buNone/>
+                  </a:pPr>
+                  <a:endParaRPr/>
+                </a:p>
+              </p:txBody>
+            </p:sp>
+            <p:sp>
+              <p:nvSpPr>
+                <p:cNvPr id="261" name="Google Shape;417;p16">
+                  <a:extLst>
+                    <a:ext uri="{FF2B5EF4-FFF2-40B4-BE49-F238E27FC236}">
+                      <a16:creationId xmlns:a16="http://schemas.microsoft.com/office/drawing/2014/main" id="{5D44D2FF-0483-4C6D-BE8E-5BC45D9AC808}"/>
+                    </a:ext>
+                  </a:extLst>
+                </p:cNvPr>
+                <p:cNvSpPr/>
+                <p:nvPr/>
+              </p:nvSpPr>
+              <p:spPr>
+                <a:xfrm rot="2700000">
+                  <a:off x="7181816" y="3006924"/>
+                  <a:ext cx="509541" cy="776403"/>
+                </a:xfrm>
+                <a:prstGeom prst="plaque">
+                  <a:avLst>
+                    <a:gd name="adj" fmla="val 41112"/>
+                  </a:avLst>
+                </a:prstGeom>
+                <a:solidFill>
+                  <a:srgbClr val="999999"/>
+                </a:solidFill>
+                <a:ln>
+                  <a:noFill/>
+                </a:ln>
+              </p:spPr>
+              <p:txBody>
+                <a:bodyPr spcFirstLastPara="1" wrap="square" lIns="91425" tIns="91425" rIns="91425" bIns="91425" anchor="ctr" anchorCtr="0">
+                  <a:noAutofit/>
+                </a:bodyPr>
+                <a:lstStyle/>
+                <a:p>
+                  <a:pPr marL="0" lvl="0" indent="0" algn="l" rtl="0">
+                    <a:spcBef>
+                      <a:spcPts val="0"/>
+                    </a:spcBef>
+                    <a:spcAft>
+                      <a:spcPts val="0"/>
+                    </a:spcAft>
+                    <a:buNone/>
+                  </a:pPr>
+                  <a:endParaRPr/>
+                </a:p>
+              </p:txBody>
+            </p:sp>
+            <p:sp>
+              <p:nvSpPr>
+                <p:cNvPr id="262" name="Google Shape;418;p16">
+                  <a:extLst>
+                    <a:ext uri="{FF2B5EF4-FFF2-40B4-BE49-F238E27FC236}">
+                      <a16:creationId xmlns:a16="http://schemas.microsoft.com/office/drawing/2014/main" id="{5653B8C0-9331-4C8C-BFD7-613786EA9606}"/>
+                    </a:ext>
+                  </a:extLst>
+                </p:cNvPr>
+                <p:cNvSpPr/>
+                <p:nvPr/>
+              </p:nvSpPr>
+              <p:spPr>
+                <a:xfrm rot="-2701431">
+                  <a:off x="7181913" y="3006753"/>
+                  <a:ext cx="509753" cy="776403"/>
+                </a:xfrm>
+                <a:prstGeom prst="plaque">
+                  <a:avLst>
+                    <a:gd name="adj" fmla="val 41112"/>
+                  </a:avLst>
+                </a:prstGeom>
+                <a:solidFill>
+                  <a:srgbClr val="999999"/>
+                </a:solidFill>
+                <a:ln>
+                  <a:noFill/>
+                </a:ln>
+              </p:spPr>
+              <p:txBody>
+                <a:bodyPr spcFirstLastPara="1" wrap="square" lIns="91425" tIns="91425" rIns="91425" bIns="91425" anchor="ctr" anchorCtr="0">
+                  <a:noAutofit/>
+                </a:bodyPr>
+                <a:lstStyle/>
+                <a:p>
+                  <a:pPr marL="0" lvl="0" indent="0" algn="l" rtl="0">
+                    <a:spcBef>
+                      <a:spcPts val="0"/>
+                    </a:spcBef>
+                    <a:spcAft>
+                      <a:spcPts val="0"/>
+                    </a:spcAft>
+                    <a:buNone/>
+                  </a:pPr>
+                  <a:endParaRPr/>
+                </a:p>
+              </p:txBody>
+            </p:sp>
+            <p:sp>
+              <p:nvSpPr>
+                <p:cNvPr id="263" name="Google Shape;419;p16">
+                  <a:extLst>
+                    <a:ext uri="{FF2B5EF4-FFF2-40B4-BE49-F238E27FC236}">
+                      <a16:creationId xmlns:a16="http://schemas.microsoft.com/office/drawing/2014/main" id="{687A436C-BB48-41E4-9B29-9B71A19B1F37}"/>
+                    </a:ext>
+                  </a:extLst>
+                </p:cNvPr>
+                <p:cNvSpPr/>
+                <p:nvPr/>
+              </p:nvSpPr>
+              <p:spPr>
+                <a:xfrm rot="-5402023">
+                  <a:off x="7181870" y="3006762"/>
+                  <a:ext cx="509700" cy="776400"/>
+                </a:xfrm>
+                <a:prstGeom prst="plaque">
+                  <a:avLst>
+                    <a:gd name="adj" fmla="val 41112"/>
+                  </a:avLst>
+                </a:prstGeom>
+                <a:solidFill>
+                  <a:srgbClr val="999999"/>
+                </a:solidFill>
+                <a:ln>
+                  <a:noFill/>
+                </a:ln>
+              </p:spPr>
+              <p:txBody>
+                <a:bodyPr spcFirstLastPara="1" wrap="square" lIns="91425" tIns="91425" rIns="91425" bIns="91425" anchor="ctr" anchorCtr="0">
+                  <a:noAutofit/>
+                </a:bodyPr>
+                <a:lstStyle/>
+                <a:p>
+                  <a:pPr marL="0" lvl="0" indent="0" algn="l" rtl="0">
+                    <a:spcBef>
+                      <a:spcPts val="0"/>
+                    </a:spcBef>
+                    <a:spcAft>
+                      <a:spcPts val="0"/>
+                    </a:spcAft>
+                    <a:buNone/>
+                  </a:pPr>
+                  <a:endParaRPr/>
+                </a:p>
+              </p:txBody>
+            </p:sp>
+            <p:sp>
+              <p:nvSpPr>
+                <p:cNvPr id="264" name="Google Shape;420;p16">
+                  <a:extLst>
+                    <a:ext uri="{FF2B5EF4-FFF2-40B4-BE49-F238E27FC236}">
+                      <a16:creationId xmlns:a16="http://schemas.microsoft.com/office/drawing/2014/main" id="{EED6E35B-0F26-4C90-9804-CBE3BB2B5A58}"/>
+                    </a:ext>
+                  </a:extLst>
+                </p:cNvPr>
+                <p:cNvSpPr/>
+                <p:nvPr/>
+              </p:nvSpPr>
+              <p:spPr>
+                <a:xfrm>
+                  <a:off x="7150638" y="3109037"/>
+                  <a:ext cx="572700" cy="572700"/>
+                </a:xfrm>
+                <a:prstGeom prst="ellipse">
+                  <a:avLst/>
+                </a:prstGeom>
+                <a:solidFill>
+                  <a:srgbClr val="999999"/>
+                </a:solidFill>
+                <a:ln>
+                  <a:noFill/>
+                </a:ln>
+              </p:spPr>
+              <p:txBody>
+                <a:bodyPr spcFirstLastPara="1" wrap="square" lIns="91425" tIns="91425" rIns="91425" bIns="91425" anchor="ctr" anchorCtr="0">
+                  <a:noAutofit/>
+                </a:bodyPr>
+                <a:lstStyle/>
+                <a:p>
+                  <a:pPr marL="0" lvl="0" indent="0" algn="l" rtl="0">
+                    <a:spcBef>
+                      <a:spcPts val="0"/>
+                    </a:spcBef>
+                    <a:spcAft>
+                      <a:spcPts val="0"/>
+                    </a:spcAft>
+                    <a:buNone/>
+                  </a:pPr>
+                  <a:endParaRPr/>
+                </a:p>
+              </p:txBody>
+            </p:sp>
+            <p:sp>
+              <p:nvSpPr>
+                <p:cNvPr id="265" name="Google Shape;421;p16">
+                  <a:extLst>
+                    <a:ext uri="{FF2B5EF4-FFF2-40B4-BE49-F238E27FC236}">
+                      <a16:creationId xmlns:a16="http://schemas.microsoft.com/office/drawing/2014/main" id="{4A685113-20E5-498F-A35D-F1266415F42F}"/>
+                    </a:ext>
+                  </a:extLst>
+                </p:cNvPr>
+                <p:cNvSpPr/>
+                <p:nvPr/>
+              </p:nvSpPr>
+              <p:spPr>
+                <a:xfrm>
+                  <a:off x="7209888" y="3168277"/>
+                  <a:ext cx="454200" cy="454200"/>
+                </a:xfrm>
+                <a:prstGeom prst="ellipse">
+                  <a:avLst/>
+                </a:prstGeom>
+                <a:solidFill>
+                  <a:srgbClr val="EFEFEF"/>
+                </a:solidFill>
+                <a:ln w="9525" cap="flat" cmpd="sng">
+                  <a:solidFill>
+                    <a:srgbClr val="000000"/>
+                  </a:solidFill>
+                  <a:prstDash val="solid"/>
+                  <a:round/>
+                  <a:headEnd type="none" w="sm" len="sm"/>
+                  <a:tailEnd type="none" w="sm" len="sm"/>
+                </a:ln>
+              </p:spPr>
+              <p:txBody>
+                <a:bodyPr spcFirstLastPara="1" wrap="square" lIns="91425" tIns="91425" rIns="91425" bIns="91425" anchor="ctr" anchorCtr="0">
+                  <a:noAutofit/>
+                </a:bodyPr>
+                <a:lstStyle/>
+                <a:p>
+                  <a:pPr marL="0" lvl="0" indent="0" algn="l" rtl="0">
+                    <a:spcBef>
+                      <a:spcPts val="0"/>
+                    </a:spcBef>
+                    <a:spcAft>
+                      <a:spcPts val="0"/>
+                    </a:spcAft>
+                    <a:buNone/>
+                  </a:pPr>
+                  <a:endParaRPr/>
+                </a:p>
+              </p:txBody>
+            </p:sp>
+            <p:sp>
+              <p:nvSpPr>
+                <p:cNvPr id="266" name="Google Shape;422;p16">
+                  <a:extLst>
+                    <a:ext uri="{FF2B5EF4-FFF2-40B4-BE49-F238E27FC236}">
+                      <a16:creationId xmlns:a16="http://schemas.microsoft.com/office/drawing/2014/main" id="{D3467DF7-671D-4C58-80CB-2B38BDAE96B9}"/>
+                    </a:ext>
+                  </a:extLst>
+                </p:cNvPr>
+                <p:cNvSpPr/>
+                <p:nvPr/>
+              </p:nvSpPr>
+              <p:spPr>
+                <a:xfrm>
+                  <a:off x="7276525" y="3264408"/>
+                  <a:ext cx="320100" cy="36600"/>
+                </a:xfrm>
+                <a:prstGeom prst="roundRect">
+                  <a:avLst>
+                    <a:gd name="adj" fmla="val 16667"/>
+                  </a:avLst>
+                </a:prstGeom>
+                <a:solidFill>
+                  <a:schemeClr val="lt2"/>
+                </a:solidFill>
+                <a:ln w="9525" cap="flat" cmpd="sng">
+                  <a:solidFill>
+                    <a:srgbClr val="000000"/>
+                  </a:solidFill>
+                  <a:prstDash val="solid"/>
+                  <a:round/>
+                  <a:headEnd type="none" w="sm" len="sm"/>
+                  <a:tailEnd type="none" w="sm" len="sm"/>
+                </a:ln>
+              </p:spPr>
+              <p:txBody>
+                <a:bodyPr spcFirstLastPara="1" wrap="square" lIns="91425" tIns="91425" rIns="91425" bIns="91425" anchor="ctr" anchorCtr="0">
+                  <a:noAutofit/>
+                </a:bodyPr>
+                <a:lstStyle/>
+                <a:p>
+                  <a:pPr marL="0" lvl="0" indent="0" algn="l" rtl="0">
+                    <a:spcBef>
+                      <a:spcPts val="0"/>
+                    </a:spcBef>
+                    <a:spcAft>
+                      <a:spcPts val="0"/>
+                    </a:spcAft>
+                    <a:buNone/>
+                  </a:pPr>
+                  <a:endParaRPr/>
+                </a:p>
+              </p:txBody>
+            </p:sp>
+            <p:sp>
+              <p:nvSpPr>
+                <p:cNvPr id="267" name="Google Shape;423;p16">
+                  <a:extLst>
+                    <a:ext uri="{FF2B5EF4-FFF2-40B4-BE49-F238E27FC236}">
+                      <a16:creationId xmlns:a16="http://schemas.microsoft.com/office/drawing/2014/main" id="{D50B9925-4E1D-4469-8773-F6F375A2E77B}"/>
+                    </a:ext>
+                  </a:extLst>
+                </p:cNvPr>
+                <p:cNvSpPr/>
+                <p:nvPr/>
+              </p:nvSpPr>
+              <p:spPr>
+                <a:xfrm>
+                  <a:off x="7443550" y="3246100"/>
+                  <a:ext cx="36600" cy="73200"/>
+                </a:xfrm>
+                <a:prstGeom prst="roundRect">
+                  <a:avLst>
+                    <a:gd name="adj" fmla="val 27189"/>
+                  </a:avLst>
+                </a:prstGeom>
+                <a:solidFill>
+                  <a:srgbClr val="000000"/>
+                </a:solidFill>
+                <a:ln w="19050" cap="flat" cmpd="sng">
+                  <a:solidFill>
+                    <a:srgbClr val="000000"/>
+                  </a:solidFill>
+                  <a:prstDash val="solid"/>
+                  <a:round/>
+                  <a:headEnd type="none" w="sm" len="sm"/>
+                  <a:tailEnd type="none" w="sm" len="sm"/>
+                </a:ln>
+              </p:spPr>
+              <p:txBody>
+                <a:bodyPr spcFirstLastPara="1" wrap="square" lIns="91425" tIns="91425" rIns="91425" bIns="91425" anchor="ctr" anchorCtr="0">
+                  <a:noAutofit/>
+                </a:bodyPr>
+                <a:lstStyle/>
+                <a:p>
+                  <a:pPr marL="0" lvl="0" indent="0" algn="l" rtl="0">
+                    <a:spcBef>
+                      <a:spcPts val="0"/>
+                    </a:spcBef>
+                    <a:spcAft>
+                      <a:spcPts val="0"/>
+                    </a:spcAft>
+                    <a:buNone/>
+                  </a:pPr>
+                  <a:endParaRPr/>
+                </a:p>
+              </p:txBody>
+            </p:sp>
+            <p:sp>
+              <p:nvSpPr>
+                <p:cNvPr id="268" name="Google Shape;424;p16">
+                  <a:extLst>
+                    <a:ext uri="{FF2B5EF4-FFF2-40B4-BE49-F238E27FC236}">
+                      <a16:creationId xmlns:a16="http://schemas.microsoft.com/office/drawing/2014/main" id="{B64F7ADF-83B3-42A9-8900-463EB82B478A}"/>
+                    </a:ext>
+                  </a:extLst>
+                </p:cNvPr>
+                <p:cNvSpPr/>
+                <p:nvPr/>
+              </p:nvSpPr>
+              <p:spPr>
+                <a:xfrm>
+                  <a:off x="7276525" y="3372575"/>
+                  <a:ext cx="320100" cy="36600"/>
+                </a:xfrm>
+                <a:prstGeom prst="roundRect">
+                  <a:avLst>
+                    <a:gd name="adj" fmla="val 16667"/>
+                  </a:avLst>
+                </a:prstGeom>
+                <a:solidFill>
+                  <a:schemeClr val="lt2"/>
+                </a:solidFill>
+                <a:ln w="9525" cap="flat" cmpd="sng">
+                  <a:solidFill>
+                    <a:srgbClr val="000000"/>
+                  </a:solidFill>
+                  <a:prstDash val="solid"/>
+                  <a:round/>
+                  <a:headEnd type="none" w="sm" len="sm"/>
+                  <a:tailEnd type="none" w="sm" len="sm"/>
+                </a:ln>
+              </p:spPr>
+              <p:txBody>
+                <a:bodyPr spcFirstLastPara="1" wrap="square" lIns="91425" tIns="91425" rIns="91425" bIns="91425" anchor="ctr" anchorCtr="0">
+                  <a:noAutofit/>
+                </a:bodyPr>
+                <a:lstStyle/>
+                <a:p>
+                  <a:pPr marL="0" lvl="0" indent="0" algn="l" rtl="0">
+                    <a:spcBef>
+                      <a:spcPts val="0"/>
+                    </a:spcBef>
+                    <a:spcAft>
+                      <a:spcPts val="0"/>
+                    </a:spcAft>
+                    <a:buNone/>
+                  </a:pPr>
+                  <a:endParaRPr/>
+                </a:p>
+              </p:txBody>
+            </p:sp>
+            <p:sp>
+              <p:nvSpPr>
+                <p:cNvPr id="269" name="Google Shape;425;p16">
+                  <a:extLst>
+                    <a:ext uri="{FF2B5EF4-FFF2-40B4-BE49-F238E27FC236}">
+                      <a16:creationId xmlns:a16="http://schemas.microsoft.com/office/drawing/2014/main" id="{036D5F96-F5E8-4493-8B71-30F838388AED}"/>
+                    </a:ext>
+                  </a:extLst>
+                </p:cNvPr>
+                <p:cNvSpPr/>
+                <p:nvPr/>
+              </p:nvSpPr>
+              <p:spPr>
+                <a:xfrm>
+                  <a:off x="7276950" y="3480750"/>
+                  <a:ext cx="320100" cy="36600"/>
+                </a:xfrm>
+                <a:prstGeom prst="roundRect">
+                  <a:avLst>
+                    <a:gd name="adj" fmla="val 16667"/>
+                  </a:avLst>
+                </a:prstGeom>
+                <a:solidFill>
+                  <a:schemeClr val="lt2"/>
+                </a:solidFill>
+                <a:ln w="9525" cap="flat" cmpd="sng">
+                  <a:solidFill>
+                    <a:srgbClr val="000000"/>
+                  </a:solidFill>
+                  <a:prstDash val="solid"/>
+                  <a:round/>
+                  <a:headEnd type="none" w="sm" len="sm"/>
+                  <a:tailEnd type="none" w="sm" len="sm"/>
+                </a:ln>
+              </p:spPr>
+              <p:txBody>
+                <a:bodyPr spcFirstLastPara="1" wrap="square" lIns="91425" tIns="91425" rIns="91425" bIns="91425" anchor="ctr" anchorCtr="0">
+                  <a:noAutofit/>
+                </a:bodyPr>
+                <a:lstStyle/>
+                <a:p>
+                  <a:pPr marL="0" lvl="0" indent="0" algn="l" rtl="0">
+                    <a:spcBef>
+                      <a:spcPts val="0"/>
+                    </a:spcBef>
+                    <a:spcAft>
+                      <a:spcPts val="0"/>
+                    </a:spcAft>
+                    <a:buNone/>
+                  </a:pPr>
+                  <a:endParaRPr/>
+                </a:p>
+              </p:txBody>
+            </p:sp>
+            <p:sp>
+              <p:nvSpPr>
+                <p:cNvPr id="270" name="Google Shape;426;p16">
+                  <a:extLst>
+                    <a:ext uri="{FF2B5EF4-FFF2-40B4-BE49-F238E27FC236}">
+                      <a16:creationId xmlns:a16="http://schemas.microsoft.com/office/drawing/2014/main" id="{48FBBF65-28DD-4B5E-ACF1-A6887E6FFD8C}"/>
+                    </a:ext>
+                  </a:extLst>
+                </p:cNvPr>
+                <p:cNvSpPr/>
+                <p:nvPr/>
+              </p:nvSpPr>
+              <p:spPr>
+                <a:xfrm>
+                  <a:off x="7357825" y="3355848"/>
+                  <a:ext cx="36600" cy="73200"/>
+                </a:xfrm>
+                <a:prstGeom prst="roundRect">
+                  <a:avLst>
+                    <a:gd name="adj" fmla="val 27189"/>
+                  </a:avLst>
+                </a:prstGeom>
+                <a:solidFill>
+                  <a:srgbClr val="000000"/>
+                </a:solidFill>
+                <a:ln w="19050" cap="flat" cmpd="sng">
+                  <a:solidFill>
+                    <a:srgbClr val="000000"/>
+                  </a:solidFill>
+                  <a:prstDash val="solid"/>
+                  <a:round/>
+                  <a:headEnd type="none" w="sm" len="sm"/>
+                  <a:tailEnd type="none" w="sm" len="sm"/>
+                </a:ln>
+              </p:spPr>
+              <p:txBody>
+                <a:bodyPr spcFirstLastPara="1" wrap="square" lIns="91425" tIns="91425" rIns="91425" bIns="91425" anchor="ctr" anchorCtr="0">
+                  <a:noAutofit/>
+                </a:bodyPr>
+                <a:lstStyle/>
+                <a:p>
+                  <a:pPr marL="0" lvl="0" indent="0" algn="l" rtl="0">
+                    <a:spcBef>
+                      <a:spcPts val="0"/>
+                    </a:spcBef>
+                    <a:spcAft>
+                      <a:spcPts val="0"/>
+                    </a:spcAft>
+                    <a:buNone/>
+                  </a:pPr>
+                  <a:endParaRPr/>
+                </a:p>
+              </p:txBody>
+            </p:sp>
+            <p:sp>
+              <p:nvSpPr>
+                <p:cNvPr id="271" name="Google Shape;427;p16">
+                  <a:extLst>
+                    <a:ext uri="{FF2B5EF4-FFF2-40B4-BE49-F238E27FC236}">
+                      <a16:creationId xmlns:a16="http://schemas.microsoft.com/office/drawing/2014/main" id="{E87B8A89-8C72-4469-B657-07F5264BA9EE}"/>
+                    </a:ext>
+                  </a:extLst>
+                </p:cNvPr>
+                <p:cNvSpPr/>
+                <p:nvPr/>
+              </p:nvSpPr>
+              <p:spPr>
+                <a:xfrm>
+                  <a:off x="7538800" y="3462450"/>
+                  <a:ext cx="36600" cy="73200"/>
+                </a:xfrm>
+                <a:prstGeom prst="roundRect">
+                  <a:avLst>
+                    <a:gd name="adj" fmla="val 27189"/>
+                  </a:avLst>
+                </a:prstGeom>
+                <a:solidFill>
+                  <a:srgbClr val="000000"/>
+                </a:solidFill>
+                <a:ln w="19050" cap="flat" cmpd="sng">
+                  <a:solidFill>
+                    <a:srgbClr val="000000"/>
+                  </a:solidFill>
+                  <a:prstDash val="solid"/>
+                  <a:round/>
+                  <a:headEnd type="none" w="sm" len="sm"/>
+                  <a:tailEnd type="none" w="sm" len="sm"/>
+                </a:ln>
+              </p:spPr>
+              <p:txBody>
+                <a:bodyPr spcFirstLastPara="1" wrap="square" lIns="91425" tIns="91425" rIns="91425" bIns="91425" anchor="ctr" anchorCtr="0">
+                  <a:noAutofit/>
+                </a:bodyPr>
+                <a:lstStyle/>
+                <a:p>
+                  <a:pPr marL="0" lvl="0" indent="0" algn="l" rtl="0">
+                    <a:spcBef>
+                      <a:spcPts val="0"/>
+                    </a:spcBef>
+                    <a:spcAft>
+                      <a:spcPts val="0"/>
+                    </a:spcAft>
+                    <a:buNone/>
+                  </a:pPr>
+                  <a:endParaRPr/>
+                </a:p>
+              </p:txBody>
+            </p:sp>
+          </p:grpSp>
+          <p:sp>
+            <p:nvSpPr>
+              <p:cNvPr id="272" name="Google Shape;451;p16">
+                <a:extLst>
+                  <a:ext uri="{FF2B5EF4-FFF2-40B4-BE49-F238E27FC236}">
+                    <a16:creationId xmlns:a16="http://schemas.microsoft.com/office/drawing/2014/main" id="{1EEF5BDD-E675-42F4-8C73-5BE172E1E274}"/>
+                  </a:ext>
+                </a:extLst>
+              </p:cNvPr>
+              <p:cNvSpPr txBox="1"/>
+              <p:nvPr/>
+            </p:nvSpPr>
+            <p:spPr>
+              <a:xfrm>
+                <a:off x="5242784" y="4664037"/>
+                <a:ext cx="1352700" cy="354900"/>
+              </a:xfrm>
+              <a:prstGeom prst="rect">
+                <a:avLst/>
+              </a:prstGeom>
+              <a:noFill/>
+              <a:ln>
+                <a:noFill/>
+              </a:ln>
+            </p:spPr>
+            <p:txBody>
+              <a:bodyPr spcFirstLastPara="1" wrap="square" lIns="91425" tIns="91425" rIns="91425" bIns="91425" anchor="t" anchorCtr="0">
+                <a:noAutofit/>
+              </a:bodyPr>
+              <a:lstStyle/>
+              <a:p>
+                <a:pPr marL="0" lvl="0" indent="0" algn="ctr" rtl="0">
+                  <a:spcBef>
+                    <a:spcPts val="0"/>
+                  </a:spcBef>
+                  <a:spcAft>
+                    <a:spcPts val="0"/>
+                  </a:spcAft>
+                  <a:buNone/>
+                </a:pPr>
+                <a:r>
+                  <a:rPr lang="en" sz="1000" b="1" dirty="0"/>
+                  <a:t>Batch to Batch Adaption</a:t>
+                </a:r>
+                <a:endParaRPr sz="1000" dirty="0"/>
+              </a:p>
+            </p:txBody>
+          </p:sp>
+        </p:grpSp>
+        <mc:AlternateContent xmlns:mc="http://schemas.openxmlformats.org/markup-compatibility/2006">
+          <mc:Choice xmlns:a14="http://schemas.microsoft.com/office/drawing/2010/main" Requires="a14">
+            <p:sp>
+              <p:nvSpPr>
+                <p:cNvPr id="484" name="Google Shape;100;p14">
+                  <a:extLst>
+                    <a:ext uri="{FF2B5EF4-FFF2-40B4-BE49-F238E27FC236}">
+                      <a16:creationId xmlns:a16="http://schemas.microsoft.com/office/drawing/2014/main" id="{2811014E-18CD-40EA-B35A-38CE0BE5A6DE}"/>
+                    </a:ext>
+                  </a:extLst>
+                </p:cNvPr>
+                <p:cNvSpPr txBox="1"/>
+                <p:nvPr/>
+              </p:nvSpPr>
+              <p:spPr>
+                <a:xfrm>
+                  <a:off x="839238" y="2798299"/>
+                  <a:ext cx="325648" cy="322797"/>
+                </a:xfrm>
+                <a:prstGeom prst="rect">
+                  <a:avLst/>
+                </a:prstGeom>
+                <a:noFill/>
+                <a:ln>
+                  <a:noFill/>
+                </a:ln>
+              </p:spPr>
+              <p:txBody>
+                <a:bodyPr spcFirstLastPara="1" wrap="square" lIns="91425" tIns="91425" rIns="91425" bIns="91425" anchor="t" anchorCtr="0">
+                  <a:noAutofit/>
+                </a:bodyPr>
+                <a:lstStyle/>
+                <a:p>
+                  <a:pPr marL="0" lvl="0" indent="0" algn="ctr" rtl="0">
+                    <a:spcBef>
+                      <a:spcPts val="0"/>
+                    </a:spcBef>
+                    <a:spcAft>
+                      <a:spcPts val="0"/>
+                    </a:spcAft>
+                    <a:buNone/>
+                  </a:pPr>
+                  <a14:m>
+                    <m:oMathPara xmlns:m="http://schemas.openxmlformats.org/officeDocument/2006/math">
+                      <m:oMathParaPr>
+                        <m:jc m:val="centerGroup"/>
+                      </m:oMathParaPr>
+                      <m:oMath xmlns:m="http://schemas.openxmlformats.org/officeDocument/2006/math">
+                        <m:acc>
+                          <m:accPr>
+                            <m:chr m:val="̂"/>
+                            <m:ctrlPr>
+                              <a:rPr lang="de-DE" sz="1000" b="1" i="1" smtClean="0">
+                                <a:latin typeface="Cambria Math" panose="02040503050406030204" pitchFamily="18" charset="0"/>
+                                <a:cs typeface="Calibri" panose="020F0502020204030204" pitchFamily="34" charset="0"/>
+                              </a:rPr>
+                            </m:ctrlPr>
+                          </m:accPr>
+                          <m:e>
+                            <m:r>
+                              <a:rPr lang="de-DE" sz="1000" b="1" i="1" smtClean="0">
+                                <a:latin typeface="Cambria Math" panose="02040503050406030204" pitchFamily="18" charset="0"/>
+                                <a:cs typeface="Calibri" panose="020F0502020204030204" pitchFamily="34" charset="0"/>
+                              </a:rPr>
+                              <m:t>𝒘</m:t>
+                            </m:r>
+                          </m:e>
+                        </m:acc>
+                      </m:oMath>
+                    </m:oMathPara>
+                  </a14:m>
+                  <a:endParaRPr sz="1000" b="1" i="1" dirty="0">
+                    <a:latin typeface="Calibri" panose="020F0502020204030204" pitchFamily="34" charset="0"/>
+                    <a:cs typeface="Calibri" panose="020F0502020204030204" pitchFamily="34" charset="0"/>
+                  </a:endParaRPr>
+                </a:p>
+              </p:txBody>
+            </p:sp>
+          </mc:Choice>
+          <mc:Fallback>
+            <p:sp>
+              <p:nvSpPr>
+                <p:cNvPr id="484" name="Google Shape;100;p14">
+                  <a:extLst>
+                    <a:ext uri="{FF2B5EF4-FFF2-40B4-BE49-F238E27FC236}">
+                      <a16:creationId xmlns:a16="http://schemas.microsoft.com/office/drawing/2014/main" id="{2811014E-18CD-40EA-B35A-38CE0BE5A6DE}"/>
+                    </a:ext>
+                  </a:extLst>
+                </p:cNvPr>
+                <p:cNvSpPr txBox="1">
+                  <a:spLocks noRot="1" noChangeAspect="1" noMove="1" noResize="1" noEditPoints="1" noAdjustHandles="1" noChangeArrowheads="1" noChangeShapeType="1" noTextEdit="1"/>
+                </p:cNvSpPr>
+                <p:nvPr/>
+              </p:nvSpPr>
+              <p:spPr>
+                <a:xfrm>
+                  <a:off x="839238" y="2798299"/>
+                  <a:ext cx="325648" cy="322797"/>
+                </a:xfrm>
+                <a:prstGeom prst="rect">
+                  <a:avLst/>
+                </a:prstGeom>
+                <a:blipFill>
+                  <a:blip r:embed="rId7"/>
+                  <a:stretch>
+                    <a:fillRect/>
+                  </a:stretch>
+                </a:blipFill>
+                <a:ln>
+                  <a:noFill/>
+                </a:ln>
+              </p:spPr>
+              <p:txBody>
+                <a:bodyPr/>
+                <a:lstStyle/>
+                <a:p>
+                  <a:r>
+                    <a:rPr lang="en-GB">
+                      <a:noFill/>
+                    </a:rPr>
+                    <a:t> </a:t>
+                  </a:r>
+                </a:p>
+              </p:txBody>
+            </p:sp>
+          </mc:Fallback>
+        </mc:AlternateContent>
+        <p:sp>
+          <p:nvSpPr>
+            <p:cNvPr id="486" name="Ellipse 485">
+              <a:extLst>
+                <a:ext uri="{FF2B5EF4-FFF2-40B4-BE49-F238E27FC236}">
+                  <a16:creationId xmlns:a16="http://schemas.microsoft.com/office/drawing/2014/main" id="{5FE1DD37-BBA9-471A-83B5-B1106B0A646B}"/>
+                </a:ext>
+              </a:extLst>
+            </p:cNvPr>
+            <p:cNvSpPr/>
+            <p:nvPr/>
+          </p:nvSpPr>
+          <p:spPr>
+            <a:xfrm>
+              <a:off x="7673824" y="2073990"/>
+              <a:ext cx="45719" cy="45719"/>
+            </a:xfrm>
+            <a:prstGeom prst="ellipse">
+              <a:avLst/>
+            </a:prstGeom>
+            <a:solidFill>
+              <a:srgbClr val="595959"/>
+            </a:solidFill>
+            <a:ln>
+              <a:noFill/>
+            </a:ln>
+          </p:spPr>
+          <p:style>
+            <a:lnRef idx="2">
+              <a:schemeClr val="accent1">
+                <a:shade val="50000"/>
+              </a:schemeClr>
+            </a:lnRef>
+            <a:fillRef idx="1">
+              <a:schemeClr val="accent1"/>
+            </a:fillRef>
+            <a:effectRef idx="0">
+              <a:schemeClr val="accent1"/>
+            </a:effectRef>
+            <a:fontRef idx="minor">
+              <a:schemeClr val="lt1"/>
+            </a:fontRef>
+          </p:style>
+          <p:txBody>
+            <a:bodyPr rtlCol="0" anchor="ctr"/>
+            <a:lstStyle/>
+            <a:p>
+              <a:pPr algn="ctr"/>
+              <a:endParaRPr lang="en-GB"/>
+            </a:p>
+          </p:txBody>
+        </p:sp>
+        <p:cxnSp>
+          <p:nvCxnSpPr>
+            <p:cNvPr id="487" name="Google Shape;455;p16">
+              <a:extLst>
+                <a:ext uri="{FF2B5EF4-FFF2-40B4-BE49-F238E27FC236}">
+                  <a16:creationId xmlns:a16="http://schemas.microsoft.com/office/drawing/2014/main" id="{2106E86F-20DB-43E7-BE27-D32745AD0E01}"/>
+                </a:ext>
+              </a:extLst>
+            </p:cNvPr>
+            <p:cNvCxnSpPr>
+              <a:cxnSpLocks/>
+              <a:stCxn id="488" idx="4"/>
+              <a:endCxn id="490" idx="0"/>
+            </p:cNvCxnSpPr>
+            <p:nvPr/>
+          </p:nvCxnSpPr>
+          <p:spPr>
+            <a:xfrm flipH="1">
+              <a:off x="7461018" y="2985178"/>
+              <a:ext cx="1" cy="1025122"/>
+            </a:xfrm>
+            <a:prstGeom prst="straightConnector1">
+              <a:avLst/>
+            </a:prstGeom>
+            <a:noFill/>
+            <a:ln w="9525" cap="flat" cmpd="sng">
+              <a:solidFill>
+                <a:schemeClr val="dk2"/>
+              </a:solidFill>
+              <a:prstDash val="solid"/>
+              <a:round/>
+              <a:headEnd type="none" w="med" len="med"/>
+              <a:tailEnd type="triangle" w="med" len="med"/>
+            </a:ln>
+          </p:spPr>
+        </p:cxnSp>
+        <p:sp>
+          <p:nvSpPr>
+            <p:cNvPr id="488" name="Ellipse 487">
+              <a:extLst>
+                <a:ext uri="{FF2B5EF4-FFF2-40B4-BE49-F238E27FC236}">
+                  <a16:creationId xmlns:a16="http://schemas.microsoft.com/office/drawing/2014/main" id="{E7A9F065-0D84-4914-AA5E-CE33F2A5B39E}"/>
+                </a:ext>
+              </a:extLst>
+            </p:cNvPr>
+            <p:cNvSpPr/>
+            <p:nvPr/>
+          </p:nvSpPr>
+          <p:spPr>
+            <a:xfrm>
+              <a:off x="7438159" y="2939459"/>
+              <a:ext cx="45719" cy="45719"/>
+            </a:xfrm>
+            <a:prstGeom prst="ellipse">
+              <a:avLst/>
+            </a:prstGeom>
+            <a:solidFill>
+              <a:srgbClr val="595959"/>
+            </a:solidFill>
+            <a:ln>
+              <a:noFill/>
+            </a:ln>
+          </p:spPr>
+          <p:style>
+            <a:lnRef idx="2">
+              <a:schemeClr val="accent1">
+                <a:shade val="50000"/>
+              </a:schemeClr>
+            </a:lnRef>
+            <a:fillRef idx="1">
+              <a:schemeClr val="accent1"/>
+            </a:fillRef>
+            <a:effectRef idx="0">
+              <a:schemeClr val="accent1"/>
+            </a:effectRef>
+            <a:fontRef idx="minor">
+              <a:schemeClr val="lt1"/>
+            </a:fontRef>
+          </p:style>
+          <p:txBody>
+            <a:bodyPr rtlCol="0" anchor="ctr"/>
+            <a:lstStyle/>
+            <a:p>
+              <a:pPr algn="ctr"/>
+              <a:endParaRPr lang="en-GB"/>
+            </a:p>
+          </p:txBody>
+        </p:sp>
+        <p:grpSp>
+          <p:nvGrpSpPr>
+            <p:cNvPr id="489" name="Google Shape;458;p16">
+              <a:extLst>
+                <a:ext uri="{FF2B5EF4-FFF2-40B4-BE49-F238E27FC236}">
+                  <a16:creationId xmlns:a16="http://schemas.microsoft.com/office/drawing/2014/main" id="{0971FCB5-B371-4627-91FE-4B6482C96C7B}"/>
+                </a:ext>
+              </a:extLst>
+            </p:cNvPr>
+            <p:cNvGrpSpPr/>
+            <p:nvPr/>
+          </p:nvGrpSpPr>
+          <p:grpSpPr>
+            <a:xfrm>
+              <a:off x="7379902" y="4010300"/>
+              <a:ext cx="162231" cy="162231"/>
+              <a:chOff x="8157975" y="3853800"/>
+              <a:chExt cx="180900" cy="180900"/>
+            </a:xfrm>
+          </p:grpSpPr>
+          <p:sp>
+            <p:nvSpPr>
+              <p:cNvPr id="490" name="Google Shape;459;p16">
+                <a:extLst>
+                  <a:ext uri="{FF2B5EF4-FFF2-40B4-BE49-F238E27FC236}">
+                    <a16:creationId xmlns:a16="http://schemas.microsoft.com/office/drawing/2014/main" id="{BB2307D0-81ED-4A7D-9DE5-0CDE897DF25A}"/>
+                  </a:ext>
+                </a:extLst>
+              </p:cNvPr>
+              <p:cNvSpPr/>
+              <p:nvPr/>
+            </p:nvSpPr>
+            <p:spPr>
+              <a:xfrm>
+                <a:off x="8157975" y="3853800"/>
+                <a:ext cx="180900" cy="180900"/>
+              </a:xfrm>
+              <a:prstGeom prst="ellipse">
+                <a:avLst/>
+              </a:prstGeom>
+              <a:solidFill>
+                <a:schemeClr val="lt2"/>
+              </a:solidFill>
+              <a:ln w="19050" cap="flat" cmpd="sng">
+                <a:solidFill>
+                  <a:srgbClr val="999999"/>
+                </a:solidFill>
+                <a:prstDash val="solid"/>
+                <a:round/>
+                <a:headEnd type="none" w="sm" len="sm"/>
+                <a:tailEnd type="none" w="sm" len="sm"/>
+              </a:ln>
+            </p:spPr>
+            <p:txBody>
+              <a:bodyPr spcFirstLastPara="1" wrap="square" lIns="0" tIns="0" rIns="0" bIns="0" anchor="ctr" anchorCtr="0">
+                <a:noAutofit/>
+              </a:bodyPr>
+              <a:lstStyle/>
+              <a:p>
+                <a:pPr marL="0" lvl="0" indent="0" algn="ctr" rtl="0">
+                  <a:spcBef>
+                    <a:spcPts val="0"/>
+                  </a:spcBef>
+                  <a:spcAft>
+                    <a:spcPts val="0"/>
+                  </a:spcAft>
+                  <a:buNone/>
+                </a:pPr>
+                <a:endParaRPr sz="1800" b="1">
+                  <a:solidFill>
+                    <a:schemeClr val="dk2"/>
+                  </a:solidFill>
+                </a:endParaRPr>
+              </a:p>
+            </p:txBody>
+          </p:sp>
+          <p:cxnSp>
+            <p:nvCxnSpPr>
+              <p:cNvPr id="491" name="Google Shape;460;p16">
+                <a:extLst>
+                  <a:ext uri="{FF2B5EF4-FFF2-40B4-BE49-F238E27FC236}">
+                    <a16:creationId xmlns:a16="http://schemas.microsoft.com/office/drawing/2014/main" id="{212CEAA6-D2DC-4E15-BEB8-E457AD5F17F2}"/>
+                  </a:ext>
+                </a:extLst>
+              </p:cNvPr>
+              <p:cNvCxnSpPr/>
+              <p:nvPr/>
+            </p:nvCxnSpPr>
+            <p:spPr>
+              <a:xfrm>
+                <a:off x="8200275" y="3944250"/>
+                <a:ext cx="96300" cy="0"/>
+              </a:xfrm>
+              <a:prstGeom prst="straightConnector1">
+                <a:avLst/>
+              </a:prstGeom>
+              <a:noFill/>
+              <a:ln w="19050" cap="flat" cmpd="sng">
+                <a:solidFill>
+                  <a:schemeClr val="dk2"/>
+                </a:solidFill>
+                <a:prstDash val="solid"/>
+                <a:round/>
+                <a:headEnd type="none" w="med" len="med"/>
+                <a:tailEnd type="none" w="med" len="med"/>
+              </a:ln>
+            </p:spPr>
+          </p:cxnSp>
+        </p:grpSp>
+        <p:cxnSp>
+          <p:nvCxnSpPr>
+            <p:cNvPr id="493" name="Google Shape;455;p16">
+              <a:extLst>
+                <a:ext uri="{FF2B5EF4-FFF2-40B4-BE49-F238E27FC236}">
+                  <a16:creationId xmlns:a16="http://schemas.microsoft.com/office/drawing/2014/main" id="{0393CD48-ACC1-4EDB-BBAD-6C1867418828}"/>
+                </a:ext>
+              </a:extLst>
+            </p:cNvPr>
+            <p:cNvCxnSpPr>
+              <a:cxnSpLocks/>
+              <a:stCxn id="490" idx="2"/>
+              <a:endCxn id="480" idx="3"/>
+            </p:cNvCxnSpPr>
+            <p:nvPr/>
+          </p:nvCxnSpPr>
+          <p:spPr>
+            <a:xfrm flipH="1">
+              <a:off x="6676583" y="4091416"/>
+              <a:ext cx="703319" cy="1430"/>
+            </a:xfrm>
+            <a:prstGeom prst="straightConnector1">
+              <a:avLst/>
+            </a:prstGeom>
+            <a:noFill/>
+            <a:ln w="9525" cap="flat" cmpd="sng">
+              <a:solidFill>
+                <a:schemeClr val="dk2"/>
+              </a:solidFill>
+              <a:prstDash val="solid"/>
+              <a:round/>
+              <a:headEnd type="none" w="med" len="med"/>
+              <a:tailEnd type="triangle" w="med" len="med"/>
+            </a:ln>
+          </p:spPr>
+        </p:cxnSp>
+        <p:cxnSp>
+          <p:nvCxnSpPr>
+            <p:cNvPr id="497" name="Google Shape;279;p16">
+              <a:extLst>
+                <a:ext uri="{FF2B5EF4-FFF2-40B4-BE49-F238E27FC236}">
+                  <a16:creationId xmlns:a16="http://schemas.microsoft.com/office/drawing/2014/main" id="{D7B119A9-FADB-451B-A1C7-3EB6863F0750}"/>
+                </a:ext>
+              </a:extLst>
+            </p:cNvPr>
+            <p:cNvCxnSpPr>
+              <a:cxnSpLocks/>
+              <a:stCxn id="486" idx="4"/>
+              <a:endCxn id="490" idx="6"/>
+            </p:cNvCxnSpPr>
+            <p:nvPr/>
+          </p:nvCxnSpPr>
+          <p:spPr>
+            <a:xfrm rot="5400000">
+              <a:off x="6633556" y="3028287"/>
+              <a:ext cx="1971707" cy="154551"/>
+            </a:xfrm>
+            <a:prstGeom prst="bentConnector2">
+              <a:avLst/>
+            </a:prstGeom>
+            <a:noFill/>
+            <a:ln w="9525" cap="flat" cmpd="sng">
+              <a:solidFill>
+                <a:schemeClr val="dk2"/>
+              </a:solidFill>
+              <a:prstDash val="solid"/>
+              <a:round/>
+              <a:headEnd type="none" w="med" len="med"/>
+              <a:tailEnd type="triangle" w="med" len="med"/>
+            </a:ln>
+          </p:spPr>
+        </p:cxnSp>
+        <p:sp>
+          <p:nvSpPr>
+            <p:cNvPr id="501" name="Google Shape;62;p14">
+              <a:extLst>
+                <a:ext uri="{FF2B5EF4-FFF2-40B4-BE49-F238E27FC236}">
+                  <a16:creationId xmlns:a16="http://schemas.microsoft.com/office/drawing/2014/main" id="{ECC12458-17F4-494D-A699-6662A081C6E1}"/>
+                </a:ext>
+              </a:extLst>
+            </p:cNvPr>
+            <p:cNvSpPr/>
+            <p:nvPr/>
+          </p:nvSpPr>
+          <p:spPr>
+            <a:xfrm>
+              <a:off x="4156059" y="4493583"/>
+              <a:ext cx="1038158" cy="507300"/>
+            </a:xfrm>
+            <a:prstGeom prst="roundRect">
+              <a:avLst>
+                <a:gd name="adj" fmla="val 16667"/>
+              </a:avLst>
+            </a:prstGeom>
+            <a:solidFill>
+              <a:srgbClr val="93C47D"/>
+            </a:solidFill>
+            <a:ln w="9525" cap="flat" cmpd="sng">
+              <a:solidFill>
+                <a:schemeClr val="dk2"/>
+              </a:solidFill>
+              <a:prstDash val="solid"/>
+              <a:round/>
+              <a:headEnd type="none" w="sm" len="sm"/>
+              <a:tailEnd type="none" w="sm" len="sm"/>
+            </a:ln>
+          </p:spPr>
+          <p:txBody>
+            <a:bodyPr spcFirstLastPara="1" wrap="square" lIns="91425" tIns="91425" rIns="91425" bIns="91425" anchor="ctr" anchorCtr="0">
+              <a:noAutofit/>
+            </a:bodyPr>
+            <a:lstStyle/>
+            <a:p>
+              <a:pPr marL="0" lvl="0" indent="0" algn="ctr" rtl="0">
+                <a:spcBef>
+                  <a:spcPts val="0"/>
+                </a:spcBef>
+                <a:spcAft>
+                  <a:spcPts val="0"/>
+                </a:spcAft>
+                <a:buNone/>
+              </a:pPr>
+              <a:r>
+                <a:rPr lang="en" sz="1000" b="1" dirty="0">
+                  <a:latin typeface="Calibri" panose="020F0502020204030204" pitchFamily="34" charset="0"/>
+                  <a:cs typeface="Calibri" panose="020F0502020204030204" pitchFamily="34" charset="0"/>
+                </a:rPr>
+                <a:t>Batch to Batch Optimization</a:t>
+              </a:r>
+              <a:endParaRPr sz="1000" b="1" dirty="0">
+                <a:latin typeface="Calibri" panose="020F0502020204030204" pitchFamily="34" charset="0"/>
+                <a:cs typeface="Calibri" panose="020F0502020204030204" pitchFamily="34" charset="0"/>
+              </a:endParaRPr>
+            </a:p>
+          </p:txBody>
+        </p:sp>
+        <p:sp>
+          <p:nvSpPr>
+            <p:cNvPr id="504" name="Ellipse 503">
+              <a:extLst>
+                <a:ext uri="{FF2B5EF4-FFF2-40B4-BE49-F238E27FC236}">
+                  <a16:creationId xmlns:a16="http://schemas.microsoft.com/office/drawing/2014/main" id="{2C7FDDCD-5809-4A0A-ACD3-8588DD9347DC}"/>
+                </a:ext>
+              </a:extLst>
+            </p:cNvPr>
+            <p:cNvSpPr/>
+            <p:nvPr/>
+          </p:nvSpPr>
+          <p:spPr>
+            <a:xfrm>
+              <a:off x="7883678" y="2939460"/>
+              <a:ext cx="45719" cy="45719"/>
+            </a:xfrm>
+            <a:prstGeom prst="ellipse">
+              <a:avLst/>
+            </a:prstGeom>
+            <a:solidFill>
+              <a:srgbClr val="595959"/>
+            </a:solidFill>
+            <a:ln>
+              <a:noFill/>
+            </a:ln>
+          </p:spPr>
+          <p:style>
+            <a:lnRef idx="2">
+              <a:schemeClr val="accent1">
+                <a:shade val="50000"/>
+              </a:schemeClr>
+            </a:lnRef>
+            <a:fillRef idx="1">
+              <a:schemeClr val="accent1"/>
+            </a:fillRef>
+            <a:effectRef idx="0">
+              <a:schemeClr val="accent1"/>
+            </a:effectRef>
+            <a:fontRef idx="minor">
+              <a:schemeClr val="lt1"/>
+            </a:fontRef>
+          </p:style>
+          <p:txBody>
+            <a:bodyPr rtlCol="0" anchor="ctr"/>
+            <a:lstStyle/>
+            <a:p>
+              <a:pPr algn="ctr"/>
+              <a:endParaRPr lang="en-GB"/>
+            </a:p>
+          </p:txBody>
+        </p:sp>
+        <p:cxnSp>
+          <p:nvCxnSpPr>
+            <p:cNvPr id="505" name="Google Shape;279;p16">
+              <a:extLst>
+                <a:ext uri="{FF2B5EF4-FFF2-40B4-BE49-F238E27FC236}">
+                  <a16:creationId xmlns:a16="http://schemas.microsoft.com/office/drawing/2014/main" id="{DACE1163-9102-4598-81B6-1B1BE5D7716B}"/>
+                </a:ext>
+              </a:extLst>
+            </p:cNvPr>
+            <p:cNvCxnSpPr>
+              <a:cxnSpLocks/>
+              <a:stCxn id="504" idx="4"/>
+              <a:endCxn id="523" idx="6"/>
+            </p:cNvCxnSpPr>
+            <p:nvPr/>
+          </p:nvCxnSpPr>
+          <p:spPr>
+            <a:xfrm rot="5400000">
+              <a:off x="5713749" y="2463468"/>
+              <a:ext cx="1671078" cy="2714500"/>
+            </a:xfrm>
+            <a:prstGeom prst="bentConnector2">
+              <a:avLst/>
+            </a:prstGeom>
+            <a:noFill/>
+            <a:ln w="9525" cap="flat" cmpd="sng">
+              <a:solidFill>
+                <a:schemeClr val="dk2"/>
+              </a:solidFill>
+              <a:prstDash val="solid"/>
+              <a:round/>
+              <a:headEnd type="none" w="med" len="med"/>
+              <a:tailEnd type="triangle" w="med" len="med"/>
+            </a:ln>
+          </p:spPr>
+        </p:cxnSp>
+        <p:cxnSp>
+          <p:nvCxnSpPr>
+            <p:cNvPr id="507" name="Google Shape;279;p16">
+              <a:extLst>
+                <a:ext uri="{FF2B5EF4-FFF2-40B4-BE49-F238E27FC236}">
+                  <a16:creationId xmlns:a16="http://schemas.microsoft.com/office/drawing/2014/main" id="{3A8FC8B1-7ECE-4C36-89AD-ED5E83D647A1}"/>
+                </a:ext>
+              </a:extLst>
+            </p:cNvPr>
+            <p:cNvCxnSpPr>
+              <a:cxnSpLocks/>
+              <a:stCxn id="501" idx="1"/>
+              <a:endCxn id="484" idx="2"/>
+            </p:cNvCxnSpPr>
+            <p:nvPr/>
+          </p:nvCxnSpPr>
+          <p:spPr>
+            <a:xfrm rot="10800000">
+              <a:off x="1002063" y="3121097"/>
+              <a:ext cx="3153997" cy="1626137"/>
+            </a:xfrm>
+            <a:prstGeom prst="bentConnector2">
+              <a:avLst/>
+            </a:prstGeom>
+            <a:noFill/>
+            <a:ln w="9525" cap="flat" cmpd="sng">
+              <a:solidFill>
+                <a:schemeClr val="dk2"/>
+              </a:solidFill>
+              <a:prstDash val="solid"/>
+              <a:round/>
+              <a:headEnd type="none" w="med" len="med"/>
+              <a:tailEnd type="triangle" w="med" len="med"/>
+            </a:ln>
+          </p:spPr>
+        </p:cxnSp>
+        <p:cxnSp>
+          <p:nvCxnSpPr>
+            <p:cNvPr id="512" name="Google Shape;449;p16">
+              <a:extLst>
+                <a:ext uri="{FF2B5EF4-FFF2-40B4-BE49-F238E27FC236}">
+                  <a16:creationId xmlns:a16="http://schemas.microsoft.com/office/drawing/2014/main" id="{E6E0D70F-12F7-4EEF-A3E7-6E32D23698F6}"/>
+                </a:ext>
+              </a:extLst>
+            </p:cNvPr>
+            <p:cNvCxnSpPr>
+              <a:cxnSpLocks/>
+              <a:stCxn id="484" idx="3"/>
+              <a:endCxn id="189" idx="1"/>
+            </p:cNvCxnSpPr>
+            <p:nvPr/>
+          </p:nvCxnSpPr>
+          <p:spPr>
+            <a:xfrm>
+              <a:off x="1164886" y="2959698"/>
+              <a:ext cx="666771" cy="4296"/>
+            </a:xfrm>
+            <a:prstGeom prst="straightConnector1">
+              <a:avLst/>
+            </a:prstGeom>
+            <a:noFill/>
+            <a:ln w="9525" cap="flat" cmpd="sng">
+              <a:solidFill>
+                <a:schemeClr val="dk2"/>
+              </a:solidFill>
+              <a:prstDash val="solid"/>
+              <a:round/>
+              <a:headEnd type="none" w="med" len="med"/>
+              <a:tailEnd type="triangle" w="med" len="med"/>
+            </a:ln>
+          </p:spPr>
+        </p:cxnSp>
+        <p:cxnSp>
+          <p:nvCxnSpPr>
+            <p:cNvPr id="513" name="Google Shape;279;p16">
+              <a:extLst>
+                <a:ext uri="{FF2B5EF4-FFF2-40B4-BE49-F238E27FC236}">
+                  <a16:creationId xmlns:a16="http://schemas.microsoft.com/office/drawing/2014/main" id="{02AEE22B-23E8-4FEB-A53A-52ABB39216FC}"/>
+                </a:ext>
+              </a:extLst>
+            </p:cNvPr>
+            <p:cNvCxnSpPr>
+              <a:cxnSpLocks/>
+              <a:stCxn id="484" idx="0"/>
+              <a:endCxn id="283" idx="1"/>
+            </p:cNvCxnSpPr>
+            <p:nvPr/>
+          </p:nvCxnSpPr>
+          <p:spPr>
+            <a:xfrm rot="5400000" flipH="1" flipV="1">
+              <a:off x="1074303" y="2043418"/>
+              <a:ext cx="682640" cy="827122"/>
+            </a:xfrm>
+            <a:prstGeom prst="bentConnector2">
+              <a:avLst/>
+            </a:prstGeom>
+            <a:noFill/>
+            <a:ln w="9525" cap="flat" cmpd="sng">
+              <a:solidFill>
+                <a:schemeClr val="dk2"/>
+              </a:solidFill>
+              <a:prstDash val="solid"/>
+              <a:round/>
+              <a:headEnd type="none" w="med" len="med"/>
+              <a:tailEnd type="triangle" w="med" len="med"/>
+            </a:ln>
+          </p:spPr>
+        </p:cxnSp>
+        <p:grpSp>
+          <p:nvGrpSpPr>
+            <p:cNvPr id="519" name="Gruppieren 518">
+              <a:extLst>
+                <a:ext uri="{FF2B5EF4-FFF2-40B4-BE49-F238E27FC236}">
+                  <a16:creationId xmlns:a16="http://schemas.microsoft.com/office/drawing/2014/main" id="{2F1DFF40-DA39-4883-AEFE-75214C59036C}"/>
+                </a:ext>
+              </a:extLst>
+            </p:cNvPr>
+            <p:cNvGrpSpPr/>
+            <p:nvPr/>
+          </p:nvGrpSpPr>
+          <p:grpSpPr>
+            <a:xfrm>
+              <a:off x="8305866" y="4585833"/>
+              <a:ext cx="740746" cy="322800"/>
+              <a:chOff x="6240643" y="3589409"/>
+              <a:chExt cx="740746" cy="322800"/>
+            </a:xfrm>
+          </p:grpSpPr>
+          <p:cxnSp>
+            <p:nvCxnSpPr>
+              <p:cNvPr id="520" name="Google Shape;104;p14">
+                <a:extLst>
+                  <a:ext uri="{FF2B5EF4-FFF2-40B4-BE49-F238E27FC236}">
+                    <a16:creationId xmlns:a16="http://schemas.microsoft.com/office/drawing/2014/main" id="{376381B3-E633-4020-9E12-ACAE90011E4B}"/>
+                  </a:ext>
+                </a:extLst>
+              </p:cNvPr>
+              <p:cNvCxnSpPr>
+                <a:cxnSpLocks/>
+                <a:endCxn id="527" idx="6"/>
+              </p:cNvCxnSpPr>
+              <p:nvPr/>
+            </p:nvCxnSpPr>
+            <p:spPr>
+              <a:xfrm flipH="1">
+                <a:off x="6240643" y="3867763"/>
+                <a:ext cx="583622" cy="0"/>
+              </a:xfrm>
+              <a:prstGeom prst="straightConnector1">
+                <a:avLst/>
+              </a:prstGeom>
+              <a:noFill/>
+              <a:ln w="9525" cap="flat" cmpd="sng">
+                <a:solidFill>
+                  <a:schemeClr val="dk2"/>
+                </a:solidFill>
+                <a:prstDash val="solid"/>
+                <a:round/>
+                <a:headEnd type="none" w="med" len="med"/>
+                <a:tailEnd type="triangle" w="med" len="med"/>
+              </a:ln>
+            </p:spPr>
+          </p:cxnSp>
+          <mc:AlternateContent xmlns:mc="http://schemas.openxmlformats.org/markup-compatibility/2006" xmlns:a14="http://schemas.microsoft.com/office/drawing/2010/main">
+            <mc:Choice Requires="a14">
+              <p:sp>
+                <p:nvSpPr>
+                  <p:cNvPr id="521" name="Google Shape;102;p14">
+                    <a:extLst>
+                      <a:ext uri="{FF2B5EF4-FFF2-40B4-BE49-F238E27FC236}">
+                        <a16:creationId xmlns:a16="http://schemas.microsoft.com/office/drawing/2014/main" id="{71C75C6E-84E2-4B9C-B89A-700678DC2655}"/>
+                      </a:ext>
+                    </a:extLst>
+                  </p:cNvPr>
+                  <p:cNvSpPr txBox="1"/>
+                  <p:nvPr/>
+                </p:nvSpPr>
+                <p:spPr>
+                  <a:xfrm>
+                    <a:off x="6636789" y="3589409"/>
+                    <a:ext cx="344600" cy="322800"/>
+                  </a:xfrm>
+                  <a:prstGeom prst="rect">
+                    <a:avLst/>
+                  </a:prstGeom>
+                  <a:noFill/>
+                  <a:ln>
+                    <a:noFill/>
+                  </a:ln>
+                </p:spPr>
+                <p:txBody>
+                  <a:bodyPr spcFirstLastPara="1" wrap="square" lIns="91425" tIns="91425" rIns="91425" bIns="91425" anchor="t" anchorCtr="0">
+                    <a:noAutofit/>
+                  </a:bodyPr>
+                  <a:lstStyle/>
+                  <a:p>
+                    <a:pPr marL="0" lvl="0" indent="0" algn="ctr" rtl="0">
+                      <a:spcBef>
+                        <a:spcPts val="0"/>
+                      </a:spcBef>
+                      <a:spcAft>
+                        <a:spcPts val="0"/>
+                      </a:spcAft>
+                      <a:buNone/>
+                    </a:pPr>
+                    <a14:m>
+                      <m:oMathPara xmlns:m="http://schemas.openxmlformats.org/officeDocument/2006/math">
+                        <m:oMathParaPr>
+                          <m:jc m:val="centerGroup"/>
+                        </m:oMathParaPr>
+                        <m:oMath xmlns:m="http://schemas.openxmlformats.org/officeDocument/2006/math">
+                          <m:sSub>
+                            <m:sSubPr>
+                              <m:ctrlPr>
+                                <a:rPr lang="de-DE" sz="1000" b="1" i="1" smtClean="0">
+                                  <a:latin typeface="Cambria Math" panose="02040503050406030204" pitchFamily="18" charset="0"/>
+                                  <a:cs typeface="Calibri" panose="020F0502020204030204" pitchFamily="34" charset="0"/>
+                                </a:rPr>
+                              </m:ctrlPr>
+                            </m:sSubPr>
+                            <m:e>
+                              <m:r>
+                                <a:rPr lang="de-DE" sz="1000" b="1" i="1" smtClean="0">
+                                  <a:latin typeface="Cambria Math" panose="02040503050406030204" pitchFamily="18" charset="0"/>
+                                  <a:cs typeface="Calibri" panose="020F0502020204030204" pitchFamily="34" charset="0"/>
+                                </a:rPr>
+                                <m:t>𝑸</m:t>
+                              </m:r>
+                            </m:e>
+                            <m:sub>
+                              <m:r>
+                                <a:rPr lang="de-DE" sz="1000" b="1" i="1" smtClean="0">
+                                  <a:latin typeface="Cambria Math" panose="02040503050406030204" pitchFamily="18" charset="0"/>
+                                  <a:cs typeface="Calibri" panose="020F0502020204030204" pitchFamily="34" charset="0"/>
+                                </a:rPr>
+                                <m:t>𝒓𝒆𝒇</m:t>
+                              </m:r>
+                            </m:sub>
+                          </m:sSub>
+                        </m:oMath>
+                      </m:oMathPara>
+                    </a14:m>
+                    <a:endParaRPr sz="1000" b="1" dirty="0">
+                      <a:latin typeface="Calibri" panose="020F0502020204030204" pitchFamily="34" charset="0"/>
+                      <a:cs typeface="Calibri" panose="020F0502020204030204" pitchFamily="34" charset="0"/>
+                    </a:endParaRPr>
+                  </a:p>
+                </p:txBody>
+              </p:sp>
+            </mc:Choice>
+            <mc:Fallback xmlns="">
+              <p:sp>
+                <p:nvSpPr>
+                  <p:cNvPr id="521" name="Google Shape;102;p14">
+                    <a:extLst>
+                      <a:ext uri="{FF2B5EF4-FFF2-40B4-BE49-F238E27FC236}">
+                        <a16:creationId xmlns:a16="http://schemas.microsoft.com/office/drawing/2014/main" id="{71C75C6E-84E2-4B9C-B89A-700678DC2655}"/>
+                      </a:ext>
+                    </a:extLst>
+                  </p:cNvPr>
+                  <p:cNvSpPr txBox="1">
+                    <a:spLocks noRot="1" noChangeAspect="1" noMove="1" noResize="1" noEditPoints="1" noAdjustHandles="1" noChangeArrowheads="1" noChangeShapeType="1" noTextEdit="1"/>
+                  </p:cNvSpPr>
+                  <p:nvPr/>
+                </p:nvSpPr>
+                <p:spPr>
+                  <a:xfrm>
+                    <a:off x="6636789" y="3589409"/>
+                    <a:ext cx="344600" cy="322800"/>
+                  </a:xfrm>
+                  <a:prstGeom prst="rect">
+                    <a:avLst/>
+                  </a:prstGeom>
+                  <a:blipFill>
+                    <a:blip r:embed="rId8"/>
+                    <a:stretch>
+                      <a:fillRect l="-7018"/>
+                    </a:stretch>
+                  </a:blipFill>
+                  <a:ln>
+                    <a:noFill/>
+                  </a:ln>
+                </p:spPr>
+                <p:txBody>
+                  <a:bodyPr/>
+                  <a:lstStyle/>
+                  <a:p>
+                    <a:r>
+                      <a:rPr lang="en-GB">
+                        <a:noFill/>
+                      </a:rPr>
+                      <a:t> </a:t>
+                    </a:r>
+                  </a:p>
+                </p:txBody>
+              </p:sp>
+            </mc:Fallback>
+          </mc:AlternateContent>
+        </p:grpSp>
+        <p:sp>
+          <p:nvSpPr>
+            <p:cNvPr id="522" name="Ellipse 521">
+              <a:extLst>
+                <a:ext uri="{FF2B5EF4-FFF2-40B4-BE49-F238E27FC236}">
+                  <a16:creationId xmlns:a16="http://schemas.microsoft.com/office/drawing/2014/main" id="{0B7C46E4-C216-421A-A9F7-BE987D12E69E}"/>
+                </a:ext>
+              </a:extLst>
+            </p:cNvPr>
+            <p:cNvSpPr/>
+            <p:nvPr/>
+          </p:nvSpPr>
+          <p:spPr>
+            <a:xfrm>
+              <a:off x="5143213" y="4864187"/>
+              <a:ext cx="45719" cy="45719"/>
+            </a:xfrm>
+            <a:prstGeom prst="ellipse">
+              <a:avLst/>
+            </a:prstGeom>
+            <a:noFill/>
+            <a:ln>
+              <a:noFill/>
+            </a:ln>
+          </p:spPr>
+          <p:style>
+            <a:lnRef idx="2">
+              <a:schemeClr val="accent1">
+                <a:shade val="50000"/>
+              </a:schemeClr>
+            </a:lnRef>
+            <a:fillRef idx="1">
+              <a:schemeClr val="accent1"/>
+            </a:fillRef>
+            <a:effectRef idx="0">
+              <a:schemeClr val="accent1"/>
+            </a:effectRef>
+            <a:fontRef idx="minor">
+              <a:schemeClr val="lt1"/>
+            </a:fontRef>
+          </p:style>
+          <p:txBody>
+            <a:bodyPr rtlCol="0" anchor="ctr"/>
+            <a:lstStyle/>
+            <a:p>
+              <a:pPr algn="ctr"/>
+              <a:endParaRPr lang="en-GB"/>
+            </a:p>
+          </p:txBody>
+        </p:sp>
+        <p:sp>
+          <p:nvSpPr>
+            <p:cNvPr id="523" name="Ellipse 522">
+              <a:extLst>
+                <a:ext uri="{FF2B5EF4-FFF2-40B4-BE49-F238E27FC236}">
+                  <a16:creationId xmlns:a16="http://schemas.microsoft.com/office/drawing/2014/main" id="{0BA70B3E-A24C-40D4-AC90-B2820101F914}"/>
+                </a:ext>
+              </a:extLst>
+            </p:cNvPr>
+            <p:cNvSpPr/>
+            <p:nvPr/>
+          </p:nvSpPr>
+          <p:spPr>
+            <a:xfrm>
+              <a:off x="5146319" y="4633397"/>
+              <a:ext cx="45719" cy="45719"/>
+            </a:xfrm>
+            <a:prstGeom prst="ellipse">
+              <a:avLst/>
+            </a:prstGeom>
+            <a:noFill/>
+            <a:ln>
+              <a:noFill/>
+            </a:ln>
+          </p:spPr>
+          <p:style>
+            <a:lnRef idx="2">
+              <a:schemeClr val="accent1">
+                <a:shade val="50000"/>
+              </a:schemeClr>
+            </a:lnRef>
+            <a:fillRef idx="1">
+              <a:schemeClr val="accent1"/>
+            </a:fillRef>
+            <a:effectRef idx="0">
+              <a:schemeClr val="accent1"/>
+            </a:effectRef>
+            <a:fontRef idx="minor">
+              <a:schemeClr val="lt1"/>
+            </a:fontRef>
+          </p:style>
+          <p:txBody>
+            <a:bodyPr rtlCol="0" anchor="ctr"/>
+            <a:lstStyle/>
+            <a:p>
+              <a:pPr algn="ctr"/>
+              <a:endParaRPr lang="en-GB"/>
+            </a:p>
+          </p:txBody>
+        </p:sp>
+        <p:sp>
+          <p:nvSpPr>
+            <p:cNvPr id="524" name="Ellipse 523">
+              <a:extLst>
+                <a:ext uri="{FF2B5EF4-FFF2-40B4-BE49-F238E27FC236}">
+                  <a16:creationId xmlns:a16="http://schemas.microsoft.com/office/drawing/2014/main" id="{D5D28A9B-E5A5-427A-AC01-D2300202BEB8}"/>
+                </a:ext>
+              </a:extLst>
+            </p:cNvPr>
+            <p:cNvSpPr/>
+            <p:nvPr/>
+          </p:nvSpPr>
+          <p:spPr>
+            <a:xfrm>
+              <a:off x="8201892" y="2073990"/>
+              <a:ext cx="45719" cy="45719"/>
+            </a:xfrm>
+            <a:prstGeom prst="ellipse">
+              <a:avLst/>
+            </a:prstGeom>
+            <a:solidFill>
+              <a:srgbClr val="595959"/>
+            </a:solidFill>
+            <a:ln>
+              <a:noFill/>
+            </a:ln>
+          </p:spPr>
+          <p:style>
+            <a:lnRef idx="2">
+              <a:schemeClr val="accent1">
+                <a:shade val="50000"/>
+              </a:schemeClr>
+            </a:lnRef>
+            <a:fillRef idx="1">
+              <a:schemeClr val="accent1"/>
+            </a:fillRef>
+            <a:effectRef idx="0">
+              <a:schemeClr val="accent1"/>
+            </a:effectRef>
+            <a:fontRef idx="minor">
+              <a:schemeClr val="lt1"/>
+            </a:fontRef>
+          </p:style>
+          <p:txBody>
+            <a:bodyPr rtlCol="0" anchor="ctr"/>
+            <a:lstStyle/>
+            <a:p>
+              <a:pPr algn="ctr"/>
+              <a:endParaRPr lang="en-GB"/>
+            </a:p>
+          </p:txBody>
+        </p:sp>
+        <p:grpSp>
+          <p:nvGrpSpPr>
+            <p:cNvPr id="526" name="Google Shape;458;p16">
+              <a:extLst>
+                <a:ext uri="{FF2B5EF4-FFF2-40B4-BE49-F238E27FC236}">
+                  <a16:creationId xmlns:a16="http://schemas.microsoft.com/office/drawing/2014/main" id="{E6BCACAC-C4C9-43C6-9CC5-538D880A7379}"/>
+                </a:ext>
+              </a:extLst>
+            </p:cNvPr>
+            <p:cNvGrpSpPr/>
+            <p:nvPr/>
+          </p:nvGrpSpPr>
+          <p:grpSpPr>
+            <a:xfrm>
+              <a:off x="8143635" y="4783071"/>
+              <a:ext cx="162231" cy="162231"/>
+              <a:chOff x="8157975" y="3853800"/>
+              <a:chExt cx="180900" cy="180900"/>
+            </a:xfrm>
+          </p:grpSpPr>
+          <p:sp>
+            <p:nvSpPr>
+              <p:cNvPr id="527" name="Google Shape;459;p16">
+                <a:extLst>
+                  <a:ext uri="{FF2B5EF4-FFF2-40B4-BE49-F238E27FC236}">
+                    <a16:creationId xmlns:a16="http://schemas.microsoft.com/office/drawing/2014/main" id="{1705FDF2-F57A-4586-8FD3-C1CCBE048255}"/>
+                  </a:ext>
+                </a:extLst>
+              </p:cNvPr>
+              <p:cNvSpPr/>
+              <p:nvPr/>
+            </p:nvSpPr>
+            <p:spPr>
+              <a:xfrm>
+                <a:off x="8157975" y="3853800"/>
+                <a:ext cx="180900" cy="180900"/>
+              </a:xfrm>
+              <a:prstGeom prst="ellipse">
+                <a:avLst/>
+              </a:prstGeom>
+              <a:solidFill>
+                <a:schemeClr val="lt2"/>
+              </a:solidFill>
+              <a:ln w="19050" cap="flat" cmpd="sng">
+                <a:solidFill>
+                  <a:srgbClr val="999999"/>
+                </a:solidFill>
+                <a:prstDash val="solid"/>
+                <a:round/>
+                <a:headEnd type="none" w="sm" len="sm"/>
+                <a:tailEnd type="none" w="sm" len="sm"/>
+              </a:ln>
+            </p:spPr>
+            <p:txBody>
+              <a:bodyPr spcFirstLastPara="1" wrap="square" lIns="0" tIns="0" rIns="0" bIns="0" anchor="ctr" anchorCtr="0">
+                <a:noAutofit/>
+              </a:bodyPr>
+              <a:lstStyle/>
+              <a:p>
+                <a:pPr marL="0" lvl="0" indent="0" algn="ctr" rtl="0">
+                  <a:spcBef>
+                    <a:spcPts val="0"/>
+                  </a:spcBef>
+                  <a:spcAft>
+                    <a:spcPts val="0"/>
+                  </a:spcAft>
+                  <a:buNone/>
+                </a:pPr>
+                <a:endParaRPr sz="1800" b="1">
+                  <a:solidFill>
+                    <a:schemeClr val="dk2"/>
+                  </a:solidFill>
+                </a:endParaRPr>
+              </a:p>
+            </p:txBody>
+          </p:sp>
+          <p:cxnSp>
+            <p:nvCxnSpPr>
+              <p:cNvPr id="528" name="Google Shape;460;p16">
+                <a:extLst>
+                  <a:ext uri="{FF2B5EF4-FFF2-40B4-BE49-F238E27FC236}">
+                    <a16:creationId xmlns:a16="http://schemas.microsoft.com/office/drawing/2014/main" id="{9A3B6341-1548-4541-B06E-143E16728309}"/>
+                  </a:ext>
+                </a:extLst>
+              </p:cNvPr>
+              <p:cNvCxnSpPr/>
+              <p:nvPr/>
+            </p:nvCxnSpPr>
+            <p:spPr>
+              <a:xfrm>
+                <a:off x="8200275" y="3944250"/>
+                <a:ext cx="96300" cy="0"/>
+              </a:xfrm>
+              <a:prstGeom prst="straightConnector1">
+                <a:avLst/>
+              </a:prstGeom>
+              <a:noFill/>
+              <a:ln w="19050" cap="flat" cmpd="sng">
+                <a:solidFill>
+                  <a:schemeClr val="dk2"/>
+                </a:solidFill>
+                <a:prstDash val="solid"/>
+                <a:round/>
+                <a:headEnd type="none" w="med" len="med"/>
+                <a:tailEnd type="none" w="med" len="med"/>
+              </a:ln>
+            </p:spPr>
+          </p:cxnSp>
+        </p:grpSp>
+        <p:cxnSp>
+          <p:nvCxnSpPr>
+            <p:cNvPr id="529" name="Google Shape;455;p16">
+              <a:extLst>
+                <a:ext uri="{FF2B5EF4-FFF2-40B4-BE49-F238E27FC236}">
+                  <a16:creationId xmlns:a16="http://schemas.microsoft.com/office/drawing/2014/main" id="{660BC3DA-9035-4375-ADE9-83A5CF73B22E}"/>
+                </a:ext>
+              </a:extLst>
+            </p:cNvPr>
+            <p:cNvCxnSpPr>
+              <a:cxnSpLocks/>
+              <a:stCxn id="524" idx="4"/>
+              <a:endCxn id="527" idx="0"/>
+            </p:cNvCxnSpPr>
+            <p:nvPr/>
+          </p:nvCxnSpPr>
+          <p:spPr>
+            <a:xfrm flipH="1">
+              <a:off x="8224751" y="2119709"/>
+              <a:ext cx="1" cy="2663362"/>
+            </a:xfrm>
+            <a:prstGeom prst="straightConnector1">
+              <a:avLst/>
+            </a:prstGeom>
+            <a:noFill/>
+            <a:ln w="9525" cap="flat" cmpd="sng">
+              <a:solidFill>
+                <a:schemeClr val="dk2"/>
+              </a:solidFill>
+              <a:prstDash val="solid"/>
+              <a:round/>
+              <a:headEnd type="none" w="med" len="med"/>
+              <a:tailEnd type="triangle" w="med" len="med"/>
+            </a:ln>
+          </p:spPr>
+        </p:cxnSp>
+        <p:cxnSp>
+          <p:nvCxnSpPr>
+            <p:cNvPr id="530" name="Google Shape;455;p16">
+              <a:extLst>
+                <a:ext uri="{FF2B5EF4-FFF2-40B4-BE49-F238E27FC236}">
+                  <a16:creationId xmlns:a16="http://schemas.microsoft.com/office/drawing/2014/main" id="{B0F8DE92-E925-4CAC-9120-186CE711EC50}"/>
+                </a:ext>
+              </a:extLst>
+            </p:cNvPr>
+            <p:cNvCxnSpPr>
+              <a:cxnSpLocks/>
+              <a:stCxn id="527" idx="2"/>
+              <a:endCxn id="522" idx="6"/>
+            </p:cNvCxnSpPr>
+            <p:nvPr/>
+          </p:nvCxnSpPr>
+          <p:spPr>
+            <a:xfrm flipH="1">
+              <a:off x="5188932" y="4864187"/>
+              <a:ext cx="2954703" cy="22860"/>
+            </a:xfrm>
+            <a:prstGeom prst="straightConnector1">
+              <a:avLst/>
+            </a:prstGeom>
+            <a:noFill/>
+            <a:ln w="9525" cap="flat" cmpd="sng">
+              <a:solidFill>
+                <a:schemeClr val="dk2"/>
+              </a:solidFill>
+              <a:prstDash val="solid"/>
+              <a:round/>
+              <a:headEnd type="none" w="med" len="med"/>
+              <a:tailEnd type="triangle" w="med" len="med"/>
+            </a:ln>
+          </p:spPr>
+        </p:cxnSp>
       </p:grpSp>
-      <p:cxnSp>
-        <p:nvCxnSpPr>
-          <p:cNvPr id="529" name="Google Shape;455;p16">
-            <a:extLst>
-              <a:ext uri="{FF2B5EF4-FFF2-40B4-BE49-F238E27FC236}">
-                <a16:creationId xmlns:a16="http://schemas.microsoft.com/office/drawing/2014/main" id="{660BC3DA-9035-4375-ADE9-83A5CF73B22E}"/>
-              </a:ext>
-            </a:extLst>
-          </p:cNvPr>
-          <p:cNvCxnSpPr>
-            <a:cxnSpLocks/>
-            <a:stCxn id="524" idx="4"/>
-            <a:endCxn id="527" idx="0"/>
-          </p:cNvCxnSpPr>
-          <p:nvPr/>
-        </p:nvCxnSpPr>
-        <p:spPr>
-          <a:xfrm flipH="1">
-            <a:off x="8224751" y="2119709"/>
-            <a:ext cx="1" cy="2663362"/>
-          </a:xfrm>
-          <a:prstGeom prst="straightConnector1">
-            <a:avLst/>
-          </a:prstGeom>
-          <a:noFill/>
-          <a:ln w="9525" cap="flat" cmpd="sng">
-            <a:solidFill>
-              <a:schemeClr val="dk2"/>
-            </a:solidFill>
-            <a:prstDash val="solid"/>
-            <a:round/>
-            <a:headEnd type="none" w="med" len="med"/>
-            <a:tailEnd type="triangle" w="med" len="med"/>
-          </a:ln>
-        </p:spPr>
-      </p:cxnSp>
-      <p:cxnSp>
-        <p:nvCxnSpPr>
-          <p:cNvPr id="530" name="Google Shape;455;p16">
-            <a:extLst>
-              <a:ext uri="{FF2B5EF4-FFF2-40B4-BE49-F238E27FC236}">
-                <a16:creationId xmlns:a16="http://schemas.microsoft.com/office/drawing/2014/main" id="{B0F8DE92-E925-4CAC-9120-186CE711EC50}"/>
-              </a:ext>
-            </a:extLst>
-          </p:cNvPr>
-          <p:cNvCxnSpPr>
-            <a:cxnSpLocks/>
-            <a:stCxn id="527" idx="2"/>
-            <a:endCxn id="522" idx="6"/>
-          </p:cNvCxnSpPr>
-          <p:nvPr/>
-        </p:nvCxnSpPr>
-        <p:spPr>
-          <a:xfrm flipH="1">
-            <a:off x="5188932" y="4864187"/>
-            <a:ext cx="2954703" cy="22860"/>
-          </a:xfrm>
-          <a:prstGeom prst="straightConnector1">
-            <a:avLst/>
-          </a:prstGeom>
-          <a:noFill/>
-          <a:ln w="9525" cap="flat" cmpd="sng">
-            <a:solidFill>
-              <a:schemeClr val="dk2"/>
-            </a:solidFill>
-            <a:prstDash val="solid"/>
-            <a:round/>
-            <a:headEnd type="none" w="med" len="med"/>
-            <a:tailEnd type="triangle" w="med" len="med"/>
-          </a:ln>
-        </p:spPr>
-      </p:cxnSp>
     </p:spTree>
   </p:cSld>
   <p:clrMapOvr>
@@ -20478,8 +20499,8 @@
             </a:ln>
           </p:spPr>
         </p:cxnSp>
-        <mc:AlternateContent xmlns:mc="http://schemas.openxmlformats.org/markup-compatibility/2006">
-          <mc:Choice xmlns:a14="http://schemas.microsoft.com/office/drawing/2010/main" Requires="a14">
+        <mc:AlternateContent xmlns:mc="http://schemas.openxmlformats.org/markup-compatibility/2006" xmlns:a14="http://schemas.microsoft.com/office/drawing/2010/main">
+          <mc:Choice Requires="a14">
             <p:sp>
               <p:nvSpPr>
                 <p:cNvPr id="142" name="Google Shape;101;p14">
@@ -20567,7 +20588,7 @@
               </p:txBody>
             </p:sp>
           </mc:Choice>
-          <mc:Fallback>
+          <mc:Fallback xmlns="">
             <p:sp>
               <p:nvSpPr>
                 <p:cNvPr id="142" name="Google Shape;101;p14">
@@ -20615,8 +20636,8 @@
             </p:sp>
           </mc:Fallback>
         </mc:AlternateContent>
-        <mc:AlternateContent xmlns:mc="http://schemas.openxmlformats.org/markup-compatibility/2006">
-          <mc:Choice xmlns:a14="http://schemas.microsoft.com/office/drawing/2010/main" Requires="a14">
+        <mc:AlternateContent xmlns:mc="http://schemas.openxmlformats.org/markup-compatibility/2006" xmlns:a14="http://schemas.microsoft.com/office/drawing/2010/main">
+          <mc:Choice Requires="a14">
             <p:sp>
               <p:nvSpPr>
                 <p:cNvPr id="143" name="Google Shape;102;p14">
@@ -20683,7 +20704,7 @@
               </p:txBody>
             </p:sp>
           </mc:Choice>
-          <mc:Fallback>
+          <mc:Fallback xmlns="">
             <p:sp>
               <p:nvSpPr>
                 <p:cNvPr id="143" name="Google Shape;102;p14">
@@ -21174,8 +21195,8 @@
           </a:p>
         </p:txBody>
       </p:sp>
-      <mc:AlternateContent xmlns:mc="http://schemas.openxmlformats.org/markup-compatibility/2006">
-        <mc:Choice xmlns:a14="http://schemas.microsoft.com/office/drawing/2010/main" Requires="a14">
+      <mc:AlternateContent xmlns:mc="http://schemas.openxmlformats.org/markup-compatibility/2006" xmlns:a14="http://schemas.microsoft.com/office/drawing/2010/main">
+        <mc:Choice Requires="a14">
           <p:sp>
             <p:nvSpPr>
               <p:cNvPr id="27" name="Google Shape;102;p14">
@@ -21253,7 +21274,7 @@
             </p:txBody>
           </p:sp>
         </mc:Choice>
-        <mc:Fallback>
+        <mc:Fallback xmlns="">
           <p:sp>
             <p:nvSpPr>
               <p:cNvPr id="27" name="Google Shape;102;p14">
@@ -21498,8 +21519,8 @@
           </a:fontRef>
         </p:style>
       </p:cxnSp>
-      <mc:AlternateContent xmlns:mc="http://schemas.openxmlformats.org/markup-compatibility/2006">
-        <mc:Choice xmlns:a14="http://schemas.microsoft.com/office/drawing/2010/main" Requires="a14">
+      <mc:AlternateContent xmlns:mc="http://schemas.openxmlformats.org/markup-compatibility/2006" xmlns:a14="http://schemas.microsoft.com/office/drawing/2010/main">
+        <mc:Choice Requires="a14">
           <p:sp>
             <p:nvSpPr>
               <p:cNvPr id="41" name="Google Shape;100;p14">
@@ -21598,7 +21619,7 @@
             </p:txBody>
           </p:sp>
         </mc:Choice>
-        <mc:Fallback>
+        <mc:Fallback xmlns="">
           <p:sp>
             <p:nvSpPr>
               <p:cNvPr id="41" name="Google Shape;100;p14">
@@ -21799,8 +21820,8 @@
           </a:ln>
         </p:spPr>
       </p:cxnSp>
-      <mc:AlternateContent xmlns:mc="http://schemas.openxmlformats.org/markup-compatibility/2006">
-        <mc:Choice xmlns:a14="http://schemas.microsoft.com/office/drawing/2010/main" Requires="a14">
+      <mc:AlternateContent xmlns:mc="http://schemas.openxmlformats.org/markup-compatibility/2006" xmlns:a14="http://schemas.microsoft.com/office/drawing/2010/main">
+        <mc:Choice Requires="a14">
           <p:sp>
             <p:nvSpPr>
               <p:cNvPr id="62" name="Google Shape;100;p14">
@@ -21920,7 +21941,7 @@
             </p:txBody>
           </p:sp>
         </mc:Choice>
-        <mc:Fallback>
+        <mc:Fallback xmlns="">
           <p:sp>
             <p:nvSpPr>
               <p:cNvPr id="62" name="Google Shape;100;p14">
@@ -27332,266 +27353,6 @@
               <a:t>Integration in bestehenden Produktionsprozess</a:t>
             </a:r>
             <a:endParaRPr/>
-          </a:p>
-        </p:txBody>
-      </p:sp>
-      <p:grpSp>
-        <p:nvGrpSpPr>
-          <p:cNvPr id="468" name="Google Shape;468;p17"/>
-          <p:cNvGrpSpPr/>
-          <p:nvPr/>
-        </p:nvGrpSpPr>
-        <p:grpSpPr>
-          <a:xfrm>
-            <a:off x="11993831" y="-674568"/>
-            <a:ext cx="568974" cy="499084"/>
-            <a:chOff x="6644329" y="495267"/>
-            <a:chExt cx="2037143" cy="1786909"/>
-          </a:xfrm>
-        </p:grpSpPr>
-        <p:grpSp>
-          <p:nvGrpSpPr>
-            <p:cNvPr id="469" name="Google Shape;469;p17"/>
-            <p:cNvGrpSpPr/>
-            <p:nvPr/>
-          </p:nvGrpSpPr>
-          <p:grpSpPr>
-            <a:xfrm>
-              <a:off x="6644329" y="495267"/>
-              <a:ext cx="2037143" cy="1786909"/>
-              <a:chOff x="4352450" y="3930725"/>
-              <a:chExt cx="554400" cy="486300"/>
-            </a:xfrm>
-          </p:grpSpPr>
-          <p:sp>
-            <p:nvSpPr>
-              <p:cNvPr id="470" name="Google Shape;470;p17"/>
-              <p:cNvSpPr/>
-              <p:nvPr/>
-            </p:nvSpPr>
-            <p:spPr>
-              <a:xfrm>
-                <a:off x="4352450" y="3930725"/>
-                <a:ext cx="554400" cy="486300"/>
-              </a:xfrm>
-              <a:prstGeom prst="rect">
-                <a:avLst/>
-              </a:prstGeom>
-              <a:solidFill>
-                <a:schemeClr val="lt2"/>
-              </a:solidFill>
-              <a:ln w="9525" cap="flat" cmpd="sng">
-                <a:solidFill>
-                  <a:schemeClr val="dk2"/>
-                </a:solidFill>
-                <a:prstDash val="solid"/>
-                <a:round/>
-                <a:headEnd type="none" w="sm" len="sm"/>
-                <a:tailEnd type="none" w="sm" len="sm"/>
-              </a:ln>
-            </p:spPr>
-            <p:txBody>
-              <a:bodyPr spcFirstLastPara="1" wrap="square" lIns="91425" tIns="91425" rIns="91425" bIns="91425" anchor="ctr" anchorCtr="0">
-                <a:noAutofit/>
-              </a:bodyPr>
-              <a:lstStyle/>
-              <a:p>
-                <a:pPr marL="0" lvl="0" indent="0" algn="l" rtl="0">
-                  <a:spcBef>
-                    <a:spcPts val="0"/>
-                  </a:spcBef>
-                  <a:spcAft>
-                    <a:spcPts val="0"/>
-                  </a:spcAft>
-                  <a:buNone/>
-                </a:pPr>
-                <a:endParaRPr/>
-              </a:p>
-            </p:txBody>
-          </p:sp>
-          <p:grpSp>
-            <p:nvGrpSpPr>
-              <p:cNvPr id="471" name="Google Shape;471;p17"/>
-              <p:cNvGrpSpPr/>
-              <p:nvPr/>
-            </p:nvGrpSpPr>
-            <p:grpSpPr>
-              <a:xfrm>
-                <a:off x="4412578" y="3963673"/>
-                <a:ext cx="462683" cy="377541"/>
-                <a:chOff x="6455925" y="3633875"/>
-                <a:chExt cx="780900" cy="637200"/>
-              </a:xfrm>
-            </p:grpSpPr>
-            <p:cxnSp>
-              <p:nvCxnSpPr>
-                <p:cNvPr id="472" name="Google Shape;472;p17"/>
-                <p:cNvCxnSpPr/>
-                <p:nvPr/>
-              </p:nvCxnSpPr>
-              <p:spPr>
-                <a:xfrm rot="10800000">
-                  <a:off x="6455925" y="3633875"/>
-                  <a:ext cx="0" cy="637200"/>
-                </a:xfrm>
-                <a:prstGeom prst="straightConnector1">
-                  <a:avLst/>
-                </a:prstGeom>
-                <a:noFill/>
-                <a:ln w="9525" cap="flat" cmpd="sng">
-                  <a:solidFill>
-                    <a:schemeClr val="dk2"/>
-                  </a:solidFill>
-                  <a:prstDash val="solid"/>
-                  <a:round/>
-                  <a:headEnd type="none" w="med" len="med"/>
-                  <a:tailEnd type="triangle" w="med" len="med"/>
-                </a:ln>
-              </p:spPr>
-            </p:cxnSp>
-            <p:cxnSp>
-              <p:nvCxnSpPr>
-                <p:cNvPr id="473" name="Google Shape;473;p17"/>
-                <p:cNvCxnSpPr/>
-                <p:nvPr/>
-              </p:nvCxnSpPr>
-              <p:spPr>
-                <a:xfrm>
-                  <a:off x="6455925" y="4271075"/>
-                  <a:ext cx="780900" cy="0"/>
-                </a:xfrm>
-                <a:prstGeom prst="straightConnector1">
-                  <a:avLst/>
-                </a:prstGeom>
-                <a:noFill/>
-                <a:ln w="9525" cap="flat" cmpd="sng">
-                  <a:solidFill>
-                    <a:schemeClr val="dk2"/>
-                  </a:solidFill>
-                  <a:prstDash val="solid"/>
-                  <a:round/>
-                  <a:headEnd type="none" w="med" len="med"/>
-                  <a:tailEnd type="triangle" w="med" len="med"/>
-                </a:ln>
-              </p:spPr>
-            </p:cxnSp>
-          </p:grpSp>
-        </p:grpSp>
-        <p:sp>
-          <p:nvSpPr>
-            <p:cNvPr id="474" name="Google Shape;474;p17"/>
-            <p:cNvSpPr/>
-            <p:nvPr/>
-          </p:nvSpPr>
-          <p:spPr>
-            <a:xfrm>
-              <a:off x="7014190" y="1017739"/>
-              <a:ext cx="1152080" cy="975950"/>
-            </a:xfrm>
-            <a:custGeom>
-              <a:avLst/>
-              <a:gdLst/>
-              <a:ahLst/>
-              <a:cxnLst/>
-              <a:rect l="l" t="t" r="r" b="b"/>
-              <a:pathLst>
-                <a:path w="54337" h="39038" extrusionOk="0">
-                  <a:moveTo>
-                    <a:pt x="0" y="39038"/>
-                  </a:moveTo>
-                  <a:cubicBezTo>
-                    <a:pt x="2374" y="36741"/>
-                    <a:pt x="9760" y="31762"/>
-                    <a:pt x="14244" y="25256"/>
-                  </a:cubicBezTo>
-                  <a:cubicBezTo>
-                    <a:pt x="18728" y="18750"/>
-                    <a:pt x="22817" y="0"/>
-                    <a:pt x="26905" y="0"/>
-                  </a:cubicBezTo>
-                  <a:cubicBezTo>
-                    <a:pt x="30993" y="0"/>
-                    <a:pt x="34202" y="18750"/>
-                    <a:pt x="38774" y="25256"/>
-                  </a:cubicBezTo>
-                  <a:cubicBezTo>
-                    <a:pt x="43346" y="31762"/>
-                    <a:pt x="51743" y="36741"/>
-                    <a:pt x="54337" y="39038"/>
-                  </a:cubicBezTo>
-                </a:path>
-              </a:pathLst>
-            </a:custGeom>
-            <a:solidFill>
-              <a:srgbClr val="B7B7B7"/>
-            </a:solidFill>
-            <a:ln w="9525" cap="flat" cmpd="sng">
-              <a:solidFill>
-                <a:srgbClr val="B7B7B7"/>
-              </a:solidFill>
-              <a:prstDash val="solid"/>
-              <a:round/>
-              <a:headEnd type="none" w="med" len="med"/>
-              <a:tailEnd type="none" w="med" len="med"/>
-            </a:ln>
-          </p:spPr>
-        </p:sp>
-      </p:grpSp>
-      <p:sp>
-        <p:nvSpPr>
-          <p:cNvPr id="475" name="Google Shape;475;p17"/>
-          <p:cNvSpPr txBox="1"/>
-          <p:nvPr/>
-        </p:nvSpPr>
-        <p:spPr>
-          <a:xfrm>
-            <a:off x="11660913" y="147350"/>
-            <a:ext cx="1234800" cy="364200"/>
-          </a:xfrm>
-          <a:prstGeom prst="rect">
-            <a:avLst/>
-          </a:prstGeom>
-          <a:noFill/>
-          <a:ln>
-            <a:noFill/>
-          </a:ln>
-        </p:spPr>
-        <p:txBody>
-          <a:bodyPr spcFirstLastPara="1" wrap="square" lIns="91425" tIns="91425" rIns="91425" bIns="91425" anchor="t" anchorCtr="0">
-            <a:noAutofit/>
-          </a:bodyPr>
-          <a:lstStyle/>
-          <a:p>
-            <a:pPr marL="0" lvl="0" indent="0" algn="ctr" rtl="0">
-              <a:spcBef>
-                <a:spcPts val="0"/>
-              </a:spcBef>
-              <a:spcAft>
-                <a:spcPts val="0"/>
-              </a:spcAft>
-              <a:buNone/>
-            </a:pPr>
-            <a:r>
-              <a:rPr lang="en" sz="1200" b="1"/>
-              <a:t>Bauteil-</a:t>
-            </a:r>
-            <a:endParaRPr sz="1200" b="1"/>
-          </a:p>
-          <a:p>
-            <a:pPr marL="0" lvl="0" indent="0" algn="ctr" rtl="0">
-              <a:spcBef>
-                <a:spcPts val="0"/>
-              </a:spcBef>
-              <a:spcAft>
-                <a:spcPts val="0"/>
-              </a:spcAft>
-              <a:buNone/>
-            </a:pPr>
-            <a:r>
-              <a:rPr lang="en" sz="1200" b="1"/>
-              <a:t>qualität</a:t>
-            </a:r>
-            <a:endParaRPr sz="1200"/>
           </a:p>
         </p:txBody>
       </p:sp>
